--- a/Revisione1 .pptx
+++ b/Revisione1 .pptx
@@ -128,21 +128,51 @@
 </p:presentation>
 </file>
 
-<file path=ppt/revisionInfo.xml><?xml version="1.0" encoding="utf-8"?>
-<p1510:revInfo xmlns:a="http://schemas.openxmlformats.org/drawingml/2006/main" xmlns:r="http://schemas.openxmlformats.org/officeDocument/2006/relationships" xmlns:p1510="http://schemas.microsoft.com/office/powerpoint/2015/10/main">
-  <p1510:revLst>
-    <p1510:client id="{2A52C688-E0CF-BF74-C1A0-B96BEA26F18F}" v="40" dt="2025-12-10T11:08:36.056"/>
-    <p1510:client id="{D9C4F180-07F4-1ECC-CBF6-3C8A55AD8332}" v="346" dt="2025-12-10T11:02:56.521"/>
-  </p1510:revLst>
-</p1510:revInfo>
-</file>
-
 <file path=ppt/changesInfos/changesInfo1.xml><?xml version="1.0" encoding="utf-8"?>
 <pc:chgInfo xmlns:a="http://schemas.openxmlformats.org/drawingml/2006/main" xmlns:r="http://schemas.openxmlformats.org/officeDocument/2006/relationships" xmlns:ac="http://schemas.microsoft.com/office/drawing/2013/main/command" xmlns:pc="http://schemas.microsoft.com/office/powerpoint/2013/main/command">
   <pc:docChgLst>
+    <pc:chgData name="GIUSTO BAIAMONTE" userId="S::giusto.baiamonte@you.unipa.it::32b71377-abd2-4a36-b39d-29c4c9220657" providerId="AD" clId="Web-{D9C4F180-07F4-1ECC-CBF6-3C8A55AD8332}"/>
+    <pc:docChg chg="modSld">
+      <pc:chgData name="GIUSTO BAIAMONTE" userId="S::giusto.baiamonte@you.unipa.it::32b71377-abd2-4a36-b39d-29c4c9220657" providerId="AD" clId="Web-{D9C4F180-07F4-1ECC-CBF6-3C8A55AD8332}" dt="2025-12-10T11:02:52.474" v="343" actId="20577"/>
+      <pc:docMkLst>
+        <pc:docMk/>
+      </pc:docMkLst>
+      <pc:sldChg chg="modSp">
+        <pc:chgData name="GIUSTO BAIAMONTE" userId="S::giusto.baiamonte@you.unipa.it::32b71377-abd2-4a36-b39d-29c4c9220657" providerId="AD" clId="Web-{D9C4F180-07F4-1ECC-CBF6-3C8A55AD8332}" dt="2025-12-10T11:01:37.537" v="334" actId="20577"/>
+        <pc:sldMkLst>
+          <pc:docMk/>
+          <pc:sldMk cId="2801757028" sldId="264"/>
+        </pc:sldMkLst>
+        <pc:spChg chg="mod">
+          <ac:chgData name="GIUSTO BAIAMONTE" userId="S::giusto.baiamonte@you.unipa.it::32b71377-abd2-4a36-b39d-29c4c9220657" providerId="AD" clId="Web-{D9C4F180-07F4-1ECC-CBF6-3C8A55AD8332}" dt="2025-12-10T11:01:37.537" v="334" actId="20577"/>
+          <ac:spMkLst>
+            <pc:docMk/>
+            <pc:sldMk cId="2801757028" sldId="264"/>
+            <ac:spMk id="13" creationId="{A4BDCFA3-5510-69D4-023C-A4A14115FDE1}"/>
+          </ac:spMkLst>
+        </pc:spChg>
+      </pc:sldChg>
+      <pc:sldChg chg="modSp">
+        <pc:chgData name="GIUSTO BAIAMONTE" userId="S::giusto.baiamonte@you.unipa.it::32b71377-abd2-4a36-b39d-29c4c9220657" providerId="AD" clId="Web-{D9C4F180-07F4-1ECC-CBF6-3C8A55AD8332}" dt="2025-12-10T11:02:52.474" v="343" actId="20577"/>
+        <pc:sldMkLst>
+          <pc:docMk/>
+          <pc:sldMk cId="574727215" sldId="265"/>
+        </pc:sldMkLst>
+        <pc:spChg chg="mod">
+          <ac:chgData name="GIUSTO BAIAMONTE" userId="S::giusto.baiamonte@you.unipa.it::32b71377-abd2-4a36-b39d-29c4c9220657" providerId="AD" clId="Web-{D9C4F180-07F4-1ECC-CBF6-3C8A55AD8332}" dt="2025-12-10T11:02:52.474" v="343" actId="20577"/>
+          <ac:spMkLst>
+            <pc:docMk/>
+            <pc:sldMk cId="574727215" sldId="265"/>
+            <ac:spMk id="3" creationId="{EF7FC097-400F-C120-6F47-005979D6F772}"/>
+          </ac:spMkLst>
+        </pc:spChg>
+      </pc:sldChg>
+    </pc:docChg>
+  </pc:docChgLst>
+  <pc:docChgLst>
     <pc:chgData name="GIULIA FILICICCHIA" userId="cb9b82e9-d681-4fbd-94e0-dca89213e694" providerId="ADAL" clId="{ECC296A0-5B09-42BE-8914-9A97CBE11E9B}"/>
     <pc:docChg chg="undo custSel addSld delSld modSld sldOrd">
-      <pc:chgData name="GIULIA FILICICCHIA" userId="cb9b82e9-d681-4fbd-94e0-dca89213e694" providerId="ADAL" clId="{ECC296A0-5B09-42BE-8914-9A97CBE11E9B}" dt="2025-12-07T15:03:32.117" v="1567" actId="26606"/>
+      <pc:chgData name="GIULIA FILICICCHIA" userId="cb9b82e9-d681-4fbd-94e0-dca89213e694" providerId="ADAL" clId="{ECC296A0-5B09-42BE-8914-9A97CBE11E9B}" dt="2025-12-16T16:04:24.808" v="1570" actId="14100"/>
       <pc:docMkLst>
         <pc:docMk/>
       </pc:docMkLst>
@@ -562,13 +592,13 @@
         </pc:picChg>
       </pc:sldChg>
       <pc:sldChg chg="addSp delSp modSp new mod ord setBg">
-        <pc:chgData name="GIULIA FILICICCHIA" userId="cb9b82e9-d681-4fbd-94e0-dca89213e694" providerId="ADAL" clId="{ECC296A0-5B09-42BE-8914-9A97CBE11E9B}" dt="2025-12-07T11:30:04.867" v="1479" actId="242"/>
+        <pc:chgData name="GIULIA FILICICCHIA" userId="cb9b82e9-d681-4fbd-94e0-dca89213e694" providerId="ADAL" clId="{ECC296A0-5B09-42BE-8914-9A97CBE11E9B}" dt="2025-12-16T16:04:24.808" v="1570" actId="14100"/>
         <pc:sldMkLst>
           <pc:docMk/>
           <pc:sldMk cId="574727215" sldId="265"/>
         </pc:sldMkLst>
         <pc:spChg chg="mod">
-          <ac:chgData name="GIULIA FILICICCHIA" userId="cb9b82e9-d681-4fbd-94e0-dca89213e694" providerId="ADAL" clId="{ECC296A0-5B09-42BE-8914-9A97CBE11E9B}" dt="2025-12-07T11:30:04.867" v="1479" actId="242"/>
+          <ac:chgData name="GIULIA FILICICCHIA" userId="cb9b82e9-d681-4fbd-94e0-dca89213e694" providerId="ADAL" clId="{ECC296A0-5B09-42BE-8914-9A97CBE11E9B}" dt="2025-12-16T16:04:24.808" v="1570" actId="14100"/>
           <ac:spMkLst>
             <pc:docMk/>
             <pc:sldMk cId="574727215" sldId="265"/>
@@ -981,45 +1011,6 @@
             <pc:docMk/>
             <pc:sldMk cId="1358167487" sldId="267"/>
             <ac:spMk id="5" creationId="{F795F97C-D43F-25C3-4F5E-6754BD37571A}"/>
-          </ac:spMkLst>
-        </pc:spChg>
-      </pc:sldChg>
-    </pc:docChg>
-  </pc:docChgLst>
-  <pc:docChgLst>
-    <pc:chgData name="GIUSTO BAIAMONTE" userId="S::giusto.baiamonte@you.unipa.it::32b71377-abd2-4a36-b39d-29c4c9220657" providerId="AD" clId="Web-{D9C4F180-07F4-1ECC-CBF6-3C8A55AD8332}"/>
-    <pc:docChg chg="modSld">
-      <pc:chgData name="GIUSTO BAIAMONTE" userId="S::giusto.baiamonte@you.unipa.it::32b71377-abd2-4a36-b39d-29c4c9220657" providerId="AD" clId="Web-{D9C4F180-07F4-1ECC-CBF6-3C8A55AD8332}" dt="2025-12-10T11:02:52.474" v="343" actId="20577"/>
-      <pc:docMkLst>
-        <pc:docMk/>
-      </pc:docMkLst>
-      <pc:sldChg chg="modSp">
-        <pc:chgData name="GIUSTO BAIAMONTE" userId="S::giusto.baiamonte@you.unipa.it::32b71377-abd2-4a36-b39d-29c4c9220657" providerId="AD" clId="Web-{D9C4F180-07F4-1ECC-CBF6-3C8A55AD8332}" dt="2025-12-10T11:01:37.537" v="334" actId="20577"/>
-        <pc:sldMkLst>
-          <pc:docMk/>
-          <pc:sldMk cId="2801757028" sldId="264"/>
-        </pc:sldMkLst>
-        <pc:spChg chg="mod">
-          <ac:chgData name="GIUSTO BAIAMONTE" userId="S::giusto.baiamonte@you.unipa.it::32b71377-abd2-4a36-b39d-29c4c9220657" providerId="AD" clId="Web-{D9C4F180-07F4-1ECC-CBF6-3C8A55AD8332}" dt="2025-12-10T11:01:37.537" v="334" actId="20577"/>
-          <ac:spMkLst>
-            <pc:docMk/>
-            <pc:sldMk cId="2801757028" sldId="264"/>
-            <ac:spMk id="13" creationId="{A4BDCFA3-5510-69D4-023C-A4A14115FDE1}"/>
-          </ac:spMkLst>
-        </pc:spChg>
-      </pc:sldChg>
-      <pc:sldChg chg="modSp">
-        <pc:chgData name="GIUSTO BAIAMONTE" userId="S::giusto.baiamonte@you.unipa.it::32b71377-abd2-4a36-b39d-29c4c9220657" providerId="AD" clId="Web-{D9C4F180-07F4-1ECC-CBF6-3C8A55AD8332}" dt="2025-12-10T11:02:52.474" v="343" actId="20577"/>
-        <pc:sldMkLst>
-          <pc:docMk/>
-          <pc:sldMk cId="574727215" sldId="265"/>
-        </pc:sldMkLst>
-        <pc:spChg chg="mod">
-          <ac:chgData name="GIUSTO BAIAMONTE" userId="S::giusto.baiamonte@you.unipa.it::32b71377-abd2-4a36-b39d-29c4c9220657" providerId="AD" clId="Web-{D9C4F180-07F4-1ECC-CBF6-3C8A55AD8332}" dt="2025-12-10T11:02:52.474" v="343" actId="20577"/>
-          <ac:spMkLst>
-            <pc:docMk/>
-            <pc:sldMk cId="574727215" sldId="265"/>
-            <ac:spMk id="3" creationId="{EF7FC097-400F-C120-6F47-005979D6F772}"/>
           </ac:spMkLst>
         </pc:spChg>
       </pc:sldChg>
@@ -16250,7 +16241,7 @@
           <a:p>
             <a:fld id="{C1208B56-489F-43F9-8D8B-A6A3E833E09F}" type="datetimeFigureOut">
               <a:rPr lang="it-IT" smtClean="0"/>
-              <a:t>10/12/2025</a:t>
+              <a:t>16/12/2025</a:t>
             </a:fld>
             <a:endParaRPr lang="it-IT"/>
           </a:p>
@@ -16448,7 +16439,7 @@
           <a:p>
             <a:fld id="{C1208B56-489F-43F9-8D8B-A6A3E833E09F}" type="datetimeFigureOut">
               <a:rPr lang="it-IT" smtClean="0"/>
-              <a:t>10/12/2025</a:t>
+              <a:t>16/12/2025</a:t>
             </a:fld>
             <a:endParaRPr lang="it-IT"/>
           </a:p>
@@ -16656,7 +16647,7 @@
           <a:p>
             <a:fld id="{C1208B56-489F-43F9-8D8B-A6A3E833E09F}" type="datetimeFigureOut">
               <a:rPr lang="it-IT" smtClean="0"/>
-              <a:t>10/12/2025</a:t>
+              <a:t>16/12/2025</a:t>
             </a:fld>
             <a:endParaRPr lang="it-IT"/>
           </a:p>
@@ -16854,7 +16845,7 @@
           <a:p>
             <a:fld id="{C1208B56-489F-43F9-8D8B-A6A3E833E09F}" type="datetimeFigureOut">
               <a:rPr lang="it-IT" smtClean="0"/>
-              <a:t>10/12/2025</a:t>
+              <a:t>16/12/2025</a:t>
             </a:fld>
             <a:endParaRPr lang="it-IT"/>
           </a:p>
@@ -17129,7 +17120,7 @@
           <a:p>
             <a:fld id="{C1208B56-489F-43F9-8D8B-A6A3E833E09F}" type="datetimeFigureOut">
               <a:rPr lang="it-IT" smtClean="0"/>
-              <a:t>10/12/2025</a:t>
+              <a:t>16/12/2025</a:t>
             </a:fld>
             <a:endParaRPr lang="it-IT"/>
           </a:p>
@@ -17394,7 +17385,7 @@
           <a:p>
             <a:fld id="{C1208B56-489F-43F9-8D8B-A6A3E833E09F}" type="datetimeFigureOut">
               <a:rPr lang="it-IT" smtClean="0"/>
-              <a:t>10/12/2025</a:t>
+              <a:t>16/12/2025</a:t>
             </a:fld>
             <a:endParaRPr lang="it-IT"/>
           </a:p>
@@ -17806,7 +17797,7 @@
           <a:p>
             <a:fld id="{C1208B56-489F-43F9-8D8B-A6A3E833E09F}" type="datetimeFigureOut">
               <a:rPr lang="it-IT" smtClean="0"/>
-              <a:t>10/12/2025</a:t>
+              <a:t>16/12/2025</a:t>
             </a:fld>
             <a:endParaRPr lang="it-IT"/>
           </a:p>
@@ -17947,7 +17938,7 @@
           <a:p>
             <a:fld id="{C1208B56-489F-43F9-8D8B-A6A3E833E09F}" type="datetimeFigureOut">
               <a:rPr lang="it-IT" smtClean="0"/>
-              <a:t>10/12/2025</a:t>
+              <a:t>16/12/2025</a:t>
             </a:fld>
             <a:endParaRPr lang="it-IT"/>
           </a:p>
@@ -18060,7 +18051,7 @@
           <a:p>
             <a:fld id="{C1208B56-489F-43F9-8D8B-A6A3E833E09F}" type="datetimeFigureOut">
               <a:rPr lang="it-IT" smtClean="0"/>
-              <a:t>10/12/2025</a:t>
+              <a:t>16/12/2025</a:t>
             </a:fld>
             <a:endParaRPr lang="it-IT"/>
           </a:p>
@@ -18371,7 +18362,7 @@
           <a:p>
             <a:fld id="{C1208B56-489F-43F9-8D8B-A6A3E833E09F}" type="datetimeFigureOut">
               <a:rPr lang="it-IT" smtClean="0"/>
-              <a:t>10/12/2025</a:t>
+              <a:t>16/12/2025</a:t>
             </a:fld>
             <a:endParaRPr lang="it-IT"/>
           </a:p>
@@ -18659,7 +18650,7 @@
           <a:p>
             <a:fld id="{C1208B56-489F-43F9-8D8B-A6A3E833E09F}" type="datetimeFigureOut">
               <a:rPr lang="it-IT" smtClean="0"/>
-              <a:t>10/12/2025</a:t>
+              <a:t>16/12/2025</a:t>
             </a:fld>
             <a:endParaRPr lang="it-IT"/>
           </a:p>
@@ -18900,7 +18891,7 @@
           <a:p>
             <a:fld id="{C1208B56-489F-43F9-8D8B-A6A3E833E09F}" type="datetimeFigureOut">
               <a:rPr lang="it-IT" smtClean="0"/>
-              <a:t>10/12/2025</a:t>
+              <a:t>16/12/2025</a:t>
             </a:fld>
             <a:endParaRPr lang="it-IT"/>
           </a:p>
@@ -19553,12 +19544,12 @@
         <p:spPr>
           <a:xfrm>
             <a:off x="341376" y="1175657"/>
-            <a:ext cx="5229245" cy="4599502"/>
+            <a:ext cx="5229245" cy="4929868"/>
           </a:xfrm>
         </p:spPr>
         <p:txBody>
-          <a:bodyPr anchor="ctr">
-            <a:noAutofit/>
+          <a:bodyPr vert="horz" lIns="91440" tIns="45720" rIns="91440" bIns="45720" rtlCol="0">
+            <a:normAutofit fontScale="85000" lnSpcReduction="20000"/>
           </a:bodyPr>
           <a:lstStyle/>
           <a:p>
@@ -19566,27 +19557,15 @@
               <a:buNone/>
             </a:pPr>
             <a:r>
-              <a:rPr lang="it-IT" sz="1600">
-                <a:solidFill>
-                  <a:schemeClr val="tx2"/>
-                </a:solidFill>
-              </a:rPr>
+              <a:rPr lang="it-IT" sz="2600" dirty="0"/>
               <a:t>L’utilizzo del  design pattern Factory è dovuto alla necessità di creare diversi tipi di </a:t>
             </a:r>
             <a:r>
-              <a:rPr lang="it-IT" sz="1600" err="1">
-                <a:solidFill>
-                  <a:schemeClr val="tx2"/>
-                </a:solidFill>
-              </a:rPr>
+              <a:rPr lang="it-IT" sz="2600" dirty="0" err="1"/>
               <a:t>ConcreteGame</a:t>
             </a:r>
             <a:r>
-              <a:rPr lang="it-IT" sz="1600">
-                <a:solidFill>
-                  <a:schemeClr val="tx2"/>
-                </a:solidFill>
-              </a:rPr>
+              <a:rPr lang="it-IT" sz="2600" dirty="0"/>
               <a:t> che sono sottoclassi della classe astratta Game. </a:t>
             </a:r>
           </a:p>
@@ -19595,11 +19574,7 @@
               <a:buNone/>
             </a:pPr>
             <a:r>
-              <a:rPr lang="it-IT" sz="1600">
-                <a:solidFill>
-                  <a:schemeClr val="tx2"/>
-                </a:solidFill>
-              </a:rPr>
+              <a:rPr lang="it-IT" sz="2600" dirty="0"/>
               <a:t>Questo è il design pattern più adatto perché le classi concrete sono incapsulate e non vengono mai chiamate esplicitamente dal client, che può utilizzarle liberamente senza preoccuparsi dei substrati interni.</a:t>
             </a:r>
           </a:p>
@@ -19608,43 +19583,23 @@
               <a:buNone/>
             </a:pPr>
             <a:r>
-              <a:rPr lang="it-IT" sz="1600">
-                <a:solidFill>
-                  <a:schemeClr val="tx2"/>
-                </a:solidFill>
-              </a:rPr>
+              <a:rPr lang="it-IT" sz="2600" dirty="0"/>
               <a:t>Nel dettaglio, c'è un'importante differenza tra le classi. Infatti, </a:t>
             </a:r>
             <a:r>
-              <a:rPr lang="it-IT" sz="1600" err="1">
-                <a:solidFill>
-                  <a:schemeClr val="tx2"/>
-                </a:solidFill>
-              </a:rPr>
+              <a:rPr lang="it-IT" sz="2600" dirty="0" err="1"/>
               <a:t>NewGame</a:t>
             </a:r>
             <a:r>
-              <a:rPr lang="it-IT" sz="1600">
-                <a:solidFill>
-                  <a:schemeClr val="tx2"/>
-                </a:solidFill>
-              </a:rPr>
+              <a:rPr lang="it-IT" sz="2600" dirty="0"/>
               <a:t> chiederà quanti giocatori stanno giocando e permetterà loro di scegliere le proprie classi, mentre </a:t>
             </a:r>
             <a:r>
-              <a:rPr lang="it-IT" sz="1600" err="1">
-                <a:solidFill>
-                  <a:schemeClr val="tx2"/>
-                </a:solidFill>
-              </a:rPr>
+              <a:rPr lang="it-IT" sz="2600" dirty="0" err="1"/>
               <a:t>ContinueGame</a:t>
             </a:r>
             <a:r>
-              <a:rPr lang="it-IT" sz="1600">
-                <a:solidFill>
-                  <a:schemeClr val="tx2"/>
-                </a:solidFill>
-              </a:rPr>
+              <a:rPr lang="it-IT" sz="2600" dirty="0"/>
               <a:t> caricherà queste informazioni (e altre) dal file e permetterà ai giocatori di continuare la partita dal punto in cui hanno salvato.</a:t>
             </a:r>
           </a:p>

--- a/Revisione1 .pptx
+++ b/Revisione1 .pptx
@@ -172,18 +172,18 @@
   <pc:docChgLst>
     <pc:chgData name="GIULIA FILICICCHIA" userId="cb9b82e9-d681-4fbd-94e0-dca89213e694" providerId="ADAL" clId="{ECC296A0-5B09-42BE-8914-9A97CBE11E9B}"/>
     <pc:docChg chg="undo custSel addSld delSld modSld sldOrd">
-      <pc:chgData name="GIULIA FILICICCHIA" userId="cb9b82e9-d681-4fbd-94e0-dca89213e694" providerId="ADAL" clId="{ECC296A0-5B09-42BE-8914-9A97CBE11E9B}" dt="2025-12-16T16:04:24.808" v="1570" actId="14100"/>
+      <pc:chgData name="GIULIA FILICICCHIA" userId="cb9b82e9-d681-4fbd-94e0-dca89213e694" providerId="ADAL" clId="{ECC296A0-5B09-42BE-8914-9A97CBE11E9B}" dt="2025-12-16T17:11:01.651" v="1591" actId="1076"/>
       <pc:docMkLst>
         <pc:docMk/>
       </pc:docMkLst>
       <pc:sldChg chg="modSp mod">
-        <pc:chgData name="GIULIA FILICICCHIA" userId="cb9b82e9-d681-4fbd-94e0-dca89213e694" providerId="ADAL" clId="{ECC296A0-5B09-42BE-8914-9A97CBE11E9B}" dt="2025-12-01T14:23:41.681" v="49" actId="20577"/>
+        <pc:chgData name="GIULIA FILICICCHIA" userId="cb9b82e9-d681-4fbd-94e0-dca89213e694" providerId="ADAL" clId="{ECC296A0-5B09-42BE-8914-9A97CBE11E9B}" dt="2025-12-16T16:54:14.363" v="1572" actId="790"/>
         <pc:sldMkLst>
           <pc:docMk/>
           <pc:sldMk cId="3216691077" sldId="256"/>
         </pc:sldMkLst>
         <pc:spChg chg="mod">
-          <ac:chgData name="GIULIA FILICICCHIA" userId="cb9b82e9-d681-4fbd-94e0-dca89213e694" providerId="ADAL" clId="{ECC296A0-5B09-42BE-8914-9A97CBE11E9B}" dt="2025-12-01T14:21:29.417" v="5" actId="20577"/>
+          <ac:chgData name="GIULIA FILICICCHIA" userId="cb9b82e9-d681-4fbd-94e0-dca89213e694" providerId="ADAL" clId="{ECC296A0-5B09-42BE-8914-9A97CBE11E9B}" dt="2025-12-16T16:54:14.363" v="1572" actId="790"/>
           <ac:spMkLst>
             <pc:docMk/>
             <pc:sldMk cId="3216691077" sldId="256"/>
@@ -191,7 +191,7 @@
           </ac:spMkLst>
         </pc:spChg>
         <pc:spChg chg="mod">
-          <ac:chgData name="GIULIA FILICICCHIA" userId="cb9b82e9-d681-4fbd-94e0-dca89213e694" providerId="ADAL" clId="{ECC296A0-5B09-42BE-8914-9A97CBE11E9B}" dt="2025-12-01T14:23:41.681" v="49" actId="20577"/>
+          <ac:chgData name="GIULIA FILICICCHIA" userId="cb9b82e9-d681-4fbd-94e0-dca89213e694" providerId="ADAL" clId="{ECC296A0-5B09-42BE-8914-9A97CBE11E9B}" dt="2025-12-16T16:54:14.363" v="1572" actId="790"/>
           <ac:spMkLst>
             <pc:docMk/>
             <pc:sldMk cId="3216691077" sldId="256"/>
@@ -200,13 +200,13 @@
         </pc:spChg>
       </pc:sldChg>
       <pc:sldChg chg="addSp delSp modSp new mod setBg">
-        <pc:chgData name="GIULIA FILICICCHIA" userId="cb9b82e9-d681-4fbd-94e0-dca89213e694" providerId="ADAL" clId="{ECC296A0-5B09-42BE-8914-9A97CBE11E9B}" dt="2025-12-07T11:11:47.798" v="1321" actId="1076"/>
+        <pc:chgData name="GIULIA FILICICCHIA" userId="cb9b82e9-d681-4fbd-94e0-dca89213e694" providerId="ADAL" clId="{ECC296A0-5B09-42BE-8914-9A97CBE11E9B}" dt="2025-12-16T16:54:14.363" v="1572" actId="790"/>
         <pc:sldMkLst>
           <pc:docMk/>
           <pc:sldMk cId="857463500" sldId="257"/>
         </pc:sldMkLst>
         <pc:spChg chg="mod">
-          <ac:chgData name="GIULIA FILICICCHIA" userId="cb9b82e9-d681-4fbd-94e0-dca89213e694" providerId="ADAL" clId="{ECC296A0-5B09-42BE-8914-9A97CBE11E9B}" dt="2025-12-07T11:00:12.755" v="1099" actId="26606"/>
+          <ac:chgData name="GIULIA FILICICCHIA" userId="cb9b82e9-d681-4fbd-94e0-dca89213e694" providerId="ADAL" clId="{ECC296A0-5B09-42BE-8914-9A97CBE11E9B}" dt="2025-12-16T16:54:14.363" v="1572" actId="790"/>
           <ac:spMkLst>
             <pc:docMk/>
             <pc:sldMk cId="857463500" sldId="257"/>
@@ -214,31 +214,31 @@
           </ac:spMkLst>
         </pc:spChg>
         <pc:spChg chg="add mod ord">
-          <ac:chgData name="GIULIA FILICICCHIA" userId="cb9b82e9-d681-4fbd-94e0-dca89213e694" providerId="ADAL" clId="{ECC296A0-5B09-42BE-8914-9A97CBE11E9B}" dt="2025-12-07T11:11:47.798" v="1321" actId="1076"/>
+          <ac:chgData name="GIULIA FILICICCHIA" userId="cb9b82e9-d681-4fbd-94e0-dca89213e694" providerId="ADAL" clId="{ECC296A0-5B09-42BE-8914-9A97CBE11E9B}" dt="2025-12-16T16:54:14.363" v="1572" actId="790"/>
           <ac:spMkLst>
             <pc:docMk/>
             <pc:sldMk cId="857463500" sldId="257"/>
             <ac:spMk id="6" creationId="{5FD5BC69-C8C9-DD64-9E1E-B5CA9725C43B}"/>
           </ac:spMkLst>
         </pc:spChg>
-        <pc:spChg chg="add">
-          <ac:chgData name="GIULIA FILICICCHIA" userId="cb9b82e9-d681-4fbd-94e0-dca89213e694" providerId="ADAL" clId="{ECC296A0-5B09-42BE-8914-9A97CBE11E9B}" dt="2025-12-07T11:00:12.755" v="1099" actId="26606"/>
+        <pc:spChg chg="add mod">
+          <ac:chgData name="GIULIA FILICICCHIA" userId="cb9b82e9-d681-4fbd-94e0-dca89213e694" providerId="ADAL" clId="{ECC296A0-5B09-42BE-8914-9A97CBE11E9B}" dt="2025-12-16T16:54:14.363" v="1572" actId="790"/>
           <ac:spMkLst>
             <pc:docMk/>
             <pc:sldMk cId="857463500" sldId="257"/>
             <ac:spMk id="1038" creationId="{2EB492CD-616E-47F8-933B-5E2D952A0593}"/>
           </ac:spMkLst>
         </pc:spChg>
-        <pc:spChg chg="add">
-          <ac:chgData name="GIULIA FILICICCHIA" userId="cb9b82e9-d681-4fbd-94e0-dca89213e694" providerId="ADAL" clId="{ECC296A0-5B09-42BE-8914-9A97CBE11E9B}" dt="2025-12-07T11:00:12.755" v="1099" actId="26606"/>
+        <pc:spChg chg="add mod">
+          <ac:chgData name="GIULIA FILICICCHIA" userId="cb9b82e9-d681-4fbd-94e0-dca89213e694" providerId="ADAL" clId="{ECC296A0-5B09-42BE-8914-9A97CBE11E9B}" dt="2025-12-16T16:54:14.363" v="1572" actId="790"/>
           <ac:spMkLst>
             <pc:docMk/>
             <pc:sldMk cId="857463500" sldId="257"/>
             <ac:spMk id="1040" creationId="{59383CF9-23B5-4335-9B21-1791C4CF1C75}"/>
           </ac:spMkLst>
         </pc:spChg>
-        <pc:spChg chg="add">
-          <ac:chgData name="GIULIA FILICICCHIA" userId="cb9b82e9-d681-4fbd-94e0-dca89213e694" providerId="ADAL" clId="{ECC296A0-5B09-42BE-8914-9A97CBE11E9B}" dt="2025-12-07T11:00:12.755" v="1099" actId="26606"/>
+        <pc:spChg chg="add mod">
+          <ac:chgData name="GIULIA FILICICCHIA" userId="cb9b82e9-d681-4fbd-94e0-dca89213e694" providerId="ADAL" clId="{ECC296A0-5B09-42BE-8914-9A97CBE11E9B}" dt="2025-12-16T16:54:14.363" v="1572" actId="790"/>
           <ac:spMkLst>
             <pc:docMk/>
             <pc:sldMk cId="857463500" sldId="257"/>
@@ -255,37 +255,37 @@
         </pc:picChg>
       </pc:sldChg>
       <pc:sldChg chg="addSp delSp modSp new add del mod setBg">
-        <pc:chgData name="GIULIA FILICICCHIA" userId="cb9b82e9-d681-4fbd-94e0-dca89213e694" providerId="ADAL" clId="{ECC296A0-5B09-42BE-8914-9A97CBE11E9B}" dt="2025-12-07T15:03:24.252" v="1566" actId="1076"/>
+        <pc:chgData name="GIULIA FILICICCHIA" userId="cb9b82e9-d681-4fbd-94e0-dca89213e694" providerId="ADAL" clId="{ECC296A0-5B09-42BE-8914-9A97CBE11E9B}" dt="2025-12-16T16:54:14.363" v="1572" actId="790"/>
         <pc:sldMkLst>
           <pc:docMk/>
           <pc:sldMk cId="843470188" sldId="258"/>
         </pc:sldMkLst>
         <pc:spChg chg="add mod ord">
-          <ac:chgData name="GIULIA FILICICCHIA" userId="cb9b82e9-d681-4fbd-94e0-dca89213e694" providerId="ADAL" clId="{ECC296A0-5B09-42BE-8914-9A97CBE11E9B}" dt="2025-12-07T15:03:24.252" v="1566" actId="1076"/>
+          <ac:chgData name="GIULIA FILICICCHIA" userId="cb9b82e9-d681-4fbd-94e0-dca89213e694" providerId="ADAL" clId="{ECC296A0-5B09-42BE-8914-9A97CBE11E9B}" dt="2025-12-16T16:54:14.363" v="1572" actId="790"/>
           <ac:spMkLst>
             <pc:docMk/>
             <pc:sldMk cId="843470188" sldId="258"/>
             <ac:spMk id="49" creationId="{B08F4235-59C9-7B9D-A235-989DE1BA8ABF}"/>
           </ac:spMkLst>
         </pc:spChg>
-        <pc:spChg chg="add">
-          <ac:chgData name="GIULIA FILICICCHIA" userId="cb9b82e9-d681-4fbd-94e0-dca89213e694" providerId="ADAL" clId="{ECC296A0-5B09-42BE-8914-9A97CBE11E9B}" dt="2025-12-07T15:03:21.204" v="1565" actId="26606"/>
+        <pc:spChg chg="add mod">
+          <ac:chgData name="GIULIA FILICICCHIA" userId="cb9b82e9-d681-4fbd-94e0-dca89213e694" providerId="ADAL" clId="{ECC296A0-5B09-42BE-8914-9A97CBE11E9B}" dt="2025-12-16T16:54:14.363" v="1572" actId="790"/>
           <ac:spMkLst>
             <pc:docMk/>
             <pc:sldMk cId="843470188" sldId="258"/>
             <ac:spMk id="74" creationId="{2EB492CD-616E-47F8-933B-5E2D952A0593}"/>
           </ac:spMkLst>
         </pc:spChg>
-        <pc:spChg chg="add">
-          <ac:chgData name="GIULIA FILICICCHIA" userId="cb9b82e9-d681-4fbd-94e0-dca89213e694" providerId="ADAL" clId="{ECC296A0-5B09-42BE-8914-9A97CBE11E9B}" dt="2025-12-07T15:03:21.204" v="1565" actId="26606"/>
+        <pc:spChg chg="add mod">
+          <ac:chgData name="GIULIA FILICICCHIA" userId="cb9b82e9-d681-4fbd-94e0-dca89213e694" providerId="ADAL" clId="{ECC296A0-5B09-42BE-8914-9A97CBE11E9B}" dt="2025-12-16T16:54:14.363" v="1572" actId="790"/>
           <ac:spMkLst>
             <pc:docMk/>
             <pc:sldMk cId="843470188" sldId="258"/>
             <ac:spMk id="76" creationId="{59383CF9-23B5-4335-9B21-1791C4CF1C75}"/>
           </ac:spMkLst>
         </pc:spChg>
-        <pc:spChg chg="add">
-          <ac:chgData name="GIULIA FILICICCHIA" userId="cb9b82e9-d681-4fbd-94e0-dca89213e694" providerId="ADAL" clId="{ECC296A0-5B09-42BE-8914-9A97CBE11E9B}" dt="2025-12-07T15:03:21.204" v="1565" actId="26606"/>
+        <pc:spChg chg="add mod">
+          <ac:chgData name="GIULIA FILICICCHIA" userId="cb9b82e9-d681-4fbd-94e0-dca89213e694" providerId="ADAL" clId="{ECC296A0-5B09-42BE-8914-9A97CBE11E9B}" dt="2025-12-16T16:54:14.363" v="1572" actId="790"/>
           <ac:spMkLst>
             <pc:docMk/>
             <pc:sldMk cId="843470188" sldId="258"/>
@@ -302,29 +302,85 @@
         </pc:picChg>
       </pc:sldChg>
       <pc:sldChg chg="addSp delSp modSp new mod setBg">
-        <pc:chgData name="GIULIA FILICICCHIA" userId="cb9b82e9-d681-4fbd-94e0-dca89213e694" providerId="ADAL" clId="{ECC296A0-5B09-42BE-8914-9A97CBE11E9B}" dt="2025-12-02T17:44:34.801" v="809" actId="122"/>
+        <pc:chgData name="GIULIA FILICICCHIA" userId="cb9b82e9-d681-4fbd-94e0-dca89213e694" providerId="ADAL" clId="{ECC296A0-5B09-42BE-8914-9A97CBE11E9B}" dt="2025-12-16T16:54:14.363" v="1572" actId="790"/>
         <pc:sldMkLst>
           <pc:docMk/>
           <pc:sldMk cId="1640467276" sldId="259"/>
         </pc:sldMkLst>
         <pc:spChg chg="mod">
-          <ac:chgData name="GIULIA FILICICCHIA" userId="cb9b82e9-d681-4fbd-94e0-dca89213e694" providerId="ADAL" clId="{ECC296A0-5B09-42BE-8914-9A97CBE11E9B}" dt="2025-12-02T17:44:34.801" v="809" actId="122"/>
+          <ac:chgData name="GIULIA FILICICCHIA" userId="cb9b82e9-d681-4fbd-94e0-dca89213e694" providerId="ADAL" clId="{ECC296A0-5B09-42BE-8914-9A97CBE11E9B}" dt="2025-12-16T16:54:14.363" v="1572" actId="790"/>
           <ac:spMkLst>
             <pc:docMk/>
             <pc:sldMk cId="1640467276" sldId="259"/>
             <ac:spMk id="2" creationId="{A5FB940C-1B7E-9608-13CD-6297D1DB22D4}"/>
           </ac:spMkLst>
         </pc:spChg>
-        <pc:spChg chg="add">
-          <ac:chgData name="GIULIA FILICICCHIA" userId="cb9b82e9-d681-4fbd-94e0-dca89213e694" providerId="ADAL" clId="{ECC296A0-5B09-42BE-8914-9A97CBE11E9B}" dt="2025-12-02T17:41:18.794" v="732" actId="26606"/>
+        <pc:spChg chg="mod">
+          <ac:chgData name="GIULIA FILICICCHIA" userId="cb9b82e9-d681-4fbd-94e0-dca89213e694" providerId="ADAL" clId="{ECC296A0-5B09-42BE-8914-9A97CBE11E9B}" dt="2025-12-16T16:54:14.363" v="1572" actId="790"/>
+          <ac:spMkLst>
+            <pc:docMk/>
+            <pc:sldMk cId="1640467276" sldId="259"/>
+            <ac:spMk id="29" creationId="{9A5E80E2-35F9-41F3-A2B8-A2F17D956FC0}"/>
+          </ac:spMkLst>
+        </pc:spChg>
+        <pc:spChg chg="mod">
+          <ac:chgData name="GIULIA FILICICCHIA" userId="cb9b82e9-d681-4fbd-94e0-dca89213e694" providerId="ADAL" clId="{ECC296A0-5B09-42BE-8914-9A97CBE11E9B}" dt="2025-12-16T16:54:14.363" v="1572" actId="790"/>
+          <ac:spMkLst>
+            <pc:docMk/>
+            <pc:sldMk cId="1640467276" sldId="259"/>
+            <ac:spMk id="30" creationId="{988BDEEE-0C30-49F3-8D05-B062EF890C94}"/>
+          </ac:spMkLst>
+        </pc:spChg>
+        <pc:spChg chg="mod">
+          <ac:chgData name="GIULIA FILICICCHIA" userId="cb9b82e9-d681-4fbd-94e0-dca89213e694" providerId="ADAL" clId="{ECC296A0-5B09-42BE-8914-9A97CBE11E9B}" dt="2025-12-16T16:54:14.363" v="1572" actId="790"/>
+          <ac:spMkLst>
+            <pc:docMk/>
+            <pc:sldMk cId="1640467276" sldId="259"/>
+            <ac:spMk id="31" creationId="{F21E0C27-19E6-45DC-B154-4934802074DC}"/>
+          </ac:spMkLst>
+        </pc:spChg>
+        <pc:spChg chg="mod">
+          <ac:chgData name="GIULIA FILICICCHIA" userId="cb9b82e9-d681-4fbd-94e0-dca89213e694" providerId="ADAL" clId="{ECC296A0-5B09-42BE-8914-9A97CBE11E9B}" dt="2025-12-16T16:54:14.363" v="1572" actId="790"/>
+          <ac:spMkLst>
+            <pc:docMk/>
+            <pc:sldMk cId="1640467276" sldId="259"/>
+            <ac:spMk id="32" creationId="{A3A55340-18E0-4A23-B406-BD1221643D86}"/>
+          </ac:spMkLst>
+        </pc:spChg>
+        <pc:spChg chg="mod">
+          <ac:chgData name="GIULIA FILICICCHIA" userId="cb9b82e9-d681-4fbd-94e0-dca89213e694" providerId="ADAL" clId="{ECC296A0-5B09-42BE-8914-9A97CBE11E9B}" dt="2025-12-16T16:54:14.363" v="1572" actId="790"/>
+          <ac:spMkLst>
+            <pc:docMk/>
+            <pc:sldMk cId="1640467276" sldId="259"/>
+            <ac:spMk id="35" creationId="{441E616B-C319-43C1-9A9C-A2074B2E8AD8}"/>
+          </ac:spMkLst>
+        </pc:spChg>
+        <pc:spChg chg="mod">
+          <ac:chgData name="GIULIA FILICICCHIA" userId="cb9b82e9-d681-4fbd-94e0-dca89213e694" providerId="ADAL" clId="{ECC296A0-5B09-42BE-8914-9A97CBE11E9B}" dt="2025-12-16T16:54:14.363" v="1572" actId="790"/>
+          <ac:spMkLst>
+            <pc:docMk/>
+            <pc:sldMk cId="1640467276" sldId="259"/>
+            <ac:spMk id="36" creationId="{CC86BD2B-CA73-48DF-9CC8-0152EA6B1BA5}"/>
+          </ac:spMkLst>
+        </pc:spChg>
+        <pc:spChg chg="mod">
+          <ac:chgData name="GIULIA FILICICCHIA" userId="cb9b82e9-d681-4fbd-94e0-dca89213e694" providerId="ADAL" clId="{ECC296A0-5B09-42BE-8914-9A97CBE11E9B}" dt="2025-12-16T16:54:14.363" v="1572" actId="790"/>
+          <ac:spMkLst>
+            <pc:docMk/>
+            <pc:sldMk cId="1640467276" sldId="259"/>
+            <ac:spMk id="38" creationId="{1D7CE92F-1DE7-4252-A62C-77ACF8CF2682}"/>
+          </ac:spMkLst>
+        </pc:spChg>
+        <pc:spChg chg="add mod">
+          <ac:chgData name="GIULIA FILICICCHIA" userId="cb9b82e9-d681-4fbd-94e0-dca89213e694" providerId="ADAL" clId="{ECC296A0-5B09-42BE-8914-9A97CBE11E9B}" dt="2025-12-16T16:54:14.363" v="1572" actId="790"/>
           <ac:spMkLst>
             <pc:docMk/>
             <pc:sldMk cId="1640467276" sldId="259"/>
             <ac:spMk id="41" creationId="{345A976A-8DE3-4B67-B94B-2044FDD12899}"/>
           </ac:spMkLst>
         </pc:spChg>
-        <pc:spChg chg="add">
-          <ac:chgData name="GIULIA FILICICCHIA" userId="cb9b82e9-d681-4fbd-94e0-dca89213e694" providerId="ADAL" clId="{ECC296A0-5B09-42BE-8914-9A97CBE11E9B}" dt="2025-12-02T17:41:18.794" v="732" actId="26606"/>
+        <pc:spChg chg="add mod">
+          <ac:chgData name="GIULIA FILICICCHIA" userId="cb9b82e9-d681-4fbd-94e0-dca89213e694" providerId="ADAL" clId="{ECC296A0-5B09-42BE-8914-9A97CBE11E9B}" dt="2025-12-16T16:54:14.363" v="1572" actId="790"/>
           <ac:spMkLst>
             <pc:docMk/>
             <pc:sldMk cId="1640467276" sldId="259"/>
@@ -357,45 +413,45 @@
         </pc:graphicFrameChg>
       </pc:sldChg>
       <pc:sldChg chg="addSp delSp modSp new mod setBg">
-        <pc:chgData name="GIULIA FILICICCHIA" userId="cb9b82e9-d681-4fbd-94e0-dca89213e694" providerId="ADAL" clId="{ECC296A0-5B09-42BE-8914-9A97CBE11E9B}" dt="2025-12-07T15:03:32.117" v="1567" actId="26606"/>
+        <pc:chgData name="GIULIA FILICICCHIA" userId="cb9b82e9-d681-4fbd-94e0-dca89213e694" providerId="ADAL" clId="{ECC296A0-5B09-42BE-8914-9A97CBE11E9B}" dt="2025-12-16T16:54:14.363" v="1572" actId="790"/>
         <pc:sldMkLst>
           <pc:docMk/>
           <pc:sldMk cId="3129327914" sldId="260"/>
         </pc:sldMkLst>
         <pc:spChg chg="mod">
-          <ac:chgData name="GIULIA FILICICCHIA" userId="cb9b82e9-d681-4fbd-94e0-dca89213e694" providerId="ADAL" clId="{ECC296A0-5B09-42BE-8914-9A97CBE11E9B}" dt="2025-12-07T15:03:32.117" v="1567" actId="26606"/>
+          <ac:chgData name="GIULIA FILICICCHIA" userId="cb9b82e9-d681-4fbd-94e0-dca89213e694" providerId="ADAL" clId="{ECC296A0-5B09-42BE-8914-9A97CBE11E9B}" dt="2025-12-16T16:54:14.363" v="1572" actId="790"/>
           <ac:spMkLst>
             <pc:docMk/>
             <pc:sldMk cId="3129327914" sldId="260"/>
             <ac:spMk id="2" creationId="{FBAE4FCD-EA86-320F-42E2-DD8B633F0A0B}"/>
           </ac:spMkLst>
         </pc:spChg>
-        <pc:spChg chg="add">
-          <ac:chgData name="GIULIA FILICICCHIA" userId="cb9b82e9-d681-4fbd-94e0-dca89213e694" providerId="ADAL" clId="{ECC296A0-5B09-42BE-8914-9A97CBE11E9B}" dt="2025-12-07T15:03:32.117" v="1567" actId="26606"/>
+        <pc:spChg chg="add mod">
+          <ac:chgData name="GIULIA FILICICCHIA" userId="cb9b82e9-d681-4fbd-94e0-dca89213e694" providerId="ADAL" clId="{ECC296A0-5B09-42BE-8914-9A97CBE11E9B}" dt="2025-12-16T16:54:14.363" v="1572" actId="790"/>
           <ac:spMkLst>
             <pc:docMk/>
             <pc:sldMk cId="3129327914" sldId="260"/>
             <ac:spMk id="12" creationId="{BACC6370-2D7E-4714-9D71-7542949D7D5D}"/>
           </ac:spMkLst>
         </pc:spChg>
-        <pc:spChg chg="add">
-          <ac:chgData name="GIULIA FILICICCHIA" userId="cb9b82e9-d681-4fbd-94e0-dca89213e694" providerId="ADAL" clId="{ECC296A0-5B09-42BE-8914-9A97CBE11E9B}" dt="2025-12-07T15:03:32.117" v="1567" actId="26606"/>
+        <pc:spChg chg="add mod">
+          <ac:chgData name="GIULIA FILICICCHIA" userId="cb9b82e9-d681-4fbd-94e0-dca89213e694" providerId="ADAL" clId="{ECC296A0-5B09-42BE-8914-9A97CBE11E9B}" dt="2025-12-16T16:54:14.363" v="1572" actId="790"/>
           <ac:spMkLst>
             <pc:docMk/>
             <pc:sldMk cId="3129327914" sldId="260"/>
             <ac:spMk id="14" creationId="{F68B3F68-107C-434F-AA38-110D5EA91B85}"/>
           </ac:spMkLst>
         </pc:spChg>
-        <pc:spChg chg="add">
-          <ac:chgData name="GIULIA FILICICCHIA" userId="cb9b82e9-d681-4fbd-94e0-dca89213e694" providerId="ADAL" clId="{ECC296A0-5B09-42BE-8914-9A97CBE11E9B}" dt="2025-12-07T15:03:32.117" v="1567" actId="26606"/>
+        <pc:spChg chg="add mod">
+          <ac:chgData name="GIULIA FILICICCHIA" userId="cb9b82e9-d681-4fbd-94e0-dca89213e694" providerId="ADAL" clId="{ECC296A0-5B09-42BE-8914-9A97CBE11E9B}" dt="2025-12-16T16:54:14.363" v="1572" actId="790"/>
           <ac:spMkLst>
             <pc:docMk/>
             <pc:sldMk cId="3129327914" sldId="260"/>
             <ac:spMk id="16" creationId="{AAD0DBB9-1A4B-4391-81D4-CB19F9AB918A}"/>
           </ac:spMkLst>
         </pc:spChg>
-        <pc:spChg chg="add">
-          <ac:chgData name="GIULIA FILICICCHIA" userId="cb9b82e9-d681-4fbd-94e0-dca89213e694" providerId="ADAL" clId="{ECC296A0-5B09-42BE-8914-9A97CBE11E9B}" dt="2025-12-07T15:03:32.117" v="1567" actId="26606"/>
+        <pc:spChg chg="add mod">
+          <ac:chgData name="GIULIA FILICICCHIA" userId="cb9b82e9-d681-4fbd-94e0-dca89213e694" providerId="ADAL" clId="{ECC296A0-5B09-42BE-8914-9A97CBE11E9B}" dt="2025-12-16T16:54:14.363" v="1572" actId="790"/>
           <ac:spMkLst>
             <pc:docMk/>
             <pc:sldMk cId="3129327914" sldId="260"/>
@@ -403,7 +459,7 @@
           </ac:spMkLst>
         </pc:spChg>
         <pc:graphicFrameChg chg="add mod modGraphic">
-          <ac:chgData name="GIULIA FILICICCHIA" userId="cb9b82e9-d681-4fbd-94e0-dca89213e694" providerId="ADAL" clId="{ECC296A0-5B09-42BE-8914-9A97CBE11E9B}" dt="2025-12-07T15:03:32.117" v="1567" actId="26606"/>
+          <ac:chgData name="GIULIA FILICICCHIA" userId="cb9b82e9-d681-4fbd-94e0-dca89213e694" providerId="ADAL" clId="{ECC296A0-5B09-42BE-8914-9A97CBE11E9B}" dt="2025-12-16T16:54:14.363" v="1572" actId="790"/>
           <ac:graphicFrameMkLst>
             <pc:docMk/>
             <pc:sldMk cId="3129327914" sldId="260"/>
@@ -411,77 +467,165 @@
           </ac:graphicFrameMkLst>
         </pc:graphicFrameChg>
       </pc:sldChg>
-      <pc:sldChg chg="modSp new mod ord">
-        <pc:chgData name="GIULIA FILICICCHIA" userId="cb9b82e9-d681-4fbd-94e0-dca89213e694" providerId="ADAL" clId="{ECC296A0-5B09-42BE-8914-9A97CBE11E9B}" dt="2025-12-07T10:48:47.637" v="1054" actId="20577"/>
+      <pc:sldChg chg="addSp delSp modSp new mod ord setBg">
+        <pc:chgData name="GIULIA FILICICCHIA" userId="cb9b82e9-d681-4fbd-94e0-dca89213e694" providerId="ADAL" clId="{ECC296A0-5B09-42BE-8914-9A97CBE11E9B}" dt="2025-12-16T17:08:06.493" v="1579" actId="26606"/>
         <pc:sldMkLst>
           <pc:docMk/>
           <pc:sldMk cId="3449824908" sldId="261"/>
         </pc:sldMkLst>
         <pc:spChg chg="mod">
-          <ac:chgData name="GIULIA FILICICCHIA" userId="cb9b82e9-d681-4fbd-94e0-dca89213e694" providerId="ADAL" clId="{ECC296A0-5B09-42BE-8914-9A97CBE11E9B}" dt="2025-12-02T17:12:28.427" v="267" actId="20577"/>
+          <ac:chgData name="GIULIA FILICICCHIA" userId="cb9b82e9-d681-4fbd-94e0-dca89213e694" providerId="ADAL" clId="{ECC296A0-5B09-42BE-8914-9A97CBE11E9B}" dt="2025-12-16T17:08:06.493" v="1579" actId="26606"/>
           <ac:spMkLst>
             <pc:docMk/>
             <pc:sldMk cId="3449824908" sldId="261"/>
             <ac:spMk id="2" creationId="{EE3AF927-B7A3-3DD5-813A-E8DAE7ABB352}"/>
           </ac:spMkLst>
         </pc:spChg>
-        <pc:spChg chg="mod">
-          <ac:chgData name="GIULIA FILICICCHIA" userId="cb9b82e9-d681-4fbd-94e0-dca89213e694" providerId="ADAL" clId="{ECC296A0-5B09-42BE-8914-9A97CBE11E9B}" dt="2025-12-07T10:48:47.637" v="1054" actId="20577"/>
+        <pc:spChg chg="add del mod">
+          <ac:chgData name="GIULIA FILICICCHIA" userId="cb9b82e9-d681-4fbd-94e0-dca89213e694" providerId="ADAL" clId="{ECC296A0-5B09-42BE-8914-9A97CBE11E9B}" dt="2025-12-16T17:08:06.493" v="1579" actId="26606"/>
           <ac:spMkLst>
             <pc:docMk/>
             <pc:sldMk cId="3449824908" sldId="261"/>
             <ac:spMk id="3" creationId="{70607F9C-BB35-EA95-8FB8-E395FEBFABDF}"/>
           </ac:spMkLst>
         </pc:spChg>
+        <pc:spChg chg="add del">
+          <ac:chgData name="GIULIA FILICICCHIA" userId="cb9b82e9-d681-4fbd-94e0-dca89213e694" providerId="ADAL" clId="{ECC296A0-5B09-42BE-8914-9A97CBE11E9B}" dt="2025-12-16T17:07:05.284" v="1576" actId="26606"/>
+          <ac:spMkLst>
+            <pc:docMk/>
+            <pc:sldMk cId="3449824908" sldId="261"/>
+            <ac:spMk id="9" creationId="{C0763A76-9F1C-4FC5-82B7-DD475DA461B2}"/>
+          </ac:spMkLst>
+        </pc:spChg>
+        <pc:spChg chg="add del">
+          <ac:chgData name="GIULIA FILICICCHIA" userId="cb9b82e9-d681-4fbd-94e0-dca89213e694" providerId="ADAL" clId="{ECC296A0-5B09-42BE-8914-9A97CBE11E9B}" dt="2025-12-16T17:07:05.284" v="1576" actId="26606"/>
+          <ac:spMkLst>
+            <pc:docMk/>
+            <pc:sldMk cId="3449824908" sldId="261"/>
+            <ac:spMk id="11" creationId="{E81BF4F6-F2CF-4984-9D14-D6966D92F99F}"/>
+          </ac:spMkLst>
+        </pc:spChg>
+        <pc:spChg chg="add del">
+          <ac:chgData name="GIULIA FILICICCHIA" userId="cb9b82e9-d681-4fbd-94e0-dca89213e694" providerId="ADAL" clId="{ECC296A0-5B09-42BE-8914-9A97CBE11E9B}" dt="2025-12-16T17:08:06.473" v="1578" actId="26606"/>
+          <ac:spMkLst>
+            <pc:docMk/>
+            <pc:sldMk cId="3449824908" sldId="261"/>
+            <ac:spMk id="13" creationId="{9DECDBF4-02B6-4BB4-B65B-B8107AD6A9E8}"/>
+          </ac:spMkLst>
+        </pc:spChg>
+        <pc:spChg chg="add del">
+          <ac:chgData name="GIULIA FILICICCHIA" userId="cb9b82e9-d681-4fbd-94e0-dca89213e694" providerId="ADAL" clId="{ECC296A0-5B09-42BE-8914-9A97CBE11E9B}" dt="2025-12-16T17:08:06.473" v="1578" actId="26606"/>
+          <ac:spMkLst>
+            <pc:docMk/>
+            <pc:sldMk cId="3449824908" sldId="261"/>
+            <ac:spMk id="14" creationId="{53B021B3-DE93-4AB7-8A18-CF5F1CED88B8}"/>
+          </ac:spMkLst>
+        </pc:spChg>
+        <pc:spChg chg="add del">
+          <ac:chgData name="GIULIA FILICICCHIA" userId="cb9b82e9-d681-4fbd-94e0-dca89213e694" providerId="ADAL" clId="{ECC296A0-5B09-42BE-8914-9A97CBE11E9B}" dt="2025-12-16T17:08:06.473" v="1578" actId="26606"/>
+          <ac:spMkLst>
+            <pc:docMk/>
+            <pc:sldMk cId="3449824908" sldId="261"/>
+            <ac:spMk id="15" creationId="{52D502E5-F6B4-4D58-B4AE-FC466FF15EE8}"/>
+          </ac:spMkLst>
+        </pc:spChg>
+        <pc:spChg chg="add">
+          <ac:chgData name="GIULIA FILICICCHIA" userId="cb9b82e9-d681-4fbd-94e0-dca89213e694" providerId="ADAL" clId="{ECC296A0-5B09-42BE-8914-9A97CBE11E9B}" dt="2025-12-16T17:08:06.493" v="1579" actId="26606"/>
+          <ac:spMkLst>
+            <pc:docMk/>
+            <pc:sldMk cId="3449824908" sldId="261"/>
+            <ac:spMk id="18" creationId="{C0763A76-9F1C-4FC5-82B7-DD475DA461B2}"/>
+          </ac:spMkLst>
+        </pc:spChg>
+        <pc:spChg chg="add">
+          <ac:chgData name="GIULIA FILICICCHIA" userId="cb9b82e9-d681-4fbd-94e0-dca89213e694" providerId="ADAL" clId="{ECC296A0-5B09-42BE-8914-9A97CBE11E9B}" dt="2025-12-16T17:08:06.493" v="1579" actId="26606"/>
+          <ac:spMkLst>
+            <pc:docMk/>
+            <pc:sldMk cId="3449824908" sldId="261"/>
+            <ac:spMk id="19" creationId="{E81BF4F6-F2CF-4984-9D14-D6966D92F99F}"/>
+          </ac:spMkLst>
+        </pc:spChg>
+        <pc:spChg chg="add">
+          <ac:chgData name="GIULIA FILICICCHIA" userId="cb9b82e9-d681-4fbd-94e0-dca89213e694" providerId="ADAL" clId="{ECC296A0-5B09-42BE-8914-9A97CBE11E9B}" dt="2025-12-16T17:08:06.493" v="1579" actId="26606"/>
+          <ac:spMkLst>
+            <pc:docMk/>
+            <pc:sldMk cId="3449824908" sldId="261"/>
+            <ac:spMk id="20" creationId="{70607F9C-BB35-EA95-8FB8-E395FEBFABDF}"/>
+          </ac:spMkLst>
+        </pc:spChg>
+        <pc:graphicFrameChg chg="add del">
+          <ac:chgData name="GIULIA FILICICCHIA" userId="cb9b82e9-d681-4fbd-94e0-dca89213e694" providerId="ADAL" clId="{ECC296A0-5B09-42BE-8914-9A97CBE11E9B}" dt="2025-12-16T17:08:06.473" v="1578" actId="26606"/>
+          <ac:graphicFrameMkLst>
+            <pc:docMk/>
+            <pc:sldMk cId="3449824908" sldId="261"/>
+            <ac:graphicFrameMk id="16" creationId="{C2F17F2A-1FF9-FE60-6DBA-B9B81610FBC9}"/>
+          </ac:graphicFrameMkLst>
+        </pc:graphicFrameChg>
+        <pc:picChg chg="add del">
+          <ac:chgData name="GIULIA FILICICCHIA" userId="cb9b82e9-d681-4fbd-94e0-dca89213e694" providerId="ADAL" clId="{ECC296A0-5B09-42BE-8914-9A97CBE11E9B}" dt="2025-12-16T17:07:05.284" v="1576" actId="26606"/>
+          <ac:picMkLst>
+            <pc:docMk/>
+            <pc:sldMk cId="3449824908" sldId="261"/>
+            <ac:picMk id="5" creationId="{8EA8557E-F36F-9D12-EC50-C589C7D576EF}"/>
+          </ac:picMkLst>
+        </pc:picChg>
+        <pc:picChg chg="add">
+          <ac:chgData name="GIULIA FILICICCHIA" userId="cb9b82e9-d681-4fbd-94e0-dca89213e694" providerId="ADAL" clId="{ECC296A0-5B09-42BE-8914-9A97CBE11E9B}" dt="2025-12-16T17:08:06.493" v="1579" actId="26606"/>
+          <ac:picMkLst>
+            <pc:docMk/>
+            <pc:sldMk cId="3449824908" sldId="261"/>
+            <ac:picMk id="21" creationId="{8EA8557E-F36F-9D12-EC50-C589C7D576EF}"/>
+          </ac:picMkLst>
+        </pc:picChg>
       </pc:sldChg>
       <pc:sldChg chg="addSp delSp modSp new mod setBg">
-        <pc:chgData name="GIULIA FILICICCHIA" userId="cb9b82e9-d681-4fbd-94e0-dca89213e694" providerId="ADAL" clId="{ECC296A0-5B09-42BE-8914-9A97CBE11E9B}" dt="2025-12-02T17:51:21.085" v="1000" actId="20577"/>
+        <pc:chgData name="GIULIA FILICICCHIA" userId="cb9b82e9-d681-4fbd-94e0-dca89213e694" providerId="ADAL" clId="{ECC296A0-5B09-42BE-8914-9A97CBE11E9B}" dt="2025-12-16T16:54:14.363" v="1572" actId="790"/>
         <pc:sldMkLst>
           <pc:docMk/>
           <pc:sldMk cId="2521716074" sldId="262"/>
         </pc:sldMkLst>
         <pc:spChg chg="mod">
-          <ac:chgData name="GIULIA FILICICCHIA" userId="cb9b82e9-d681-4fbd-94e0-dca89213e694" providerId="ADAL" clId="{ECC296A0-5B09-42BE-8914-9A97CBE11E9B}" dt="2025-12-02T17:51:21.085" v="1000" actId="20577"/>
+          <ac:chgData name="GIULIA FILICICCHIA" userId="cb9b82e9-d681-4fbd-94e0-dca89213e694" providerId="ADAL" clId="{ECC296A0-5B09-42BE-8914-9A97CBE11E9B}" dt="2025-12-16T16:54:14.363" v="1572" actId="790"/>
           <ac:spMkLst>
             <pc:docMk/>
             <pc:sldMk cId="2521716074" sldId="262"/>
             <ac:spMk id="2" creationId="{92D85722-1F1D-306C-359A-608C4881483D}"/>
           </ac:spMkLst>
         </pc:spChg>
-        <pc:spChg chg="add">
-          <ac:chgData name="GIULIA FILICICCHIA" userId="cb9b82e9-d681-4fbd-94e0-dca89213e694" providerId="ADAL" clId="{ECC296A0-5B09-42BE-8914-9A97CBE11E9B}" dt="2025-12-02T17:51:16.109" v="999" actId="26606"/>
+        <pc:spChg chg="add mod">
+          <ac:chgData name="GIULIA FILICICCHIA" userId="cb9b82e9-d681-4fbd-94e0-dca89213e694" providerId="ADAL" clId="{ECC296A0-5B09-42BE-8914-9A97CBE11E9B}" dt="2025-12-16T16:54:14.363" v="1572" actId="790"/>
           <ac:spMkLst>
             <pc:docMk/>
             <pc:sldMk cId="2521716074" sldId="262"/>
             <ac:spMk id="20" creationId="{C5278130-DFE0-457B-8698-88DF69019DDE}"/>
           </ac:spMkLst>
         </pc:spChg>
-        <pc:spChg chg="add">
-          <ac:chgData name="GIULIA FILICICCHIA" userId="cb9b82e9-d681-4fbd-94e0-dca89213e694" providerId="ADAL" clId="{ECC296A0-5B09-42BE-8914-9A97CBE11E9B}" dt="2025-12-02T17:51:16.109" v="999" actId="26606"/>
+        <pc:spChg chg="add mod">
+          <ac:chgData name="GIULIA FILICICCHIA" userId="cb9b82e9-d681-4fbd-94e0-dca89213e694" providerId="ADAL" clId="{ECC296A0-5B09-42BE-8914-9A97CBE11E9B}" dt="2025-12-16T16:54:14.363" v="1572" actId="790"/>
           <ac:spMkLst>
             <pc:docMk/>
             <pc:sldMk cId="2521716074" sldId="262"/>
             <ac:spMk id="22" creationId="{2F99531B-1681-4D6E-BECB-18325B33A618}"/>
           </ac:spMkLst>
         </pc:spChg>
-        <pc:spChg chg="add">
-          <ac:chgData name="GIULIA FILICICCHIA" userId="cb9b82e9-d681-4fbd-94e0-dca89213e694" providerId="ADAL" clId="{ECC296A0-5B09-42BE-8914-9A97CBE11E9B}" dt="2025-12-02T17:51:16.109" v="999" actId="26606"/>
+        <pc:spChg chg="add mod">
+          <ac:chgData name="GIULIA FILICICCHIA" userId="cb9b82e9-d681-4fbd-94e0-dca89213e694" providerId="ADAL" clId="{ECC296A0-5B09-42BE-8914-9A97CBE11E9B}" dt="2025-12-16T16:54:14.363" v="1572" actId="790"/>
           <ac:spMkLst>
             <pc:docMk/>
             <pc:sldMk cId="2521716074" sldId="262"/>
             <ac:spMk id="24" creationId="{20344094-430A-400B-804B-910E696A1A90}"/>
           </ac:spMkLst>
         </pc:spChg>
-        <pc:spChg chg="add">
-          <ac:chgData name="GIULIA FILICICCHIA" userId="cb9b82e9-d681-4fbd-94e0-dca89213e694" providerId="ADAL" clId="{ECC296A0-5B09-42BE-8914-9A97CBE11E9B}" dt="2025-12-02T17:51:16.109" v="999" actId="26606"/>
+        <pc:spChg chg="add mod">
+          <ac:chgData name="GIULIA FILICICCHIA" userId="cb9b82e9-d681-4fbd-94e0-dca89213e694" providerId="ADAL" clId="{ECC296A0-5B09-42BE-8914-9A97CBE11E9B}" dt="2025-12-16T16:54:14.363" v="1572" actId="790"/>
           <ac:spMkLst>
             <pc:docMk/>
             <pc:sldMk cId="2521716074" sldId="262"/>
             <ac:spMk id="26" creationId="{453C67DF-7782-4E57-AB9B-F1B4811AD8FE}"/>
           </ac:spMkLst>
         </pc:spChg>
-        <pc:graphicFrameChg chg="add">
-          <ac:chgData name="GIULIA FILICICCHIA" userId="cb9b82e9-d681-4fbd-94e0-dca89213e694" providerId="ADAL" clId="{ECC296A0-5B09-42BE-8914-9A97CBE11E9B}" dt="2025-12-02T17:51:16.109" v="999" actId="26606"/>
+        <pc:graphicFrameChg chg="add modGraphic">
+          <ac:chgData name="GIULIA FILICICCHIA" userId="cb9b82e9-d681-4fbd-94e0-dca89213e694" providerId="ADAL" clId="{ECC296A0-5B09-42BE-8914-9A97CBE11E9B}" dt="2025-12-16T16:54:14.363" v="1572" actId="790"/>
           <ac:graphicFrameMkLst>
             <pc:docMk/>
             <pc:sldMk cId="2521716074" sldId="262"/>
@@ -490,33 +634,89 @@
         </pc:graphicFrameChg>
       </pc:sldChg>
       <pc:sldChg chg="addSp delSp modSp new mod setBg">
-        <pc:chgData name="GIULIA FILICICCHIA" userId="cb9b82e9-d681-4fbd-94e0-dca89213e694" providerId="ADAL" clId="{ECC296A0-5B09-42BE-8914-9A97CBE11E9B}" dt="2025-12-02T17:44:28.913" v="808" actId="122"/>
+        <pc:chgData name="GIULIA FILICICCHIA" userId="cb9b82e9-d681-4fbd-94e0-dca89213e694" providerId="ADAL" clId="{ECC296A0-5B09-42BE-8914-9A97CBE11E9B}" dt="2025-12-16T16:54:14.363" v="1572" actId="790"/>
         <pc:sldMkLst>
           <pc:docMk/>
           <pc:sldMk cId="3364812291" sldId="263"/>
         </pc:sldMkLst>
         <pc:spChg chg="mod">
-          <ac:chgData name="GIULIA FILICICCHIA" userId="cb9b82e9-d681-4fbd-94e0-dca89213e694" providerId="ADAL" clId="{ECC296A0-5B09-42BE-8914-9A97CBE11E9B}" dt="2025-12-02T17:44:28.913" v="808" actId="122"/>
+          <ac:chgData name="GIULIA FILICICCHIA" userId="cb9b82e9-d681-4fbd-94e0-dca89213e694" providerId="ADAL" clId="{ECC296A0-5B09-42BE-8914-9A97CBE11E9B}" dt="2025-12-16T16:54:14.363" v="1572" actId="790"/>
           <ac:spMkLst>
             <pc:docMk/>
             <pc:sldMk cId="3364812291" sldId="263"/>
             <ac:spMk id="2" creationId="{328D9045-53DE-0906-86CA-5DB608744E34}"/>
           </ac:spMkLst>
         </pc:spChg>
-        <pc:spChg chg="add">
-          <ac:chgData name="GIULIA FILICICCHIA" userId="cb9b82e9-d681-4fbd-94e0-dca89213e694" providerId="ADAL" clId="{ECC296A0-5B09-42BE-8914-9A97CBE11E9B}" dt="2025-12-02T17:44:24.304" v="807" actId="26606"/>
+        <pc:spChg chg="add mod">
+          <ac:chgData name="GIULIA FILICICCHIA" userId="cb9b82e9-d681-4fbd-94e0-dca89213e694" providerId="ADAL" clId="{ECC296A0-5B09-42BE-8914-9A97CBE11E9B}" dt="2025-12-16T16:54:14.363" v="1572" actId="790"/>
           <ac:spMkLst>
             <pc:docMk/>
             <pc:sldMk cId="3364812291" sldId="263"/>
             <ac:spMk id="45" creationId="{345A976A-8DE3-4B67-B94B-2044FDD12899}"/>
           </ac:spMkLst>
         </pc:spChg>
-        <pc:spChg chg="add">
-          <ac:chgData name="GIULIA FILICICCHIA" userId="cb9b82e9-d681-4fbd-94e0-dca89213e694" providerId="ADAL" clId="{ECC296A0-5B09-42BE-8914-9A97CBE11E9B}" dt="2025-12-02T17:44:24.304" v="807" actId="26606"/>
+        <pc:spChg chg="add mod">
+          <ac:chgData name="GIULIA FILICICCHIA" userId="cb9b82e9-d681-4fbd-94e0-dca89213e694" providerId="ADAL" clId="{ECC296A0-5B09-42BE-8914-9A97CBE11E9B}" dt="2025-12-16T16:54:14.363" v="1572" actId="790"/>
           <ac:spMkLst>
             <pc:docMk/>
             <pc:sldMk cId="3364812291" sldId="263"/>
             <ac:spMk id="46" creationId="{6EAAA1B9-2DDB-49C9-A037-A523D2F13C15}"/>
+          </ac:spMkLst>
+        </pc:spChg>
+        <pc:spChg chg="mod">
+          <ac:chgData name="GIULIA FILICICCHIA" userId="cb9b82e9-d681-4fbd-94e0-dca89213e694" providerId="ADAL" clId="{ECC296A0-5B09-42BE-8914-9A97CBE11E9B}" dt="2025-12-16T16:54:14.363" v="1572" actId="790"/>
+          <ac:spMkLst>
+            <pc:docMk/>
+            <pc:sldMk cId="3364812291" sldId="263"/>
+            <ac:spMk id="48" creationId="{9A5E80E2-35F9-41F3-A2B8-A2F17D956FC0}"/>
+          </ac:spMkLst>
+        </pc:spChg>
+        <pc:spChg chg="mod">
+          <ac:chgData name="GIULIA FILICICCHIA" userId="cb9b82e9-d681-4fbd-94e0-dca89213e694" providerId="ADAL" clId="{ECC296A0-5B09-42BE-8914-9A97CBE11E9B}" dt="2025-12-16T16:54:14.363" v="1572" actId="790"/>
+          <ac:spMkLst>
+            <pc:docMk/>
+            <pc:sldMk cId="3364812291" sldId="263"/>
+            <ac:spMk id="49" creationId="{988BDEEE-0C30-49F3-8D05-B062EF890C94}"/>
+          </ac:spMkLst>
+        </pc:spChg>
+        <pc:spChg chg="mod">
+          <ac:chgData name="GIULIA FILICICCHIA" userId="cb9b82e9-d681-4fbd-94e0-dca89213e694" providerId="ADAL" clId="{ECC296A0-5B09-42BE-8914-9A97CBE11E9B}" dt="2025-12-16T16:54:14.363" v="1572" actId="790"/>
+          <ac:spMkLst>
+            <pc:docMk/>
+            <pc:sldMk cId="3364812291" sldId="263"/>
+            <ac:spMk id="51" creationId="{A3A55340-18E0-4A23-B406-BD1221643D86}"/>
+          </ac:spMkLst>
+        </pc:spChg>
+        <pc:spChg chg="mod">
+          <ac:chgData name="GIULIA FILICICCHIA" userId="cb9b82e9-d681-4fbd-94e0-dca89213e694" providerId="ADAL" clId="{ECC296A0-5B09-42BE-8914-9A97CBE11E9B}" dt="2025-12-16T16:54:14.363" v="1572" actId="790"/>
+          <ac:spMkLst>
+            <pc:docMk/>
+            <pc:sldMk cId="3364812291" sldId="263"/>
+            <ac:spMk id="53" creationId="{441E616B-C319-43C1-9A9C-A2074B2E8AD8}"/>
+          </ac:spMkLst>
+        </pc:spChg>
+        <pc:spChg chg="mod">
+          <ac:chgData name="GIULIA FILICICCHIA" userId="cb9b82e9-d681-4fbd-94e0-dca89213e694" providerId="ADAL" clId="{ECC296A0-5B09-42BE-8914-9A97CBE11E9B}" dt="2025-12-16T16:54:14.363" v="1572" actId="790"/>
+          <ac:spMkLst>
+            <pc:docMk/>
+            <pc:sldMk cId="3364812291" sldId="263"/>
+            <ac:spMk id="54" creationId="{CC86BD2B-CA73-48DF-9CC8-0152EA6B1BA5}"/>
+          </ac:spMkLst>
+        </pc:spChg>
+        <pc:spChg chg="mod">
+          <ac:chgData name="GIULIA FILICICCHIA" userId="cb9b82e9-d681-4fbd-94e0-dca89213e694" providerId="ADAL" clId="{ECC296A0-5B09-42BE-8914-9A97CBE11E9B}" dt="2025-12-16T16:54:14.363" v="1572" actId="790"/>
+          <ac:spMkLst>
+            <pc:docMk/>
+            <pc:sldMk cId="3364812291" sldId="263"/>
+            <ac:spMk id="55" creationId="{59C1AA9D-3FCF-4B84-94D1-51F0E1517115}"/>
+          </ac:spMkLst>
+        </pc:spChg>
+        <pc:spChg chg="mod">
+          <ac:chgData name="GIULIA FILICICCHIA" userId="cb9b82e9-d681-4fbd-94e0-dca89213e694" providerId="ADAL" clId="{ECC296A0-5B09-42BE-8914-9A97CBE11E9B}" dt="2025-12-16T16:54:14.363" v="1572" actId="790"/>
+          <ac:spMkLst>
+            <pc:docMk/>
+            <pc:sldMk cId="3364812291" sldId="263"/>
+            <ac:spMk id="56" creationId="{1D7CE92F-1DE7-4252-A62C-77ACF8CF2682}"/>
           </ac:spMkLst>
         </pc:spChg>
         <pc:grpChg chg="add">
@@ -545,37 +745,109 @@
         </pc:graphicFrameChg>
       </pc:sldChg>
       <pc:sldChg chg="addSp delSp modSp new mod setBg">
-        <pc:chgData name="GIULIA FILICICCHIA" userId="cb9b82e9-d681-4fbd-94e0-dca89213e694" providerId="ADAL" clId="{ECC296A0-5B09-42BE-8914-9A97CBE11E9B}" dt="2025-12-07T14:54:37.386" v="1490" actId="14100"/>
+        <pc:chgData name="GIULIA FILICICCHIA" userId="cb9b82e9-d681-4fbd-94e0-dca89213e694" providerId="ADAL" clId="{ECC296A0-5B09-42BE-8914-9A97CBE11E9B}" dt="2025-12-16T17:11:01.651" v="1591" actId="1076"/>
         <pc:sldMkLst>
           <pc:docMk/>
           <pc:sldMk cId="2801757028" sldId="264"/>
         </pc:sldMkLst>
         <pc:spChg chg="add mod ord">
-          <ac:chgData name="GIULIA FILICICCHIA" userId="cb9b82e9-d681-4fbd-94e0-dca89213e694" providerId="ADAL" clId="{ECC296A0-5B09-42BE-8914-9A97CBE11E9B}" dt="2025-12-07T10:56:13.857" v="1078" actId="1076"/>
+          <ac:chgData name="GIULIA FILICICCHIA" userId="cb9b82e9-d681-4fbd-94e0-dca89213e694" providerId="ADAL" clId="{ECC296A0-5B09-42BE-8914-9A97CBE11E9B}" dt="2025-12-16T17:11:01.651" v="1591" actId="1076"/>
           <ac:spMkLst>
             <pc:docMk/>
             <pc:sldMk cId="2801757028" sldId="264"/>
             <ac:spMk id="13" creationId="{A4BDCFA3-5510-69D4-023C-A4A14115FDE1}"/>
           </ac:spMkLst>
         </pc:spChg>
-        <pc:spChg chg="add">
-          <ac:chgData name="GIULIA FILICICCHIA" userId="cb9b82e9-d681-4fbd-94e0-dca89213e694" providerId="ADAL" clId="{ECC296A0-5B09-42BE-8914-9A97CBE11E9B}" dt="2025-12-02T17:45:43.330" v="829" actId="26606"/>
+        <pc:spChg chg="mod">
+          <ac:chgData name="GIULIA FILICICCHIA" userId="cb9b82e9-d681-4fbd-94e0-dca89213e694" providerId="ADAL" clId="{ECC296A0-5B09-42BE-8914-9A97CBE11E9B}" dt="2025-12-16T16:54:14.363" v="1572" actId="790"/>
+          <ac:spMkLst>
+            <pc:docMk/>
+            <pc:sldMk cId="2801757028" sldId="264"/>
+            <ac:spMk id="50" creationId="{4532450F-A219-4BF5-88FA-A47084237CEA}"/>
+          </ac:spMkLst>
+        </pc:spChg>
+        <pc:spChg chg="mod">
+          <ac:chgData name="GIULIA FILICICCHIA" userId="cb9b82e9-d681-4fbd-94e0-dca89213e694" providerId="ADAL" clId="{ECC296A0-5B09-42BE-8914-9A97CBE11E9B}" dt="2025-12-16T16:54:14.363" v="1572" actId="790"/>
+          <ac:spMkLst>
+            <pc:docMk/>
+            <pc:sldMk cId="2801757028" sldId="264"/>
+            <ac:spMk id="51" creationId="{035AC662-4000-411A-9E33-6A4B6C0FCB80}"/>
+          </ac:spMkLst>
+        </pc:spChg>
+        <pc:spChg chg="mod">
+          <ac:chgData name="GIULIA FILICICCHIA" userId="cb9b82e9-d681-4fbd-94e0-dca89213e694" providerId="ADAL" clId="{ECC296A0-5B09-42BE-8914-9A97CBE11E9B}" dt="2025-12-16T16:54:14.363" v="1572" actId="790"/>
+          <ac:spMkLst>
+            <pc:docMk/>
+            <pc:sldMk cId="2801757028" sldId="264"/>
+            <ac:spMk id="52" creationId="{D01D44A9-1D51-461B-A228-06F6C500B0B9}"/>
+          </ac:spMkLst>
+        </pc:spChg>
+        <pc:spChg chg="add del mod">
+          <ac:chgData name="GIULIA FILICICCHIA" userId="cb9b82e9-d681-4fbd-94e0-dca89213e694" providerId="ADAL" clId="{ECC296A0-5B09-42BE-8914-9A97CBE11E9B}" dt="2025-12-16T17:10:48.659" v="1587" actId="26606"/>
           <ac:spMkLst>
             <pc:docMk/>
             <pc:sldMk cId="2801757028" sldId="264"/>
             <ac:spMk id="57" creationId="{A440A548-C0D4-4418-940E-EDC2F1D9A599}"/>
           </ac:spMkLst>
         </pc:spChg>
-        <pc:spChg chg="add">
-          <ac:chgData name="GIULIA FILICICCHIA" userId="cb9b82e9-d681-4fbd-94e0-dca89213e694" providerId="ADAL" clId="{ECC296A0-5B09-42BE-8914-9A97CBE11E9B}" dt="2025-12-02T17:45:43.330" v="829" actId="26606"/>
+        <pc:spChg chg="add del mod">
+          <ac:chgData name="GIULIA FILICICCHIA" userId="cb9b82e9-d681-4fbd-94e0-dca89213e694" providerId="ADAL" clId="{ECC296A0-5B09-42BE-8914-9A97CBE11E9B}" dt="2025-12-16T17:10:48.659" v="1587" actId="26606"/>
           <ac:spMkLst>
             <pc:docMk/>
             <pc:sldMk cId="2801757028" sldId="264"/>
             <ac:spMk id="58" creationId="{E708B267-8CD2-4684-A57B-9F1070769203}"/>
           </ac:spMkLst>
         </pc:spChg>
-        <pc:grpChg chg="add">
-          <ac:chgData name="GIULIA FILICICCHIA" userId="cb9b82e9-d681-4fbd-94e0-dca89213e694" providerId="ADAL" clId="{ECC296A0-5B09-42BE-8914-9A97CBE11E9B}" dt="2025-12-02T17:45:43.330" v="829" actId="26606"/>
+        <pc:spChg chg="add del">
+          <ac:chgData name="GIULIA FILICICCHIA" userId="cb9b82e9-d681-4fbd-94e0-dca89213e694" providerId="ADAL" clId="{ECC296A0-5B09-42BE-8914-9A97CBE11E9B}" dt="2025-12-16T17:10:04.820" v="1583" actId="26606"/>
+          <ac:spMkLst>
+            <pc:docMk/>
+            <pc:sldMk cId="2801757028" sldId="264"/>
+            <ac:spMk id="64" creationId="{C0763A76-9F1C-4FC5-82B7-DD475DA461B2}"/>
+          </ac:spMkLst>
+        </pc:spChg>
+        <pc:spChg chg="add del">
+          <ac:chgData name="GIULIA FILICICCHIA" userId="cb9b82e9-d681-4fbd-94e0-dca89213e694" providerId="ADAL" clId="{ECC296A0-5B09-42BE-8914-9A97CBE11E9B}" dt="2025-12-16T17:10:04.820" v="1583" actId="26606"/>
+          <ac:spMkLst>
+            <pc:docMk/>
+            <pc:sldMk cId="2801757028" sldId="264"/>
+            <ac:spMk id="66" creationId="{E81BF4F6-F2CF-4984-9D14-D6966D92F99F}"/>
+          </ac:spMkLst>
+        </pc:spChg>
+        <pc:spChg chg="add del">
+          <ac:chgData name="GIULIA FILICICCHIA" userId="cb9b82e9-d681-4fbd-94e0-dca89213e694" providerId="ADAL" clId="{ECC296A0-5B09-42BE-8914-9A97CBE11E9B}" dt="2025-12-16T17:10:48.659" v="1587" actId="26606"/>
+          <ac:spMkLst>
+            <pc:docMk/>
+            <pc:sldMk cId="2801757028" sldId="264"/>
+            <ac:spMk id="69" creationId="{0D7B6173-1D58-48E2-83CF-37350F315F75}"/>
+          </ac:spMkLst>
+        </pc:spChg>
+        <pc:spChg chg="add del">
+          <ac:chgData name="GIULIA FILICICCHIA" userId="cb9b82e9-d681-4fbd-94e0-dca89213e694" providerId="ADAL" clId="{ECC296A0-5B09-42BE-8914-9A97CBE11E9B}" dt="2025-12-16T17:10:48.659" v="1587" actId="26606"/>
+          <ac:spMkLst>
+            <pc:docMk/>
+            <pc:sldMk cId="2801757028" sldId="264"/>
+            <ac:spMk id="70" creationId="{21BDEC81-16A7-4451-B893-C15000083B77}"/>
+          </ac:spMkLst>
+        </pc:spChg>
+        <pc:spChg chg="add del">
+          <ac:chgData name="GIULIA FILICICCHIA" userId="cb9b82e9-d681-4fbd-94e0-dca89213e694" providerId="ADAL" clId="{ECC296A0-5B09-42BE-8914-9A97CBE11E9B}" dt="2025-12-16T17:10:48.659" v="1587" actId="26606"/>
+          <ac:spMkLst>
+            <pc:docMk/>
+            <pc:sldMk cId="2801757028" sldId="264"/>
+            <ac:spMk id="71" creationId="{02EBFA83-D4DB-4CA0-B229-9E44634D7FE9}"/>
+          </ac:spMkLst>
+        </pc:spChg>
+        <pc:spChg chg="add del">
+          <ac:chgData name="GIULIA FILICICCHIA" userId="cb9b82e9-d681-4fbd-94e0-dca89213e694" providerId="ADAL" clId="{ECC296A0-5B09-42BE-8914-9A97CBE11E9B}" dt="2025-12-16T17:10:48.659" v="1587" actId="26606"/>
+          <ac:spMkLst>
+            <pc:docMk/>
+            <pc:sldMk cId="2801757028" sldId="264"/>
+            <ac:spMk id="72" creationId="{26A515A1-4D80-430E-BE0A-71A290516A82}"/>
+          </ac:spMkLst>
+        </pc:spChg>
+        <pc:grpChg chg="add del">
+          <ac:chgData name="GIULIA FILICICCHIA" userId="cb9b82e9-d681-4fbd-94e0-dca89213e694" providerId="ADAL" clId="{ECC296A0-5B09-42BE-8914-9A97CBE11E9B}" dt="2025-12-16T17:10:48.659" v="1587" actId="26606"/>
           <ac:grpSpMkLst>
             <pc:docMk/>
             <pc:sldMk cId="2801757028" sldId="264"/>
@@ -583,42 +855,82 @@
           </ac:grpSpMkLst>
         </pc:grpChg>
         <pc:picChg chg="add mod ord">
-          <ac:chgData name="GIULIA FILICICCHIA" userId="cb9b82e9-d681-4fbd-94e0-dca89213e694" providerId="ADAL" clId="{ECC296A0-5B09-42BE-8914-9A97CBE11E9B}" dt="2025-12-07T14:54:37.386" v="1490" actId="14100"/>
+          <ac:chgData name="GIULIA FILICICCHIA" userId="cb9b82e9-d681-4fbd-94e0-dca89213e694" providerId="ADAL" clId="{ECC296A0-5B09-42BE-8914-9A97CBE11E9B}" dt="2025-12-16T17:10:48.659" v="1587" actId="26606"/>
           <ac:picMkLst>
             <pc:docMk/>
             <pc:sldMk cId="2801757028" sldId="264"/>
             <ac:picMk id="12" creationId="{10185C6D-BC19-220F-46B3-30A53850F957}"/>
           </ac:picMkLst>
         </pc:picChg>
+        <pc:picChg chg="add del">
+          <ac:chgData name="GIULIA FILICICCHIA" userId="cb9b82e9-d681-4fbd-94e0-dca89213e694" providerId="ADAL" clId="{ECC296A0-5B09-42BE-8914-9A97CBE11E9B}" dt="2025-12-16T17:10:48.659" v="1587" actId="26606"/>
+          <ac:picMkLst>
+            <pc:docMk/>
+            <pc:sldMk cId="2801757028" sldId="264"/>
+            <ac:picMk id="68" creationId="{B0DAC8FB-A162-44E3-A606-C855A03A5B09}"/>
+          </ac:picMkLst>
+        </pc:picChg>
       </pc:sldChg>
       <pc:sldChg chg="addSp delSp modSp new mod ord setBg">
-        <pc:chgData name="GIULIA FILICICCHIA" userId="cb9b82e9-d681-4fbd-94e0-dca89213e694" providerId="ADAL" clId="{ECC296A0-5B09-42BE-8914-9A97CBE11E9B}" dt="2025-12-16T16:04:24.808" v="1570" actId="14100"/>
+        <pc:chgData name="GIULIA FILICICCHIA" userId="cb9b82e9-d681-4fbd-94e0-dca89213e694" providerId="ADAL" clId="{ECC296A0-5B09-42BE-8914-9A97CBE11E9B}" dt="2025-12-16T16:54:14.363" v="1572" actId="790"/>
         <pc:sldMkLst>
           <pc:docMk/>
           <pc:sldMk cId="574727215" sldId="265"/>
         </pc:sldMkLst>
         <pc:spChg chg="mod">
-          <ac:chgData name="GIULIA FILICICCHIA" userId="cb9b82e9-d681-4fbd-94e0-dca89213e694" providerId="ADAL" clId="{ECC296A0-5B09-42BE-8914-9A97CBE11E9B}" dt="2025-12-16T16:04:24.808" v="1570" actId="14100"/>
+          <ac:chgData name="GIULIA FILICICCHIA" userId="cb9b82e9-d681-4fbd-94e0-dca89213e694" providerId="ADAL" clId="{ECC296A0-5B09-42BE-8914-9A97CBE11E9B}" dt="2025-12-16T16:54:14.363" v="1572" actId="790"/>
           <ac:spMkLst>
             <pc:docMk/>
             <pc:sldMk cId="574727215" sldId="265"/>
             <ac:spMk id="3" creationId="{EF7FC097-400F-C120-6F47-005979D6F772}"/>
           </ac:spMkLst>
         </pc:spChg>
-        <pc:spChg chg="add">
-          <ac:chgData name="GIULIA FILICICCHIA" userId="cb9b82e9-d681-4fbd-94e0-dca89213e694" providerId="ADAL" clId="{ECC296A0-5B09-42BE-8914-9A97CBE11E9B}" dt="2025-12-02T17:42:55.481" v="778" actId="26606"/>
+        <pc:spChg chg="add mod">
+          <ac:chgData name="GIULIA FILICICCHIA" userId="cb9b82e9-d681-4fbd-94e0-dca89213e694" providerId="ADAL" clId="{ECC296A0-5B09-42BE-8914-9A97CBE11E9B}" dt="2025-12-16T16:54:14.363" v="1572" actId="790"/>
           <ac:spMkLst>
             <pc:docMk/>
             <pc:sldMk cId="574727215" sldId="265"/>
             <ac:spMk id="25" creationId="{B6FACB3C-9069-4791-BC5C-0DB7CD19B853}"/>
           </ac:spMkLst>
         </pc:spChg>
-        <pc:spChg chg="add">
-          <ac:chgData name="GIULIA FILICICCHIA" userId="cb9b82e9-d681-4fbd-94e0-dca89213e694" providerId="ADAL" clId="{ECC296A0-5B09-42BE-8914-9A97CBE11E9B}" dt="2025-12-02T17:42:55.481" v="778" actId="26606"/>
+        <pc:spChg chg="add mod">
+          <ac:chgData name="GIULIA FILICICCHIA" userId="cb9b82e9-d681-4fbd-94e0-dca89213e694" providerId="ADAL" clId="{ECC296A0-5B09-42BE-8914-9A97CBE11E9B}" dt="2025-12-16T16:54:14.363" v="1572" actId="790"/>
           <ac:spMkLst>
             <pc:docMk/>
             <pc:sldMk cId="574727215" sldId="265"/>
             <ac:spMk id="27" creationId="{71F2038E-D777-4B76-81DD-DD13EE91B9DD}"/>
+          </ac:spMkLst>
+        </pc:spChg>
+        <pc:spChg chg="mod">
+          <ac:chgData name="GIULIA FILICICCHIA" userId="cb9b82e9-d681-4fbd-94e0-dca89213e694" providerId="ADAL" clId="{ECC296A0-5B09-42BE-8914-9A97CBE11E9B}" dt="2025-12-16T16:54:14.363" v="1572" actId="790"/>
+          <ac:spMkLst>
+            <pc:docMk/>
+            <pc:sldMk cId="574727215" sldId="265"/>
+            <ac:spMk id="30" creationId="{BF5A6F4A-CE87-4D5C-9382-8167967CE813}"/>
+          </ac:spMkLst>
+        </pc:spChg>
+        <pc:spChg chg="mod">
+          <ac:chgData name="GIULIA FILICICCHIA" userId="cb9b82e9-d681-4fbd-94e0-dca89213e694" providerId="ADAL" clId="{ECC296A0-5B09-42BE-8914-9A97CBE11E9B}" dt="2025-12-16T16:54:14.363" v="1572" actId="790"/>
+          <ac:spMkLst>
+            <pc:docMk/>
+            <pc:sldMk cId="574727215" sldId="265"/>
+            <ac:spMk id="31" creationId="{61023DD2-2E6F-4419-B404-80F08460BEA5}"/>
+          </ac:spMkLst>
+        </pc:spChg>
+        <pc:spChg chg="mod">
+          <ac:chgData name="GIULIA FILICICCHIA" userId="cb9b82e9-d681-4fbd-94e0-dca89213e694" providerId="ADAL" clId="{ECC296A0-5B09-42BE-8914-9A97CBE11E9B}" dt="2025-12-16T16:54:14.363" v="1572" actId="790"/>
+          <ac:spMkLst>
+            <pc:docMk/>
+            <pc:sldMk cId="574727215" sldId="265"/>
+            <ac:spMk id="32" creationId="{BC4A6C98-F96E-4587-B01F-A9B01BBFAD01}"/>
+          </ac:spMkLst>
+        </pc:spChg>
+        <pc:spChg chg="mod">
+          <ac:chgData name="GIULIA FILICICCHIA" userId="cb9b82e9-d681-4fbd-94e0-dca89213e694" providerId="ADAL" clId="{ECC296A0-5B09-42BE-8914-9A97CBE11E9B}" dt="2025-12-16T16:54:14.363" v="1572" actId="790"/>
+          <ac:spMkLst>
+            <pc:docMk/>
+            <pc:sldMk cId="574727215" sldId="265"/>
+            <ac:spMk id="33" creationId="{A66409EC-9CC3-482A-A4A5-54ED092B3F22}"/>
           </ac:spMkLst>
         </pc:spChg>
         <pc:grpChg chg="add">
@@ -639,17 +951,33 @@
         </pc:picChg>
       </pc:sldChg>
       <pc:sldChg chg="addSp delSp modSp new mod setBg">
-        <pc:chgData name="GIULIA FILICICCHIA" userId="cb9b82e9-d681-4fbd-94e0-dca89213e694" providerId="ADAL" clId="{ECC296A0-5B09-42BE-8914-9A97CBE11E9B}" dt="2025-12-07T11:32:21.119" v="1487" actId="1076"/>
+        <pc:chgData name="GIULIA FILICICCHIA" userId="cb9b82e9-d681-4fbd-94e0-dca89213e694" providerId="ADAL" clId="{ECC296A0-5B09-42BE-8914-9A97CBE11E9B}" dt="2025-12-16T16:54:14.363" v="1572" actId="790"/>
         <pc:sldMkLst>
           <pc:docMk/>
           <pc:sldMk cId="3777663531" sldId="266"/>
         </pc:sldMkLst>
         <pc:spChg chg="mod">
-          <ac:chgData name="GIULIA FILICICCHIA" userId="cb9b82e9-d681-4fbd-94e0-dca89213e694" providerId="ADAL" clId="{ECC296A0-5B09-42BE-8914-9A97CBE11E9B}" dt="2025-12-07T11:32:21.119" v="1487" actId="1076"/>
+          <ac:chgData name="GIULIA FILICICCHIA" userId="cb9b82e9-d681-4fbd-94e0-dca89213e694" providerId="ADAL" clId="{ECC296A0-5B09-42BE-8914-9A97CBE11E9B}" dt="2025-12-16T16:54:14.363" v="1572" actId="790"/>
           <ac:spMkLst>
             <pc:docMk/>
             <pc:sldMk cId="3777663531" sldId="266"/>
             <ac:spMk id="3" creationId="{3F0E8975-FF12-8495-2317-E2B869E9BC95}"/>
+          </ac:spMkLst>
+        </pc:spChg>
+        <pc:spChg chg="mod">
+          <ac:chgData name="GIULIA FILICICCHIA" userId="cb9b82e9-d681-4fbd-94e0-dca89213e694" providerId="ADAL" clId="{ECC296A0-5B09-42BE-8914-9A97CBE11E9B}" dt="2025-12-16T16:54:14.363" v="1572" actId="790"/>
+          <ac:spMkLst>
+            <pc:docMk/>
+            <pc:sldMk cId="3777663531" sldId="266"/>
+            <ac:spMk id="10" creationId="{10B4520A-996E-330C-99DA-69CA4D89E906}"/>
+          </ac:spMkLst>
+        </pc:spChg>
+        <pc:spChg chg="mod">
+          <ac:chgData name="GIULIA FILICICCHIA" userId="cb9b82e9-d681-4fbd-94e0-dca89213e694" providerId="ADAL" clId="{ECC296A0-5B09-42BE-8914-9A97CBE11E9B}" dt="2025-12-16T16:54:14.363" v="1572" actId="790"/>
+          <ac:spMkLst>
+            <pc:docMk/>
+            <pc:sldMk cId="3777663531" sldId="266"/>
+            <ac:spMk id="11" creationId="{EC8FA945-E356-695F-18D6-CAD4EF34FE4A}"/>
           </ac:spMkLst>
         </pc:spChg>
         <pc:grpChg chg="add">
@@ -670,33 +998,65 @@
         </pc:picChg>
       </pc:sldChg>
       <pc:sldChg chg="addSp delSp modSp new mod setBg">
-        <pc:chgData name="GIULIA FILICICCHIA" userId="cb9b82e9-d681-4fbd-94e0-dca89213e694" providerId="ADAL" clId="{ECC296A0-5B09-42BE-8914-9A97CBE11E9B}" dt="2025-12-07T14:57:11.178" v="1491" actId="108"/>
+        <pc:chgData name="GIULIA FILICICCHIA" userId="cb9b82e9-d681-4fbd-94e0-dca89213e694" providerId="ADAL" clId="{ECC296A0-5B09-42BE-8914-9A97CBE11E9B}" dt="2025-12-16T16:54:14.363" v="1572" actId="790"/>
         <pc:sldMkLst>
           <pc:docMk/>
           <pc:sldMk cId="1358167487" sldId="267"/>
         </pc:sldMkLst>
         <pc:spChg chg="add mod">
-          <ac:chgData name="GIULIA FILICICCHIA" userId="cb9b82e9-d681-4fbd-94e0-dca89213e694" providerId="ADAL" clId="{ECC296A0-5B09-42BE-8914-9A97CBE11E9B}" dt="2025-12-07T14:57:11.178" v="1491" actId="108"/>
+          <ac:chgData name="GIULIA FILICICCHIA" userId="cb9b82e9-d681-4fbd-94e0-dca89213e694" providerId="ADAL" clId="{ECC296A0-5B09-42BE-8914-9A97CBE11E9B}" dt="2025-12-16T16:54:14.363" v="1572" actId="790"/>
           <ac:spMkLst>
             <pc:docMk/>
             <pc:sldMk cId="1358167487" sldId="267"/>
             <ac:spMk id="5" creationId="{F795F97C-D43F-25C3-4F5E-6754BD37571A}"/>
           </ac:spMkLst>
         </pc:spChg>
-        <pc:spChg chg="add">
-          <ac:chgData name="GIULIA FILICICCHIA" userId="cb9b82e9-d681-4fbd-94e0-dca89213e694" providerId="ADAL" clId="{ECC296A0-5B09-42BE-8914-9A97CBE11E9B}" dt="2025-12-02T17:54:14.853" v="1003" actId="26606"/>
+        <pc:spChg chg="add mod">
+          <ac:chgData name="GIULIA FILICICCHIA" userId="cb9b82e9-d681-4fbd-94e0-dca89213e694" providerId="ADAL" clId="{ECC296A0-5B09-42BE-8914-9A97CBE11E9B}" dt="2025-12-16T16:54:14.363" v="1572" actId="790"/>
           <ac:spMkLst>
             <pc:docMk/>
             <pc:sldMk cId="1358167487" sldId="267"/>
             <ac:spMk id="10" creationId="{B6FACB3C-9069-4791-BC5C-0DB7CD19B853}"/>
           </ac:spMkLst>
         </pc:spChg>
-        <pc:spChg chg="add">
-          <ac:chgData name="GIULIA FILICICCHIA" userId="cb9b82e9-d681-4fbd-94e0-dca89213e694" providerId="ADAL" clId="{ECC296A0-5B09-42BE-8914-9A97CBE11E9B}" dt="2025-12-02T17:54:14.853" v="1003" actId="26606"/>
+        <pc:spChg chg="add mod">
+          <ac:chgData name="GIULIA FILICICCHIA" userId="cb9b82e9-d681-4fbd-94e0-dca89213e694" providerId="ADAL" clId="{ECC296A0-5B09-42BE-8914-9A97CBE11E9B}" dt="2025-12-16T16:54:14.363" v="1572" actId="790"/>
           <ac:spMkLst>
             <pc:docMk/>
             <pc:sldMk cId="1358167487" sldId="267"/>
             <ac:spMk id="12" creationId="{71F2038E-D777-4B76-81DD-DD13EE91B9DD}"/>
+          </ac:spMkLst>
+        </pc:spChg>
+        <pc:spChg chg="mod">
+          <ac:chgData name="GIULIA FILICICCHIA" userId="cb9b82e9-d681-4fbd-94e0-dca89213e694" providerId="ADAL" clId="{ECC296A0-5B09-42BE-8914-9A97CBE11E9B}" dt="2025-12-16T16:54:14.363" v="1572" actId="790"/>
+          <ac:spMkLst>
+            <pc:docMk/>
+            <pc:sldMk cId="1358167487" sldId="267"/>
+            <ac:spMk id="15" creationId="{BF5A6F4A-CE87-4D5C-9382-8167967CE813}"/>
+          </ac:spMkLst>
+        </pc:spChg>
+        <pc:spChg chg="mod">
+          <ac:chgData name="GIULIA FILICICCHIA" userId="cb9b82e9-d681-4fbd-94e0-dca89213e694" providerId="ADAL" clId="{ECC296A0-5B09-42BE-8914-9A97CBE11E9B}" dt="2025-12-16T16:54:14.363" v="1572" actId="790"/>
+          <ac:spMkLst>
+            <pc:docMk/>
+            <pc:sldMk cId="1358167487" sldId="267"/>
+            <ac:spMk id="16" creationId="{61023DD2-2E6F-4419-B404-80F08460BEA5}"/>
+          </ac:spMkLst>
+        </pc:spChg>
+        <pc:spChg chg="mod">
+          <ac:chgData name="GIULIA FILICICCHIA" userId="cb9b82e9-d681-4fbd-94e0-dca89213e694" providerId="ADAL" clId="{ECC296A0-5B09-42BE-8914-9A97CBE11E9B}" dt="2025-12-16T16:54:14.363" v="1572" actId="790"/>
+          <ac:spMkLst>
+            <pc:docMk/>
+            <pc:sldMk cId="1358167487" sldId="267"/>
+            <ac:spMk id="17" creationId="{BC4A6C98-F96E-4587-B01F-A9B01BBFAD01}"/>
+          </ac:spMkLst>
+        </pc:spChg>
+        <pc:spChg chg="mod">
+          <ac:chgData name="GIULIA FILICICCHIA" userId="cb9b82e9-d681-4fbd-94e0-dca89213e694" providerId="ADAL" clId="{ECC296A0-5B09-42BE-8914-9A97CBE11E9B}" dt="2025-12-16T16:54:14.363" v="1572" actId="790"/>
+          <ac:spMkLst>
+            <pc:docMk/>
+            <pc:sldMk cId="1358167487" sldId="267"/>
+            <ac:spMk id="18" creationId="{A66409EC-9CC3-482A-A4A5-54ED092B3F22}"/>
           </ac:spMkLst>
         </pc:spChg>
         <pc:grpChg chg="add">
@@ -717,13 +1077,13 @@
         </pc:picChg>
       </pc:sldChg>
       <pc:sldChg chg="addSp delSp modSp new mod setBg">
-        <pc:chgData name="GIULIA FILICICCHIA" userId="cb9b82e9-d681-4fbd-94e0-dca89213e694" providerId="ADAL" clId="{ECC296A0-5B09-42BE-8914-9A97CBE11E9B}" dt="2025-12-07T15:00:18.174" v="1505" actId="255"/>
+        <pc:chgData name="GIULIA FILICICCHIA" userId="cb9b82e9-d681-4fbd-94e0-dca89213e694" providerId="ADAL" clId="{ECC296A0-5B09-42BE-8914-9A97CBE11E9B}" dt="2025-12-16T16:54:14.363" v="1572" actId="790"/>
         <pc:sldMkLst>
           <pc:docMk/>
           <pc:sldMk cId="3357934565" sldId="268"/>
         </pc:sldMkLst>
         <pc:spChg chg="mod">
-          <ac:chgData name="GIULIA FILICICCHIA" userId="cb9b82e9-d681-4fbd-94e0-dca89213e694" providerId="ADAL" clId="{ECC296A0-5B09-42BE-8914-9A97CBE11E9B}" dt="2025-12-07T15:00:10.703" v="1504" actId="122"/>
+          <ac:chgData name="GIULIA FILICICCHIA" userId="cb9b82e9-d681-4fbd-94e0-dca89213e694" providerId="ADAL" clId="{ECC296A0-5B09-42BE-8914-9A97CBE11E9B}" dt="2025-12-16T16:54:14.363" v="1572" actId="790"/>
           <ac:spMkLst>
             <pc:docMk/>
             <pc:sldMk cId="3357934565" sldId="268"/>
@@ -731,7 +1091,7 @@
           </ac:spMkLst>
         </pc:spChg>
         <pc:spChg chg="mod ord">
-          <ac:chgData name="GIULIA FILICICCHIA" userId="cb9b82e9-d681-4fbd-94e0-dca89213e694" providerId="ADAL" clId="{ECC296A0-5B09-42BE-8914-9A97CBE11E9B}" dt="2025-12-07T15:00:18.174" v="1505" actId="255"/>
+          <ac:chgData name="GIULIA FILICICCHIA" userId="cb9b82e9-d681-4fbd-94e0-dca89213e694" providerId="ADAL" clId="{ECC296A0-5B09-42BE-8914-9A97CBE11E9B}" dt="2025-12-16T16:54:14.363" v="1572" actId="790"/>
           <ac:spMkLst>
             <pc:docMk/>
             <pc:sldMk cId="3357934565" sldId="268"/>
@@ -739,19 +1099,35 @@
           </ac:spMkLst>
         </pc:spChg>
         <pc:spChg chg="add mod">
-          <ac:chgData name="GIULIA FILICICCHIA" userId="cb9b82e9-d681-4fbd-94e0-dca89213e694" providerId="ADAL" clId="{ECC296A0-5B09-42BE-8914-9A97CBE11E9B}" dt="2025-12-07T15:00:02.751" v="1502" actId="26606"/>
+          <ac:chgData name="GIULIA FILICICCHIA" userId="cb9b82e9-d681-4fbd-94e0-dca89213e694" providerId="ADAL" clId="{ECC296A0-5B09-42BE-8914-9A97CBE11E9B}" dt="2025-12-16T16:54:14.363" v="1572" actId="790"/>
           <ac:spMkLst>
             <pc:docMk/>
             <pc:sldMk cId="3357934565" sldId="268"/>
             <ac:spMk id="8" creationId="{5C5E9365-DB86-5CFD-9484-A41F2759E94A}"/>
           </ac:spMkLst>
         </pc:spChg>
-        <pc:spChg chg="add">
-          <ac:chgData name="GIULIA FILICICCHIA" userId="cb9b82e9-d681-4fbd-94e0-dca89213e694" providerId="ADAL" clId="{ECC296A0-5B09-42BE-8914-9A97CBE11E9B}" dt="2025-12-07T15:00:02.751" v="1502" actId="26606"/>
+        <pc:spChg chg="add mod">
+          <ac:chgData name="GIULIA FILICICCHIA" userId="cb9b82e9-d681-4fbd-94e0-dca89213e694" providerId="ADAL" clId="{ECC296A0-5B09-42BE-8914-9A97CBE11E9B}" dt="2025-12-16T16:54:14.363" v="1572" actId="790"/>
           <ac:spMkLst>
             <pc:docMk/>
             <pc:sldMk cId="3357934565" sldId="268"/>
             <ac:spMk id="21" creationId="{305265DC-CF6B-4AE8-B3F3-2A7A16374D31}"/>
+          </ac:spMkLst>
+        </pc:spChg>
+        <pc:spChg chg="mod">
+          <ac:chgData name="GIULIA FILICICCHIA" userId="cb9b82e9-d681-4fbd-94e0-dca89213e694" providerId="ADAL" clId="{ECC296A0-5B09-42BE-8914-9A97CBE11E9B}" dt="2025-12-16T16:54:14.363" v="1572" actId="790"/>
+          <ac:spMkLst>
+            <pc:docMk/>
+            <pc:sldMk cId="3357934565" sldId="268"/>
+            <ac:spMk id="24" creationId="{D8C2E702-9A3E-420B-81FC-693685CAF60B}"/>
+          </ac:spMkLst>
+        </pc:spChg>
+        <pc:spChg chg="mod">
+          <ac:chgData name="GIULIA FILICICCHIA" userId="cb9b82e9-d681-4fbd-94e0-dca89213e694" providerId="ADAL" clId="{ECC296A0-5B09-42BE-8914-9A97CBE11E9B}" dt="2025-12-16T16:54:14.363" v="1572" actId="790"/>
+          <ac:spMkLst>
+            <pc:docMk/>
+            <pc:sldMk cId="3357934565" sldId="268"/>
+            <ac:spMk id="25" creationId="{6AA40418-2F7D-4A2A-84C0-1A72B0307C6A}"/>
           </ac:spMkLst>
         </pc:spChg>
         <pc:grpChg chg="add">
@@ -772,29 +1148,29 @@
         </pc:picChg>
       </pc:sldChg>
       <pc:sldChg chg="addSp delSp modSp new mod setBg">
-        <pc:chgData name="GIULIA FILICICCHIA" userId="cb9b82e9-d681-4fbd-94e0-dca89213e694" providerId="ADAL" clId="{ECC296A0-5B09-42BE-8914-9A97CBE11E9B}" dt="2025-12-07T11:15:55.271" v="1336" actId="1076"/>
+        <pc:chgData name="GIULIA FILICICCHIA" userId="cb9b82e9-d681-4fbd-94e0-dca89213e694" providerId="ADAL" clId="{ECC296A0-5B09-42BE-8914-9A97CBE11E9B}" dt="2025-12-16T16:54:14.363" v="1572" actId="790"/>
         <pc:sldMkLst>
           <pc:docMk/>
           <pc:sldMk cId="1067559529" sldId="270"/>
         </pc:sldMkLst>
         <pc:spChg chg="add mod">
-          <ac:chgData name="GIULIA FILICICCHIA" userId="cb9b82e9-d681-4fbd-94e0-dca89213e694" providerId="ADAL" clId="{ECC296A0-5B09-42BE-8914-9A97CBE11E9B}" dt="2025-12-07T11:15:55.271" v="1336" actId="1076"/>
+          <ac:chgData name="GIULIA FILICICCHIA" userId="cb9b82e9-d681-4fbd-94e0-dca89213e694" providerId="ADAL" clId="{ECC296A0-5B09-42BE-8914-9A97CBE11E9B}" dt="2025-12-16T16:54:14.363" v="1572" actId="790"/>
           <ac:spMkLst>
             <pc:docMk/>
             <pc:sldMk cId="1067559529" sldId="270"/>
             <ac:spMk id="8" creationId="{9122E3C9-9AFD-E936-BB93-C08EC65009FC}"/>
           </ac:spMkLst>
         </pc:spChg>
-        <pc:spChg chg="add">
-          <ac:chgData name="GIULIA FILICICCHIA" userId="cb9b82e9-d681-4fbd-94e0-dca89213e694" providerId="ADAL" clId="{ECC296A0-5B09-42BE-8914-9A97CBE11E9B}" dt="2025-12-07T11:15:28.301" v="1329" actId="26606"/>
+        <pc:spChg chg="add mod">
+          <ac:chgData name="GIULIA FILICICCHIA" userId="cb9b82e9-d681-4fbd-94e0-dca89213e694" providerId="ADAL" clId="{ECC296A0-5B09-42BE-8914-9A97CBE11E9B}" dt="2025-12-16T16:54:14.363" v="1572" actId="790"/>
           <ac:spMkLst>
             <pc:docMk/>
             <pc:sldMk cId="1067559529" sldId="270"/>
             <ac:spMk id="41" creationId="{95199994-21AE-49A2-BA0D-12E295989A9A}"/>
           </ac:spMkLst>
         </pc:spChg>
-        <pc:spChg chg="add">
-          <ac:chgData name="GIULIA FILICICCHIA" userId="cb9b82e9-d681-4fbd-94e0-dca89213e694" providerId="ADAL" clId="{ECC296A0-5B09-42BE-8914-9A97CBE11E9B}" dt="2025-12-07T11:15:28.301" v="1329" actId="26606"/>
+        <pc:spChg chg="add mod">
+          <ac:chgData name="GIULIA FILICICCHIA" userId="cb9b82e9-d681-4fbd-94e0-dca89213e694" providerId="ADAL" clId="{ECC296A0-5B09-42BE-8914-9A97CBE11E9B}" dt="2025-12-16T16:54:14.363" v="1572" actId="790"/>
           <ac:spMkLst>
             <pc:docMk/>
             <pc:sldMk cId="1067559529" sldId="270"/>
@@ -811,13 +1187,13 @@
         </pc:picChg>
       </pc:sldChg>
       <pc:sldChg chg="addSp delSp modSp new mod setBg">
-        <pc:chgData name="GIULIA FILICICCHIA" userId="cb9b82e9-d681-4fbd-94e0-dca89213e694" providerId="ADAL" clId="{ECC296A0-5B09-42BE-8914-9A97CBE11E9B}" dt="2025-12-07T11:22:34.731" v="1388" actId="255"/>
+        <pc:chgData name="GIULIA FILICICCHIA" userId="cb9b82e9-d681-4fbd-94e0-dca89213e694" providerId="ADAL" clId="{ECC296A0-5B09-42BE-8914-9A97CBE11E9B}" dt="2025-12-16T16:54:14.363" v="1572" actId="790"/>
         <pc:sldMkLst>
           <pc:docMk/>
           <pc:sldMk cId="2541158878" sldId="271"/>
         </pc:sldMkLst>
         <pc:spChg chg="add mod">
-          <ac:chgData name="GIULIA FILICICCHIA" userId="cb9b82e9-d681-4fbd-94e0-dca89213e694" providerId="ADAL" clId="{ECC296A0-5B09-42BE-8914-9A97CBE11E9B}" dt="2025-12-07T11:22:29.175" v="1387" actId="122"/>
+          <ac:chgData name="GIULIA FILICICCHIA" userId="cb9b82e9-d681-4fbd-94e0-dca89213e694" providerId="ADAL" clId="{ECC296A0-5B09-42BE-8914-9A97CBE11E9B}" dt="2025-12-16T16:54:14.363" v="1572" actId="790"/>
           <ac:spMkLst>
             <pc:docMk/>
             <pc:sldMk cId="2541158878" sldId="271"/>
@@ -825,23 +1201,23 @@
           </ac:spMkLst>
         </pc:spChg>
         <pc:spChg chg="add mod">
-          <ac:chgData name="GIULIA FILICICCHIA" userId="cb9b82e9-d681-4fbd-94e0-dca89213e694" providerId="ADAL" clId="{ECC296A0-5B09-42BE-8914-9A97CBE11E9B}" dt="2025-12-07T11:22:34.731" v="1388" actId="255"/>
+          <ac:chgData name="GIULIA FILICICCHIA" userId="cb9b82e9-d681-4fbd-94e0-dca89213e694" providerId="ADAL" clId="{ECC296A0-5B09-42BE-8914-9A97CBE11E9B}" dt="2025-12-16T16:54:14.363" v="1572" actId="790"/>
           <ac:spMkLst>
             <pc:docMk/>
             <pc:sldMk cId="2541158878" sldId="271"/>
             <ac:spMk id="26" creationId="{2B0BFD1F-F9F0-6C85-B2F2-56AF6D75401F}"/>
           </ac:spMkLst>
         </pc:spChg>
-        <pc:spChg chg="add">
-          <ac:chgData name="GIULIA FILICICCHIA" userId="cb9b82e9-d681-4fbd-94e0-dca89213e694" providerId="ADAL" clId="{ECC296A0-5B09-42BE-8914-9A97CBE11E9B}" dt="2025-12-07T11:22:24.338" v="1385" actId="26606"/>
+        <pc:spChg chg="add mod">
+          <ac:chgData name="GIULIA FILICICCHIA" userId="cb9b82e9-d681-4fbd-94e0-dca89213e694" providerId="ADAL" clId="{ECC296A0-5B09-42BE-8914-9A97CBE11E9B}" dt="2025-12-16T16:54:14.363" v="1572" actId="790"/>
           <ac:spMkLst>
             <pc:docMk/>
             <pc:sldMk cId="2541158878" sldId="271"/>
             <ac:spMk id="64" creationId="{C0763A76-9F1C-4FC5-82B7-DD475DA461B2}"/>
           </ac:spMkLst>
         </pc:spChg>
-        <pc:spChg chg="add">
-          <ac:chgData name="GIULIA FILICICCHIA" userId="cb9b82e9-d681-4fbd-94e0-dca89213e694" providerId="ADAL" clId="{ECC296A0-5B09-42BE-8914-9A97CBE11E9B}" dt="2025-12-07T11:22:24.338" v="1385" actId="26606"/>
+        <pc:spChg chg="add mod">
+          <ac:chgData name="GIULIA FILICICCHIA" userId="cb9b82e9-d681-4fbd-94e0-dca89213e694" providerId="ADAL" clId="{ECC296A0-5B09-42BE-8914-9A97CBE11E9B}" dt="2025-12-16T16:54:14.363" v="1572" actId="790"/>
           <ac:spMkLst>
             <pc:docMk/>
             <pc:sldMk cId="2541158878" sldId="271"/>
@@ -858,13 +1234,13 @@
         </pc:picChg>
       </pc:sldChg>
       <pc:sldChg chg="addSp delSp modSp new mod setBg">
-        <pc:chgData name="GIULIA FILICICCHIA" userId="cb9b82e9-d681-4fbd-94e0-dca89213e694" providerId="ADAL" clId="{ECC296A0-5B09-42BE-8914-9A97CBE11E9B}" dt="2025-12-07T11:26:19.962" v="1419" actId="27636"/>
+        <pc:chgData name="GIULIA FILICICCHIA" userId="cb9b82e9-d681-4fbd-94e0-dca89213e694" providerId="ADAL" clId="{ECC296A0-5B09-42BE-8914-9A97CBE11E9B}" dt="2025-12-16T16:54:14.363" v="1572" actId="790"/>
         <pc:sldMkLst>
           <pc:docMk/>
           <pc:sldMk cId="190419596" sldId="272"/>
         </pc:sldMkLst>
         <pc:spChg chg="mod ord">
-          <ac:chgData name="GIULIA FILICICCHIA" userId="cb9b82e9-d681-4fbd-94e0-dca89213e694" providerId="ADAL" clId="{ECC296A0-5B09-42BE-8914-9A97CBE11E9B}" dt="2025-12-07T11:26:09.258" v="1416" actId="242"/>
+          <ac:chgData name="GIULIA FILICICCHIA" userId="cb9b82e9-d681-4fbd-94e0-dca89213e694" providerId="ADAL" clId="{ECC296A0-5B09-42BE-8914-9A97CBE11E9B}" dt="2025-12-16T16:54:14.363" v="1572" actId="790"/>
           <ac:spMkLst>
             <pc:docMk/>
             <pc:sldMk cId="190419596" sldId="272"/>
@@ -872,19 +1248,35 @@
           </ac:spMkLst>
         </pc:spChg>
         <pc:spChg chg="mod ord">
-          <ac:chgData name="GIULIA FILICICCHIA" userId="cb9b82e9-d681-4fbd-94e0-dca89213e694" providerId="ADAL" clId="{ECC296A0-5B09-42BE-8914-9A97CBE11E9B}" dt="2025-12-07T11:26:19.962" v="1419" actId="27636"/>
+          <ac:chgData name="GIULIA FILICICCHIA" userId="cb9b82e9-d681-4fbd-94e0-dca89213e694" providerId="ADAL" clId="{ECC296A0-5B09-42BE-8914-9A97CBE11E9B}" dt="2025-12-16T16:54:14.363" v="1572" actId="790"/>
           <ac:spMkLst>
             <pc:docMk/>
             <pc:sldMk cId="190419596" sldId="272"/>
             <ac:spMk id="3" creationId="{1F15B267-E634-0AC5-888F-FED8052DB74C}"/>
           </ac:spMkLst>
         </pc:spChg>
-        <pc:spChg chg="add">
-          <ac:chgData name="GIULIA FILICICCHIA" userId="cb9b82e9-d681-4fbd-94e0-dca89213e694" providerId="ADAL" clId="{ECC296A0-5B09-42BE-8914-9A97CBE11E9B}" dt="2025-12-07T11:25:51.099" v="1413" actId="26606"/>
+        <pc:spChg chg="add mod">
+          <ac:chgData name="GIULIA FILICICCHIA" userId="cb9b82e9-d681-4fbd-94e0-dca89213e694" providerId="ADAL" clId="{ECC296A0-5B09-42BE-8914-9A97CBE11E9B}" dt="2025-12-16T16:54:14.363" v="1572" actId="790"/>
           <ac:spMkLst>
             <pc:docMk/>
             <pc:sldMk cId="190419596" sldId="272"/>
             <ac:spMk id="52" creationId="{305265DC-CF6B-4AE8-B3F3-2A7A16374D31}"/>
+          </ac:spMkLst>
+        </pc:spChg>
+        <pc:spChg chg="mod">
+          <ac:chgData name="GIULIA FILICICCHIA" userId="cb9b82e9-d681-4fbd-94e0-dca89213e694" providerId="ADAL" clId="{ECC296A0-5B09-42BE-8914-9A97CBE11E9B}" dt="2025-12-16T16:54:14.363" v="1572" actId="790"/>
+          <ac:spMkLst>
+            <pc:docMk/>
+            <pc:sldMk cId="190419596" sldId="272"/>
+            <ac:spMk id="55" creationId="{D8C2E702-9A3E-420B-81FC-693685CAF60B}"/>
+          </ac:spMkLst>
+        </pc:spChg>
+        <pc:spChg chg="mod">
+          <ac:chgData name="GIULIA FILICICCHIA" userId="cb9b82e9-d681-4fbd-94e0-dca89213e694" providerId="ADAL" clId="{ECC296A0-5B09-42BE-8914-9A97CBE11E9B}" dt="2025-12-16T16:54:14.363" v="1572" actId="790"/>
+          <ac:spMkLst>
+            <pc:docMk/>
+            <pc:sldMk cId="190419596" sldId="272"/>
+            <ac:spMk id="56" creationId="{6AA40418-2F7D-4A2A-84C0-1A72B0307C6A}"/>
           </ac:spMkLst>
         </pc:spChg>
         <pc:grpChg chg="add">
@@ -905,13 +1297,13 @@
         </pc:picChg>
       </pc:sldChg>
       <pc:sldChg chg="addSp delSp modSp new mod setBg">
-        <pc:chgData name="GIULIA FILICICCHIA" userId="cb9b82e9-d681-4fbd-94e0-dca89213e694" providerId="ADAL" clId="{ECC296A0-5B09-42BE-8914-9A97CBE11E9B}" dt="2025-12-07T15:02:27.322" v="1534" actId="1076"/>
+        <pc:chgData name="GIULIA FILICICCHIA" userId="cb9b82e9-d681-4fbd-94e0-dca89213e694" providerId="ADAL" clId="{ECC296A0-5B09-42BE-8914-9A97CBE11E9B}" dt="2025-12-16T16:54:14.363" v="1572" actId="790"/>
         <pc:sldMkLst>
           <pc:docMk/>
           <pc:sldMk cId="534403575" sldId="273"/>
         </pc:sldMkLst>
         <pc:spChg chg="mod">
-          <ac:chgData name="GIULIA FILICICCHIA" userId="cb9b82e9-d681-4fbd-94e0-dca89213e694" providerId="ADAL" clId="{ECC296A0-5B09-42BE-8914-9A97CBE11E9B}" dt="2025-12-07T15:02:27.322" v="1534" actId="1076"/>
+          <ac:chgData name="GIULIA FILICICCHIA" userId="cb9b82e9-d681-4fbd-94e0-dca89213e694" providerId="ADAL" clId="{ECC296A0-5B09-42BE-8914-9A97CBE11E9B}" dt="2025-12-16T16:54:14.363" v="1572" actId="790"/>
           <ac:spMkLst>
             <pc:docMk/>
             <pc:sldMk cId="534403575" sldId="273"/>
@@ -934,20 +1326,76 @@
             <ac:spMk id="11" creationId="{E5F17139-31EE-46AC-B04F-DBBD852DD6CB}"/>
           </ac:spMkLst>
         </pc:spChg>
-        <pc:spChg chg="add">
-          <ac:chgData name="GIULIA FILICICCHIA" userId="cb9b82e9-d681-4fbd-94e0-dca89213e694" providerId="ADAL" clId="{ECC296A0-5B09-42BE-8914-9A97CBE11E9B}" dt="2025-12-07T15:02:04.667" v="1531" actId="26606"/>
+        <pc:spChg chg="mod">
+          <ac:chgData name="GIULIA FILICICCHIA" userId="cb9b82e9-d681-4fbd-94e0-dca89213e694" providerId="ADAL" clId="{ECC296A0-5B09-42BE-8914-9A97CBE11E9B}" dt="2025-12-16T16:54:14.363" v="1572" actId="790"/>
+          <ac:spMkLst>
+            <pc:docMk/>
+            <pc:sldMk cId="534403575" sldId="273"/>
+            <ac:spMk id="14" creationId="{C6754E2F-F56E-4BA3-99DD-8EBF110E3437}"/>
+          </ac:spMkLst>
+        </pc:spChg>
+        <pc:spChg chg="add mod">
+          <ac:chgData name="GIULIA FILICICCHIA" userId="cb9b82e9-d681-4fbd-94e0-dca89213e694" providerId="ADAL" clId="{ECC296A0-5B09-42BE-8914-9A97CBE11E9B}" dt="2025-12-16T16:54:14.363" v="1572" actId="790"/>
           <ac:spMkLst>
             <pc:docMk/>
             <pc:sldMk cId="534403575" sldId="273"/>
             <ac:spMk id="17" creationId="{89D16701-DA76-4F72-BB63-E2C3FFBDFE0F}"/>
           </ac:spMkLst>
         </pc:spChg>
-        <pc:spChg chg="add">
-          <ac:chgData name="GIULIA FILICICCHIA" userId="cb9b82e9-d681-4fbd-94e0-dca89213e694" providerId="ADAL" clId="{ECC296A0-5B09-42BE-8914-9A97CBE11E9B}" dt="2025-12-07T15:02:04.667" v="1531" actId="26606"/>
+        <pc:spChg chg="add mod">
+          <ac:chgData name="GIULIA FILICICCHIA" userId="cb9b82e9-d681-4fbd-94e0-dca89213e694" providerId="ADAL" clId="{ECC296A0-5B09-42BE-8914-9A97CBE11E9B}" dt="2025-12-16T16:54:14.363" v="1572" actId="790"/>
           <ac:spMkLst>
             <pc:docMk/>
             <pc:sldMk cId="534403575" sldId="273"/>
             <ac:spMk id="19" creationId="{1CC28BE1-9DC6-43FE-9582-39F091098D77}"/>
+          </ac:spMkLst>
+        </pc:spChg>
+        <pc:spChg chg="mod">
+          <ac:chgData name="GIULIA FILICICCHIA" userId="cb9b82e9-d681-4fbd-94e0-dca89213e694" providerId="ADAL" clId="{ECC296A0-5B09-42BE-8914-9A97CBE11E9B}" dt="2025-12-16T16:54:14.363" v="1572" actId="790"/>
+          <ac:spMkLst>
+            <pc:docMk/>
+            <pc:sldMk cId="534403575" sldId="273"/>
+            <ac:spMk id="22" creationId="{B31DFBFA-CF4D-4940-9086-26F83E5C6BB2}"/>
+          </ac:spMkLst>
+        </pc:spChg>
+        <pc:spChg chg="mod">
+          <ac:chgData name="GIULIA FILICICCHIA" userId="cb9b82e9-d681-4fbd-94e0-dca89213e694" providerId="ADAL" clId="{ECC296A0-5B09-42BE-8914-9A97CBE11E9B}" dt="2025-12-16T16:54:14.363" v="1572" actId="790"/>
+          <ac:spMkLst>
+            <pc:docMk/>
+            <pc:sldMk cId="534403575" sldId="273"/>
+            <ac:spMk id="23" creationId="{27854033-BD20-4C77-8C5B-048F4B3BDD06}"/>
+          </ac:spMkLst>
+        </pc:spChg>
+        <pc:spChg chg="mod">
+          <ac:chgData name="GIULIA FILICICCHIA" userId="cb9b82e9-d681-4fbd-94e0-dca89213e694" providerId="ADAL" clId="{ECC296A0-5B09-42BE-8914-9A97CBE11E9B}" dt="2025-12-16T16:54:14.363" v="1572" actId="790"/>
+          <ac:spMkLst>
+            <pc:docMk/>
+            <pc:sldMk cId="534403575" sldId="273"/>
+            <ac:spMk id="25" creationId="{F00DF1C9-6952-4704-B8B3-95406E18E4C5}"/>
+          </ac:spMkLst>
+        </pc:spChg>
+        <pc:spChg chg="mod">
+          <ac:chgData name="GIULIA FILICICCHIA" userId="cb9b82e9-d681-4fbd-94e0-dca89213e694" providerId="ADAL" clId="{ECC296A0-5B09-42BE-8914-9A97CBE11E9B}" dt="2025-12-16T16:54:14.363" v="1572" actId="790"/>
+          <ac:spMkLst>
+            <pc:docMk/>
+            <pc:sldMk cId="534403575" sldId="273"/>
+            <ac:spMk id="26" creationId="{B34783FD-297C-40D2-964B-DBAE4DE28357}"/>
+          </ac:spMkLst>
+        </pc:spChg>
+        <pc:spChg chg="mod">
+          <ac:chgData name="GIULIA FILICICCHIA" userId="cb9b82e9-d681-4fbd-94e0-dca89213e694" providerId="ADAL" clId="{ECC296A0-5B09-42BE-8914-9A97CBE11E9B}" dt="2025-12-16T16:54:14.363" v="1572" actId="790"/>
+          <ac:spMkLst>
+            <pc:docMk/>
+            <pc:sldMk cId="534403575" sldId="273"/>
+            <ac:spMk id="30" creationId="{5B44DAF8-5073-441A-82E1-180385D35F23}"/>
+          </ac:spMkLst>
+        </pc:spChg>
+        <pc:spChg chg="mod">
+          <ac:chgData name="GIULIA FILICICCHIA" userId="cb9b82e9-d681-4fbd-94e0-dca89213e694" providerId="ADAL" clId="{ECC296A0-5B09-42BE-8914-9A97CBE11E9B}" dt="2025-12-16T16:54:14.363" v="1572" actId="790"/>
+          <ac:spMkLst>
+            <pc:docMk/>
+            <pc:sldMk cId="534403575" sldId="273"/>
+            <ac:spMk id="32" creationId="{86059ECF-0D50-48AD-B67A-645EC29D3366}"/>
           </ac:spMkLst>
         </pc:spChg>
         <pc:grpChg chg="add">
@@ -5654,8 +6102,68 @@
         <a:lstStyle/>
         <a:p>
           <a:r>
-            <a:rPr lang="en-US"/>
-            <a:t>As a player, I want to launch the game and access the main menu, so that I can choose to start, continue, or configure my game.</a:t>
+            <a:rPr lang="it-IT" noProof="0" dirty="0" err="1"/>
+            <a:t>As</a:t>
+          </a:r>
+          <a:r>
+            <a:rPr lang="it-IT" noProof="0" dirty="0"/>
+            <a:t> a player, I </a:t>
+          </a:r>
+          <a:r>
+            <a:rPr lang="it-IT" noProof="0" dirty="0" err="1"/>
+            <a:t>want</a:t>
+          </a:r>
+          <a:r>
+            <a:rPr lang="it-IT" noProof="0" dirty="0"/>
+            <a:t> to </a:t>
+          </a:r>
+          <a:r>
+            <a:rPr lang="it-IT" noProof="0" dirty="0" err="1"/>
+            <a:t>launch</a:t>
+          </a:r>
+          <a:r>
+            <a:rPr lang="it-IT" noProof="0" dirty="0"/>
+            <a:t> the game and access the </a:t>
+          </a:r>
+          <a:r>
+            <a:rPr lang="it-IT" noProof="0" dirty="0" err="1"/>
+            <a:t>main</a:t>
+          </a:r>
+          <a:r>
+            <a:rPr lang="it-IT" noProof="0" dirty="0"/>
+            <a:t> menu, so </a:t>
+          </a:r>
+          <a:r>
+            <a:rPr lang="it-IT" noProof="0" dirty="0" err="1"/>
+            <a:t>that</a:t>
+          </a:r>
+          <a:r>
+            <a:rPr lang="it-IT" noProof="0" dirty="0"/>
+            <a:t> I can </a:t>
+          </a:r>
+          <a:r>
+            <a:rPr lang="it-IT" noProof="0" dirty="0" err="1"/>
+            <a:t>choose</a:t>
+          </a:r>
+          <a:r>
+            <a:rPr lang="it-IT" noProof="0" dirty="0"/>
+            <a:t> to start, continue, or </a:t>
+          </a:r>
+          <a:r>
+            <a:rPr lang="it-IT" noProof="0" dirty="0" err="1"/>
+            <a:t>configure</a:t>
+          </a:r>
+          <a:r>
+            <a:rPr lang="it-IT" noProof="0" dirty="0"/>
+            <a:t> </a:t>
+          </a:r>
+          <a:r>
+            <a:rPr lang="it-IT" noProof="0" dirty="0" err="1"/>
+            <a:t>my</a:t>
+          </a:r>
+          <a:r>
+            <a:rPr lang="it-IT" noProof="0" dirty="0"/>
+            <a:t> game.</a:t>
           </a:r>
         </a:p>
       </dgm:t>
@@ -5690,8 +6198,52 @@
         <a:lstStyle/>
         <a:p>
           <a:r>
-            <a:rPr lang="en-US"/>
-            <a:t>Acceptance criteria: the game launches and the main menu is showed.</a:t>
+            <a:rPr lang="it-IT" noProof="0" dirty="0" err="1"/>
+            <a:t>Acceptance</a:t>
+          </a:r>
+          <a:r>
+            <a:rPr lang="it-IT" noProof="0" dirty="0"/>
+            <a:t> </a:t>
+          </a:r>
+          <a:r>
+            <a:rPr lang="it-IT" noProof="0" dirty="0" err="1"/>
+            <a:t>criteria</a:t>
+          </a:r>
+          <a:r>
+            <a:rPr lang="it-IT" noProof="0" dirty="0"/>
+            <a:t>: the game </a:t>
+          </a:r>
+          <a:r>
+            <a:rPr lang="it-IT" noProof="0" dirty="0" err="1"/>
+            <a:t>launches</a:t>
+          </a:r>
+          <a:r>
+            <a:rPr lang="it-IT" noProof="0" dirty="0"/>
+            <a:t> and the </a:t>
+          </a:r>
+          <a:r>
+            <a:rPr lang="it-IT" noProof="0" dirty="0" err="1"/>
+            <a:t>main</a:t>
+          </a:r>
+          <a:r>
+            <a:rPr lang="it-IT" noProof="0" dirty="0"/>
+            <a:t> menu </a:t>
+          </a:r>
+          <a:r>
+            <a:rPr lang="it-IT" noProof="0" dirty="0" err="1"/>
+            <a:t>is</a:t>
+          </a:r>
+          <a:r>
+            <a:rPr lang="it-IT" noProof="0" dirty="0"/>
+            <a:t> </a:t>
+          </a:r>
+          <a:r>
+            <a:rPr lang="it-IT" noProof="0" dirty="0" err="1"/>
+            <a:t>showed</a:t>
+          </a:r>
+          <a:r>
+            <a:rPr lang="it-IT" noProof="0" dirty="0"/>
+            <a:t>.</a:t>
           </a:r>
         </a:p>
       </dgm:t>
@@ -5726,7 +6278,7 @@
         <a:lstStyle/>
         <a:p>
           <a:r>
-            <a:rPr lang="en-US"/>
+            <a:rPr lang="it-IT" noProof="0" dirty="0"/>
             <a:t>Pattern: Singleton</a:t>
           </a:r>
         </a:p>
@@ -5980,8 +6532,28 @@
             <a:defRPr cap="all"/>
           </a:pPr>
           <a:r>
-            <a:rPr lang="en-US"/>
-            <a:t>As a player, I want to start a new game, so that I can play</a:t>
+            <a:rPr lang="it-IT" noProof="0" dirty="0" err="1"/>
+            <a:t>As</a:t>
+          </a:r>
+          <a:r>
+            <a:rPr lang="it-IT" noProof="0" dirty="0"/>
+            <a:t> a player, I </a:t>
+          </a:r>
+          <a:r>
+            <a:rPr lang="it-IT" noProof="0" dirty="0" err="1"/>
+            <a:t>want</a:t>
+          </a:r>
+          <a:r>
+            <a:rPr lang="it-IT" noProof="0" dirty="0"/>
+            <a:t> to start a new game, so </a:t>
+          </a:r>
+          <a:r>
+            <a:rPr lang="it-IT" noProof="0" dirty="0" err="1"/>
+            <a:t>that</a:t>
+          </a:r>
+          <a:r>
+            <a:rPr lang="it-IT" noProof="0" dirty="0"/>
+            <a:t> I can play</a:t>
           </a:r>
         </a:p>
       </dgm:t>
@@ -6019,9 +6591,26 @@
             <a:defRPr cap="all"/>
           </a:pPr>
           <a:r>
-            <a:rPr lang="en-US"/>
-            <a:t>acceptance criteria: the game starts from the beginning</a:t>
+            <a:rPr lang="it-IT" noProof="0" dirty="0" err="1"/>
+            <a:t>acceptance</a:t>
           </a:r>
+          <a:r>
+            <a:rPr lang="it-IT" noProof="0" dirty="0"/>
+            <a:t> </a:t>
+          </a:r>
+          <a:r>
+            <a:rPr lang="it-IT" noProof="0" dirty="0" err="1"/>
+            <a:t>criteria</a:t>
+          </a:r>
+          <a:r>
+            <a:rPr lang="it-IT" noProof="0" dirty="0"/>
+            <a:t>: the game starts from the </a:t>
+          </a:r>
+          <a:r>
+            <a:rPr lang="it-IT" noProof="0" dirty="0" err="1"/>
+            <a:t>beginning</a:t>
+          </a:r>
+          <a:endParaRPr lang="it-IT" noProof="0" dirty="0"/>
         </a:p>
       </dgm:t>
     </dgm:pt>
@@ -6058,7 +6647,7 @@
             <a:defRPr cap="all"/>
           </a:pPr>
           <a:r>
-            <a:rPr lang="en-US"/>
+            <a:rPr lang="it-IT" noProof="0" dirty="0"/>
             <a:t>Pattern: Factory</a:t>
           </a:r>
         </a:p>
@@ -6336,8 +6925,44 @@
             <a:defRPr cap="all"/>
           </a:pPr>
           <a:r>
-            <a:rPr lang="en-US"/>
-            <a:t>As a player, I want to fight the enemies so that I can go on with the plot</a:t>
+            <a:rPr lang="it-IT" noProof="0" dirty="0" err="1"/>
+            <a:t>As</a:t>
+          </a:r>
+          <a:r>
+            <a:rPr lang="it-IT" noProof="0" dirty="0"/>
+            <a:t> a player, I </a:t>
+          </a:r>
+          <a:r>
+            <a:rPr lang="it-IT" noProof="0" dirty="0" err="1"/>
+            <a:t>want</a:t>
+          </a:r>
+          <a:r>
+            <a:rPr lang="it-IT" noProof="0" dirty="0"/>
+            <a:t> to </a:t>
+          </a:r>
+          <a:r>
+            <a:rPr lang="it-IT" noProof="0" dirty="0" err="1"/>
+            <a:t>fight</a:t>
+          </a:r>
+          <a:r>
+            <a:rPr lang="it-IT" noProof="0" dirty="0"/>
+            <a:t> the </a:t>
+          </a:r>
+          <a:r>
+            <a:rPr lang="it-IT" noProof="0" dirty="0" err="1"/>
+            <a:t>enemies</a:t>
+          </a:r>
+          <a:r>
+            <a:rPr lang="it-IT" noProof="0" dirty="0"/>
+            <a:t> so </a:t>
+          </a:r>
+          <a:r>
+            <a:rPr lang="it-IT" noProof="0" dirty="0" err="1"/>
+            <a:t>that</a:t>
+          </a:r>
+          <a:r>
+            <a:rPr lang="it-IT" noProof="0" dirty="0"/>
+            <a:t> I can go on with the plot</a:t>
           </a:r>
         </a:p>
       </dgm:t>
@@ -6378,8 +7003,44 @@
             <a:defRPr cap="all"/>
           </a:pPr>
           <a:r>
-            <a:rPr lang="en-US"/>
-            <a:t>acceptance criteria: the game allows the player to choose an attack or use an item</a:t>
+            <a:rPr lang="it-IT" noProof="0" dirty="0" err="1"/>
+            <a:t>acceptance</a:t>
+          </a:r>
+          <a:r>
+            <a:rPr lang="it-IT" noProof="0" dirty="0"/>
+            <a:t> </a:t>
+          </a:r>
+          <a:r>
+            <a:rPr lang="it-IT" noProof="0" dirty="0" err="1"/>
+            <a:t>criteria</a:t>
+          </a:r>
+          <a:r>
+            <a:rPr lang="it-IT" noProof="0" dirty="0"/>
+            <a:t>: the game </a:t>
+          </a:r>
+          <a:r>
+            <a:rPr lang="it-IT" noProof="0" dirty="0" err="1"/>
+            <a:t>allows</a:t>
+          </a:r>
+          <a:r>
+            <a:rPr lang="it-IT" noProof="0" dirty="0"/>
+            <a:t> the player to </a:t>
+          </a:r>
+          <a:r>
+            <a:rPr lang="it-IT" noProof="0" dirty="0" err="1"/>
+            <a:t>choose</a:t>
+          </a:r>
+          <a:r>
+            <a:rPr lang="it-IT" noProof="0" dirty="0"/>
+            <a:t> an </a:t>
+          </a:r>
+          <a:r>
+            <a:rPr lang="it-IT" noProof="0" dirty="0" err="1"/>
+            <a:t>attack</a:t>
+          </a:r>
+          <a:r>
+            <a:rPr lang="it-IT" noProof="0" dirty="0"/>
+            <a:t> or use an item</a:t>
           </a:r>
         </a:p>
       </dgm:t>
@@ -6420,14 +7081,14 @@
             <a:defRPr cap="all"/>
           </a:pPr>
           <a:r>
-            <a:rPr lang="en-US"/>
+            <a:rPr lang="it-IT" noProof="0" dirty="0"/>
             <a:t>Pattern: </a:t>
           </a:r>
           <a:r>
-            <a:rPr lang="en-US" b="1"/>
+            <a:rPr lang="it-IT" b="1" noProof="0" dirty="0"/>
             <a:t>Strategy + Observer</a:t>
           </a:r>
-          <a:endParaRPr lang="en-US"/>
+          <a:endParaRPr lang="it-IT" noProof="0" dirty="0"/>
         </a:p>
       </dgm:t>
     </dgm:pt>
@@ -6676,8 +7337,84 @@
         <a:lstStyle/>
         <a:p>
           <a:r>
-            <a:rPr lang="en-US"/>
-            <a:t>As a player, I want the system to calculate damage, effects and healing so that I can see the results of each turn.</a:t>
+            <a:rPr lang="it-IT" noProof="0" dirty="0" err="1"/>
+            <a:t>As</a:t>
+          </a:r>
+          <a:r>
+            <a:rPr lang="it-IT" noProof="0" dirty="0"/>
+            <a:t> a player, I </a:t>
+          </a:r>
+          <a:r>
+            <a:rPr lang="it-IT" noProof="0" dirty="0" err="1"/>
+            <a:t>want</a:t>
+          </a:r>
+          <a:r>
+            <a:rPr lang="it-IT" noProof="0" dirty="0"/>
+            <a:t> the system to </a:t>
+          </a:r>
+          <a:r>
+            <a:rPr lang="it-IT" noProof="0" dirty="0" err="1"/>
+            <a:t>calculate</a:t>
+          </a:r>
+          <a:r>
+            <a:rPr lang="it-IT" noProof="0" dirty="0"/>
+            <a:t> </a:t>
+          </a:r>
+          <a:r>
+            <a:rPr lang="it-IT" noProof="0" dirty="0" err="1"/>
+            <a:t>damage</a:t>
+          </a:r>
+          <a:r>
+            <a:rPr lang="it-IT" noProof="0" dirty="0"/>
+            <a:t>, </a:t>
+          </a:r>
+          <a:r>
+            <a:rPr lang="it-IT" noProof="0" dirty="0" err="1"/>
+            <a:t>effects</a:t>
+          </a:r>
+          <a:r>
+            <a:rPr lang="it-IT" noProof="0" dirty="0"/>
+            <a:t> and </a:t>
+          </a:r>
+          <a:r>
+            <a:rPr lang="it-IT" noProof="0" dirty="0" err="1"/>
+            <a:t>healing</a:t>
+          </a:r>
+          <a:r>
+            <a:rPr lang="it-IT" noProof="0" dirty="0"/>
+            <a:t> so </a:t>
+          </a:r>
+          <a:r>
+            <a:rPr lang="it-IT" noProof="0" dirty="0" err="1"/>
+            <a:t>that</a:t>
+          </a:r>
+          <a:r>
+            <a:rPr lang="it-IT" noProof="0" dirty="0"/>
+            <a:t> I can </a:t>
+          </a:r>
+          <a:r>
+            <a:rPr lang="it-IT" noProof="0" dirty="0" err="1"/>
+            <a:t>see</a:t>
+          </a:r>
+          <a:r>
+            <a:rPr lang="it-IT" noProof="0" dirty="0"/>
+            <a:t> the </a:t>
+          </a:r>
+          <a:r>
+            <a:rPr lang="it-IT" noProof="0" dirty="0" err="1"/>
+            <a:t>results</a:t>
+          </a:r>
+          <a:r>
+            <a:rPr lang="it-IT" noProof="0" dirty="0"/>
+            <a:t> of </a:t>
+          </a:r>
+          <a:r>
+            <a:rPr lang="it-IT" noProof="0" dirty="0" err="1"/>
+            <a:t>each</a:t>
+          </a:r>
+          <a:r>
+            <a:rPr lang="it-IT" noProof="0" dirty="0"/>
+            <a:t> turn.</a:t>
           </a:r>
         </a:p>
       </dgm:t>
@@ -6712,8 +7449,60 @@
         <a:lstStyle/>
         <a:p>
           <a:r>
-            <a:rPr lang="en-US"/>
-            <a:t>acceptance criteria: the game calculates correctly the new combat state and the game properly shows the new combat state.</a:t>
+            <a:rPr lang="it-IT" noProof="0" dirty="0" err="1"/>
+            <a:t>acceptance</a:t>
+          </a:r>
+          <a:r>
+            <a:rPr lang="it-IT" noProof="0" dirty="0"/>
+            <a:t> </a:t>
+          </a:r>
+          <a:r>
+            <a:rPr lang="it-IT" noProof="0" dirty="0" err="1"/>
+            <a:t>criteria</a:t>
+          </a:r>
+          <a:r>
+            <a:rPr lang="it-IT" noProof="0" dirty="0"/>
+            <a:t>: the game </a:t>
+          </a:r>
+          <a:r>
+            <a:rPr lang="it-IT" noProof="0" dirty="0" err="1"/>
+            <a:t>calculates</a:t>
+          </a:r>
+          <a:r>
+            <a:rPr lang="it-IT" noProof="0" dirty="0"/>
+            <a:t> </a:t>
+          </a:r>
+          <a:r>
+            <a:rPr lang="it-IT" noProof="0" dirty="0" err="1"/>
+            <a:t>correctly</a:t>
+          </a:r>
+          <a:r>
+            <a:rPr lang="it-IT" noProof="0" dirty="0"/>
+            <a:t> the new </a:t>
+          </a:r>
+          <a:r>
+            <a:rPr lang="it-IT" noProof="0" dirty="0" err="1"/>
+            <a:t>combat</a:t>
+          </a:r>
+          <a:r>
+            <a:rPr lang="it-IT" noProof="0" dirty="0"/>
+            <a:t> state and the game </a:t>
+          </a:r>
+          <a:r>
+            <a:rPr lang="it-IT" noProof="0" dirty="0" err="1"/>
+            <a:t>properly</a:t>
+          </a:r>
+          <a:r>
+            <a:rPr lang="it-IT" noProof="0" dirty="0"/>
+            <a:t> shows the new </a:t>
+          </a:r>
+          <a:r>
+            <a:rPr lang="it-IT" noProof="0" dirty="0" err="1"/>
+            <a:t>combat</a:t>
+          </a:r>
+          <a:r>
+            <a:rPr lang="it-IT" noProof="0" dirty="0"/>
+            <a:t> state.</a:t>
           </a:r>
         </a:p>
       </dgm:t>
@@ -6748,16 +7537,8 @@
         <a:lstStyle/>
         <a:p>
           <a:r>
-            <a:rPr lang="en-US"/>
-            <a:t>Pattern </a:t>
-          </a:r>
-          <a:r>
-            <a:rPr lang="en-US" err="1"/>
-            <a:t>usati</a:t>
-          </a:r>
-          <a:r>
-            <a:rPr lang="en-US"/>
-            <a:t>: Strategy + Observer</a:t>
+            <a:rPr lang="it-IT" noProof="0" dirty="0"/>
+            <a:t>Pattern usati: Strategy + Observer</a:t>
           </a:r>
         </a:p>
       </dgm:t>
@@ -7010,8 +7791,100 @@
             <a:defRPr cap="all"/>
           </a:pPr>
           <a:r>
-            <a:rPr lang="en-US"/>
-            <a:t>As a player, I want battles to proceed in alternating turns until one side is defeated so that the fight resolves fairly.</a:t>
+            <a:rPr lang="it-IT" noProof="0" dirty="0" err="1"/>
+            <a:t>As</a:t>
+          </a:r>
+          <a:r>
+            <a:rPr lang="it-IT" noProof="0" dirty="0"/>
+            <a:t> a player, I </a:t>
+          </a:r>
+          <a:r>
+            <a:rPr lang="it-IT" noProof="0" dirty="0" err="1"/>
+            <a:t>want</a:t>
+          </a:r>
+          <a:r>
+            <a:rPr lang="it-IT" noProof="0" dirty="0"/>
+            <a:t> </a:t>
+          </a:r>
+          <a:r>
+            <a:rPr lang="it-IT" noProof="0" dirty="0" err="1"/>
+            <a:t>battles</a:t>
+          </a:r>
+          <a:r>
+            <a:rPr lang="it-IT" noProof="0" dirty="0"/>
+            <a:t> to </a:t>
+          </a:r>
+          <a:r>
+            <a:rPr lang="it-IT" noProof="0" dirty="0" err="1"/>
+            <a:t>proceed</a:t>
+          </a:r>
+          <a:r>
+            <a:rPr lang="it-IT" noProof="0" dirty="0"/>
+            <a:t> in </a:t>
+          </a:r>
+          <a:r>
+            <a:rPr lang="it-IT" noProof="0" dirty="0" err="1"/>
+            <a:t>alternating</a:t>
+          </a:r>
+          <a:r>
+            <a:rPr lang="it-IT" noProof="0" dirty="0"/>
+            <a:t> turns </a:t>
+          </a:r>
+          <a:r>
+            <a:rPr lang="it-IT" noProof="0" dirty="0" err="1"/>
+            <a:t>until</a:t>
+          </a:r>
+          <a:r>
+            <a:rPr lang="it-IT" noProof="0" dirty="0"/>
+            <a:t> one side </a:t>
+          </a:r>
+          <a:r>
+            <a:rPr lang="it-IT" noProof="0" dirty="0" err="1"/>
+            <a:t>is</a:t>
+          </a:r>
+          <a:r>
+            <a:rPr lang="it-IT" noProof="0" dirty="0"/>
+            <a:t> </a:t>
+          </a:r>
+          <a:r>
+            <a:rPr lang="it-IT" noProof="0" dirty="0" err="1"/>
+            <a:t>defeated</a:t>
+          </a:r>
+          <a:r>
+            <a:rPr lang="it-IT" noProof="0" dirty="0"/>
+            <a:t> so </a:t>
+          </a:r>
+          <a:r>
+            <a:rPr lang="it-IT" noProof="0" dirty="0" err="1"/>
+            <a:t>that</a:t>
+          </a:r>
+          <a:r>
+            <a:rPr lang="it-IT" noProof="0" dirty="0"/>
+            <a:t> the </a:t>
+          </a:r>
+          <a:r>
+            <a:rPr lang="it-IT" noProof="0" dirty="0" err="1"/>
+            <a:t>fight</a:t>
+          </a:r>
+          <a:r>
+            <a:rPr lang="it-IT" noProof="0" dirty="0"/>
+            <a:t> </a:t>
+          </a:r>
+          <a:r>
+            <a:rPr lang="it-IT" noProof="0" dirty="0" err="1"/>
+            <a:t>resolves</a:t>
+          </a:r>
+          <a:r>
+            <a:rPr lang="it-IT" noProof="0" dirty="0"/>
+            <a:t> </a:t>
+          </a:r>
+          <a:r>
+            <a:rPr lang="it-IT" noProof="0" dirty="0" err="1"/>
+            <a:t>fairly</a:t>
+          </a:r>
+          <a:r>
+            <a:rPr lang="it-IT" noProof="0" dirty="0"/>
+            <a:t>.</a:t>
           </a:r>
         </a:p>
       </dgm:t>
@@ -7049,12 +7922,60 @@
             <a:defRPr cap="all"/>
           </a:pPr>
           <a:r>
-            <a:rPr lang="en-US" b="1"/>
-            <a:t>acceptance criteria</a:t>
+            <a:rPr lang="it-IT" b="1" noProof="0" dirty="0" err="1"/>
+            <a:t>acceptance</a:t>
           </a:r>
           <a:r>
-            <a:rPr lang="en-US"/>
-            <a:t>: turns alternate between player and enemy and rewards (XP, items) are assigned after victory.</a:t>
+            <a:rPr lang="it-IT" b="1" noProof="0" dirty="0"/>
+            <a:t> </a:t>
+          </a:r>
+          <a:r>
+            <a:rPr lang="it-IT" b="1" noProof="0" dirty="0" err="1"/>
+            <a:t>criteria</a:t>
+          </a:r>
+          <a:r>
+            <a:rPr lang="it-IT" noProof="0" dirty="0"/>
+            <a:t>: turns alternate </a:t>
+          </a:r>
+          <a:r>
+            <a:rPr lang="it-IT" noProof="0" dirty="0" err="1"/>
+            <a:t>between</a:t>
+          </a:r>
+          <a:r>
+            <a:rPr lang="it-IT" noProof="0" dirty="0"/>
+            <a:t> player and </a:t>
+          </a:r>
+          <a:r>
+            <a:rPr lang="it-IT" noProof="0" dirty="0" err="1"/>
+            <a:t>enemy</a:t>
+          </a:r>
+          <a:r>
+            <a:rPr lang="it-IT" noProof="0" dirty="0"/>
+            <a:t> and </a:t>
+          </a:r>
+          <a:r>
+            <a:rPr lang="it-IT" noProof="0" dirty="0" err="1"/>
+            <a:t>rewards</a:t>
+          </a:r>
+          <a:r>
+            <a:rPr lang="it-IT" noProof="0" dirty="0"/>
+            <a:t> (XP, items) are </a:t>
+          </a:r>
+          <a:r>
+            <a:rPr lang="it-IT" noProof="0" dirty="0" err="1"/>
+            <a:t>assigned</a:t>
+          </a:r>
+          <a:r>
+            <a:rPr lang="it-IT" noProof="0" dirty="0"/>
+            <a:t> after </a:t>
+          </a:r>
+          <a:r>
+            <a:rPr lang="it-IT" noProof="0" dirty="0" err="1"/>
+            <a:t>victory</a:t>
+          </a:r>
+          <a:r>
+            <a:rPr lang="it-IT" noProof="0" dirty="0"/>
+            <a:t>.</a:t>
           </a:r>
         </a:p>
       </dgm:t>
@@ -7092,14 +8013,14 @@
             <a:defRPr cap="all"/>
           </a:pPr>
           <a:r>
-            <a:rPr lang="en-US"/>
+            <a:rPr lang="it-IT" noProof="0" dirty="0"/>
             <a:t>Pattern usati: </a:t>
           </a:r>
           <a:r>
-            <a:rPr lang="en-US" b="1"/>
+            <a:rPr lang="it-IT" b="1" noProof="0" dirty="0"/>
             <a:t>Strategy + Iterator</a:t>
           </a:r>
-          <a:endParaRPr lang="en-US"/>
+          <a:endParaRPr lang="it-IT" noProof="0" dirty="0"/>
         </a:p>
       </dgm:t>
     </dgm:pt>
@@ -7476,8 +8397,68 @@
             <a:buNone/>
           </a:pPr>
           <a:r>
-            <a:rPr lang="en-US" sz="2100" kern="1200"/>
-            <a:t>As a player, I want to launch the game and access the main menu, so that I can choose to start, continue, or configure my game.</a:t>
+            <a:rPr lang="it-IT" sz="2100" kern="1200" noProof="0" dirty="0" err="1"/>
+            <a:t>As</a:t>
+          </a:r>
+          <a:r>
+            <a:rPr lang="it-IT" sz="2100" kern="1200" noProof="0" dirty="0"/>
+            <a:t> a player, I </a:t>
+          </a:r>
+          <a:r>
+            <a:rPr lang="it-IT" sz="2100" kern="1200" noProof="0" dirty="0" err="1"/>
+            <a:t>want</a:t>
+          </a:r>
+          <a:r>
+            <a:rPr lang="it-IT" sz="2100" kern="1200" noProof="0" dirty="0"/>
+            <a:t> to </a:t>
+          </a:r>
+          <a:r>
+            <a:rPr lang="it-IT" sz="2100" kern="1200" noProof="0" dirty="0" err="1"/>
+            <a:t>launch</a:t>
+          </a:r>
+          <a:r>
+            <a:rPr lang="it-IT" sz="2100" kern="1200" noProof="0" dirty="0"/>
+            <a:t> the game and access the </a:t>
+          </a:r>
+          <a:r>
+            <a:rPr lang="it-IT" sz="2100" kern="1200" noProof="0" dirty="0" err="1"/>
+            <a:t>main</a:t>
+          </a:r>
+          <a:r>
+            <a:rPr lang="it-IT" sz="2100" kern="1200" noProof="0" dirty="0"/>
+            <a:t> menu, so </a:t>
+          </a:r>
+          <a:r>
+            <a:rPr lang="it-IT" sz="2100" kern="1200" noProof="0" dirty="0" err="1"/>
+            <a:t>that</a:t>
+          </a:r>
+          <a:r>
+            <a:rPr lang="it-IT" sz="2100" kern="1200" noProof="0" dirty="0"/>
+            <a:t> I can </a:t>
+          </a:r>
+          <a:r>
+            <a:rPr lang="it-IT" sz="2100" kern="1200" noProof="0" dirty="0" err="1"/>
+            <a:t>choose</a:t>
+          </a:r>
+          <a:r>
+            <a:rPr lang="it-IT" sz="2100" kern="1200" noProof="0" dirty="0"/>
+            <a:t> to start, continue, or </a:t>
+          </a:r>
+          <a:r>
+            <a:rPr lang="it-IT" sz="2100" kern="1200" noProof="0" dirty="0" err="1"/>
+            <a:t>configure</a:t>
+          </a:r>
+          <a:r>
+            <a:rPr lang="it-IT" sz="2100" kern="1200" noProof="0" dirty="0"/>
+            <a:t> </a:t>
+          </a:r>
+          <a:r>
+            <a:rPr lang="it-IT" sz="2100" kern="1200" noProof="0" dirty="0" err="1"/>
+            <a:t>my</a:t>
+          </a:r>
+          <a:r>
+            <a:rPr lang="it-IT" sz="2100" kern="1200" noProof="0" dirty="0"/>
+            <a:t> game.</a:t>
           </a:r>
         </a:p>
       </dsp:txBody>
@@ -7628,8 +8609,52 @@
             <a:buNone/>
           </a:pPr>
           <a:r>
-            <a:rPr lang="en-US" sz="2100" kern="1200"/>
-            <a:t>Acceptance criteria: the game launches and the main menu is showed.</a:t>
+            <a:rPr lang="it-IT" sz="2100" kern="1200" noProof="0" dirty="0" err="1"/>
+            <a:t>Acceptance</a:t>
+          </a:r>
+          <a:r>
+            <a:rPr lang="it-IT" sz="2100" kern="1200" noProof="0" dirty="0"/>
+            <a:t> </a:t>
+          </a:r>
+          <a:r>
+            <a:rPr lang="it-IT" sz="2100" kern="1200" noProof="0" dirty="0" err="1"/>
+            <a:t>criteria</a:t>
+          </a:r>
+          <a:r>
+            <a:rPr lang="it-IT" sz="2100" kern="1200" noProof="0" dirty="0"/>
+            <a:t>: the game </a:t>
+          </a:r>
+          <a:r>
+            <a:rPr lang="it-IT" sz="2100" kern="1200" noProof="0" dirty="0" err="1"/>
+            <a:t>launches</a:t>
+          </a:r>
+          <a:r>
+            <a:rPr lang="it-IT" sz="2100" kern="1200" noProof="0" dirty="0"/>
+            <a:t> and the </a:t>
+          </a:r>
+          <a:r>
+            <a:rPr lang="it-IT" sz="2100" kern="1200" noProof="0" dirty="0" err="1"/>
+            <a:t>main</a:t>
+          </a:r>
+          <a:r>
+            <a:rPr lang="it-IT" sz="2100" kern="1200" noProof="0" dirty="0"/>
+            <a:t> menu </a:t>
+          </a:r>
+          <a:r>
+            <a:rPr lang="it-IT" sz="2100" kern="1200" noProof="0" dirty="0" err="1"/>
+            <a:t>is</a:t>
+          </a:r>
+          <a:r>
+            <a:rPr lang="it-IT" sz="2100" kern="1200" noProof="0" dirty="0"/>
+            <a:t> </a:t>
+          </a:r>
+          <a:r>
+            <a:rPr lang="it-IT" sz="2100" kern="1200" noProof="0" dirty="0" err="1"/>
+            <a:t>showed</a:t>
+          </a:r>
+          <a:r>
+            <a:rPr lang="it-IT" sz="2100" kern="1200" noProof="0" dirty="0"/>
+            <a:t>.</a:t>
           </a:r>
         </a:p>
       </dsp:txBody>
@@ -7780,7 +8805,7 @@
             <a:buNone/>
           </a:pPr>
           <a:r>
-            <a:rPr lang="en-US" sz="2100" kern="1200"/>
+            <a:rPr lang="it-IT" sz="2100" kern="1200" noProof="0" dirty="0"/>
             <a:t>Pattern: Singleton</a:t>
           </a:r>
         </a:p>
@@ -7945,8 +8970,28 @@
             <a:defRPr cap="all"/>
           </a:pPr>
           <a:r>
-            <a:rPr lang="en-US" sz="1700" kern="1200"/>
-            <a:t>As a player, I want to start a new game, so that I can play</a:t>
+            <a:rPr lang="it-IT" sz="1700" kern="1200" noProof="0" dirty="0" err="1"/>
+            <a:t>As</a:t>
+          </a:r>
+          <a:r>
+            <a:rPr lang="it-IT" sz="1700" kern="1200" noProof="0" dirty="0"/>
+            <a:t> a player, I </a:t>
+          </a:r>
+          <a:r>
+            <a:rPr lang="it-IT" sz="1700" kern="1200" noProof="0" dirty="0" err="1"/>
+            <a:t>want</a:t>
+          </a:r>
+          <a:r>
+            <a:rPr lang="it-IT" sz="1700" kern="1200" noProof="0" dirty="0"/>
+            <a:t> to start a new game, so </a:t>
+          </a:r>
+          <a:r>
+            <a:rPr lang="it-IT" sz="1700" kern="1200" noProof="0" dirty="0" err="1"/>
+            <a:t>that</a:t>
+          </a:r>
+          <a:r>
+            <a:rPr lang="it-IT" sz="1700" kern="1200" noProof="0" dirty="0"/>
+            <a:t> I can play</a:t>
           </a:r>
         </a:p>
       </dsp:txBody>
@@ -8098,9 +9143,26 @@
             <a:defRPr cap="all"/>
           </a:pPr>
           <a:r>
-            <a:rPr lang="en-US" sz="1700" kern="1200"/>
-            <a:t>acceptance criteria: the game starts from the beginning</a:t>
+            <a:rPr lang="it-IT" sz="1700" kern="1200" noProof="0" dirty="0" err="1"/>
+            <a:t>acceptance</a:t>
           </a:r>
+          <a:r>
+            <a:rPr lang="it-IT" sz="1700" kern="1200" noProof="0" dirty="0"/>
+            <a:t> </a:t>
+          </a:r>
+          <a:r>
+            <a:rPr lang="it-IT" sz="1700" kern="1200" noProof="0" dirty="0" err="1"/>
+            <a:t>criteria</a:t>
+          </a:r>
+          <a:r>
+            <a:rPr lang="it-IT" sz="1700" kern="1200" noProof="0" dirty="0"/>
+            <a:t>: the game starts from the </a:t>
+          </a:r>
+          <a:r>
+            <a:rPr lang="it-IT" sz="1700" kern="1200" noProof="0" dirty="0" err="1"/>
+            <a:t>beginning</a:t>
+          </a:r>
+          <a:endParaRPr lang="it-IT" sz="1700" kern="1200" noProof="0" dirty="0"/>
         </a:p>
       </dsp:txBody>
       <dsp:txXfrm>
@@ -8251,7 +9313,7 @@
             <a:defRPr cap="all"/>
           </a:pPr>
           <a:r>
-            <a:rPr lang="en-US" sz="1700" kern="1200"/>
+            <a:rPr lang="it-IT" sz="1700" kern="1200" noProof="0" dirty="0"/>
             <a:t>Pattern: Factory</a:t>
           </a:r>
         </a:p>
@@ -8413,8 +9475,44 @@
             <a:defRPr cap="all"/>
           </a:pPr>
           <a:r>
-            <a:rPr lang="en-US" sz="1500" kern="1200"/>
-            <a:t>As a player, I want to fight the enemies so that I can go on with the plot</a:t>
+            <a:rPr lang="it-IT" sz="1500" kern="1200" noProof="0" dirty="0" err="1"/>
+            <a:t>As</a:t>
+          </a:r>
+          <a:r>
+            <a:rPr lang="it-IT" sz="1500" kern="1200" noProof="0" dirty="0"/>
+            <a:t> a player, I </a:t>
+          </a:r>
+          <a:r>
+            <a:rPr lang="it-IT" sz="1500" kern="1200" noProof="0" dirty="0" err="1"/>
+            <a:t>want</a:t>
+          </a:r>
+          <a:r>
+            <a:rPr lang="it-IT" sz="1500" kern="1200" noProof="0" dirty="0"/>
+            <a:t> to </a:t>
+          </a:r>
+          <a:r>
+            <a:rPr lang="it-IT" sz="1500" kern="1200" noProof="0" dirty="0" err="1"/>
+            <a:t>fight</a:t>
+          </a:r>
+          <a:r>
+            <a:rPr lang="it-IT" sz="1500" kern="1200" noProof="0" dirty="0"/>
+            <a:t> the </a:t>
+          </a:r>
+          <a:r>
+            <a:rPr lang="it-IT" sz="1500" kern="1200" noProof="0" dirty="0" err="1"/>
+            <a:t>enemies</a:t>
+          </a:r>
+          <a:r>
+            <a:rPr lang="it-IT" sz="1500" kern="1200" noProof="0" dirty="0"/>
+            <a:t> so </a:t>
+          </a:r>
+          <a:r>
+            <a:rPr lang="it-IT" sz="1500" kern="1200" noProof="0" dirty="0" err="1"/>
+            <a:t>that</a:t>
+          </a:r>
+          <a:r>
+            <a:rPr lang="it-IT" sz="1500" kern="1200" noProof="0" dirty="0"/>
+            <a:t> I can go on with the plot</a:t>
           </a:r>
         </a:p>
       </dsp:txBody>
@@ -8563,8 +9661,44 @@
             <a:defRPr cap="all"/>
           </a:pPr>
           <a:r>
-            <a:rPr lang="en-US" sz="1500" kern="1200"/>
-            <a:t>acceptance criteria: the game allows the player to choose an attack or use an item</a:t>
+            <a:rPr lang="it-IT" sz="1500" kern="1200" noProof="0" dirty="0" err="1"/>
+            <a:t>acceptance</a:t>
+          </a:r>
+          <a:r>
+            <a:rPr lang="it-IT" sz="1500" kern="1200" noProof="0" dirty="0"/>
+            <a:t> </a:t>
+          </a:r>
+          <a:r>
+            <a:rPr lang="it-IT" sz="1500" kern="1200" noProof="0" dirty="0" err="1"/>
+            <a:t>criteria</a:t>
+          </a:r>
+          <a:r>
+            <a:rPr lang="it-IT" sz="1500" kern="1200" noProof="0" dirty="0"/>
+            <a:t>: the game </a:t>
+          </a:r>
+          <a:r>
+            <a:rPr lang="it-IT" sz="1500" kern="1200" noProof="0" dirty="0" err="1"/>
+            <a:t>allows</a:t>
+          </a:r>
+          <a:r>
+            <a:rPr lang="it-IT" sz="1500" kern="1200" noProof="0" dirty="0"/>
+            <a:t> the player to </a:t>
+          </a:r>
+          <a:r>
+            <a:rPr lang="it-IT" sz="1500" kern="1200" noProof="0" dirty="0" err="1"/>
+            <a:t>choose</a:t>
+          </a:r>
+          <a:r>
+            <a:rPr lang="it-IT" sz="1500" kern="1200" noProof="0" dirty="0"/>
+            <a:t> an </a:t>
+          </a:r>
+          <a:r>
+            <a:rPr lang="it-IT" sz="1500" kern="1200" noProof="0" dirty="0" err="1"/>
+            <a:t>attack</a:t>
+          </a:r>
+          <a:r>
+            <a:rPr lang="it-IT" sz="1500" kern="1200" noProof="0" dirty="0"/>
+            <a:t> or use an item</a:t>
           </a:r>
         </a:p>
       </dsp:txBody>
@@ -8713,14 +9847,14 @@
             <a:defRPr cap="all"/>
           </a:pPr>
           <a:r>
-            <a:rPr lang="en-US" sz="1500" kern="1200"/>
+            <a:rPr lang="it-IT" sz="1500" kern="1200" noProof="0" dirty="0"/>
             <a:t>Pattern: </a:t>
           </a:r>
           <a:r>
-            <a:rPr lang="en-US" sz="1500" b="1" kern="1200"/>
+            <a:rPr lang="it-IT" sz="1500" b="1" kern="1200" noProof="0" dirty="0"/>
             <a:t>Strategy + Observer</a:t>
           </a:r>
-          <a:endParaRPr lang="en-US" sz="1500" kern="1200"/>
+          <a:endParaRPr lang="it-IT" sz="1500" kern="1200" noProof="0" dirty="0"/>
         </a:p>
       </dsp:txBody>
       <dsp:txXfrm>
@@ -8882,8 +10016,84 @@
             <a:buNone/>
           </a:pPr>
           <a:r>
-            <a:rPr lang="en-US" sz="2100" kern="1200"/>
-            <a:t>As a player, I want the system to calculate damage, effects and healing so that I can see the results of each turn.</a:t>
+            <a:rPr lang="it-IT" sz="2100" kern="1200" noProof="0" dirty="0" err="1"/>
+            <a:t>As</a:t>
+          </a:r>
+          <a:r>
+            <a:rPr lang="it-IT" sz="2100" kern="1200" noProof="0" dirty="0"/>
+            <a:t> a player, I </a:t>
+          </a:r>
+          <a:r>
+            <a:rPr lang="it-IT" sz="2100" kern="1200" noProof="0" dirty="0" err="1"/>
+            <a:t>want</a:t>
+          </a:r>
+          <a:r>
+            <a:rPr lang="it-IT" sz="2100" kern="1200" noProof="0" dirty="0"/>
+            <a:t> the system to </a:t>
+          </a:r>
+          <a:r>
+            <a:rPr lang="it-IT" sz="2100" kern="1200" noProof="0" dirty="0" err="1"/>
+            <a:t>calculate</a:t>
+          </a:r>
+          <a:r>
+            <a:rPr lang="it-IT" sz="2100" kern="1200" noProof="0" dirty="0"/>
+            <a:t> </a:t>
+          </a:r>
+          <a:r>
+            <a:rPr lang="it-IT" sz="2100" kern="1200" noProof="0" dirty="0" err="1"/>
+            <a:t>damage</a:t>
+          </a:r>
+          <a:r>
+            <a:rPr lang="it-IT" sz="2100" kern="1200" noProof="0" dirty="0"/>
+            <a:t>, </a:t>
+          </a:r>
+          <a:r>
+            <a:rPr lang="it-IT" sz="2100" kern="1200" noProof="0" dirty="0" err="1"/>
+            <a:t>effects</a:t>
+          </a:r>
+          <a:r>
+            <a:rPr lang="it-IT" sz="2100" kern="1200" noProof="0" dirty="0"/>
+            <a:t> and </a:t>
+          </a:r>
+          <a:r>
+            <a:rPr lang="it-IT" sz="2100" kern="1200" noProof="0" dirty="0" err="1"/>
+            <a:t>healing</a:t>
+          </a:r>
+          <a:r>
+            <a:rPr lang="it-IT" sz="2100" kern="1200" noProof="0" dirty="0"/>
+            <a:t> so </a:t>
+          </a:r>
+          <a:r>
+            <a:rPr lang="it-IT" sz="2100" kern="1200" noProof="0" dirty="0" err="1"/>
+            <a:t>that</a:t>
+          </a:r>
+          <a:r>
+            <a:rPr lang="it-IT" sz="2100" kern="1200" noProof="0" dirty="0"/>
+            <a:t> I can </a:t>
+          </a:r>
+          <a:r>
+            <a:rPr lang="it-IT" sz="2100" kern="1200" noProof="0" dirty="0" err="1"/>
+            <a:t>see</a:t>
+          </a:r>
+          <a:r>
+            <a:rPr lang="it-IT" sz="2100" kern="1200" noProof="0" dirty="0"/>
+            <a:t> the </a:t>
+          </a:r>
+          <a:r>
+            <a:rPr lang="it-IT" sz="2100" kern="1200" noProof="0" dirty="0" err="1"/>
+            <a:t>results</a:t>
+          </a:r>
+          <a:r>
+            <a:rPr lang="it-IT" sz="2100" kern="1200" noProof="0" dirty="0"/>
+            <a:t> of </a:t>
+          </a:r>
+          <a:r>
+            <a:rPr lang="it-IT" sz="2100" kern="1200" noProof="0" dirty="0" err="1"/>
+            <a:t>each</a:t>
+          </a:r>
+          <a:r>
+            <a:rPr lang="it-IT" sz="2100" kern="1200" noProof="0" dirty="0"/>
+            <a:t> turn.</a:t>
           </a:r>
         </a:p>
       </dsp:txBody>
@@ -9034,8 +10244,60 @@
             <a:buNone/>
           </a:pPr>
           <a:r>
-            <a:rPr lang="en-US" sz="2100" kern="1200"/>
-            <a:t>acceptance criteria: the game calculates correctly the new combat state and the game properly shows the new combat state.</a:t>
+            <a:rPr lang="it-IT" sz="2100" kern="1200" noProof="0" dirty="0" err="1"/>
+            <a:t>acceptance</a:t>
+          </a:r>
+          <a:r>
+            <a:rPr lang="it-IT" sz="2100" kern="1200" noProof="0" dirty="0"/>
+            <a:t> </a:t>
+          </a:r>
+          <a:r>
+            <a:rPr lang="it-IT" sz="2100" kern="1200" noProof="0" dirty="0" err="1"/>
+            <a:t>criteria</a:t>
+          </a:r>
+          <a:r>
+            <a:rPr lang="it-IT" sz="2100" kern="1200" noProof="0" dirty="0"/>
+            <a:t>: the game </a:t>
+          </a:r>
+          <a:r>
+            <a:rPr lang="it-IT" sz="2100" kern="1200" noProof="0" dirty="0" err="1"/>
+            <a:t>calculates</a:t>
+          </a:r>
+          <a:r>
+            <a:rPr lang="it-IT" sz="2100" kern="1200" noProof="0" dirty="0"/>
+            <a:t> </a:t>
+          </a:r>
+          <a:r>
+            <a:rPr lang="it-IT" sz="2100" kern="1200" noProof="0" dirty="0" err="1"/>
+            <a:t>correctly</a:t>
+          </a:r>
+          <a:r>
+            <a:rPr lang="it-IT" sz="2100" kern="1200" noProof="0" dirty="0"/>
+            <a:t> the new </a:t>
+          </a:r>
+          <a:r>
+            <a:rPr lang="it-IT" sz="2100" kern="1200" noProof="0" dirty="0" err="1"/>
+            <a:t>combat</a:t>
+          </a:r>
+          <a:r>
+            <a:rPr lang="it-IT" sz="2100" kern="1200" noProof="0" dirty="0"/>
+            <a:t> state and the game </a:t>
+          </a:r>
+          <a:r>
+            <a:rPr lang="it-IT" sz="2100" kern="1200" noProof="0" dirty="0" err="1"/>
+            <a:t>properly</a:t>
+          </a:r>
+          <a:r>
+            <a:rPr lang="it-IT" sz="2100" kern="1200" noProof="0" dirty="0"/>
+            <a:t> shows the new </a:t>
+          </a:r>
+          <a:r>
+            <a:rPr lang="it-IT" sz="2100" kern="1200" noProof="0" dirty="0" err="1"/>
+            <a:t>combat</a:t>
+          </a:r>
+          <a:r>
+            <a:rPr lang="it-IT" sz="2100" kern="1200" noProof="0" dirty="0"/>
+            <a:t> state.</a:t>
           </a:r>
         </a:p>
       </dsp:txBody>
@@ -9186,16 +10448,8 @@
             <a:buNone/>
           </a:pPr>
           <a:r>
-            <a:rPr lang="en-US" sz="2100" kern="1200"/>
-            <a:t>Pattern </a:t>
-          </a:r>
-          <a:r>
-            <a:rPr lang="en-US" sz="2100" kern="1200" err="1"/>
-            <a:t>usati</a:t>
-          </a:r>
-          <a:r>
-            <a:rPr lang="en-US" sz="2100" kern="1200"/>
-            <a:t>: Strategy + Observer</a:t>
+            <a:rPr lang="it-IT" sz="2100" kern="1200" noProof="0" dirty="0"/>
+            <a:t>Pattern usati: Strategy + Observer</a:t>
           </a:r>
         </a:p>
       </dsp:txBody>
@@ -9356,8 +10610,100 @@
             <a:defRPr cap="all"/>
           </a:pPr>
           <a:r>
-            <a:rPr lang="en-US" sz="1200" kern="1200"/>
-            <a:t>As a player, I want battles to proceed in alternating turns until one side is defeated so that the fight resolves fairly.</a:t>
+            <a:rPr lang="it-IT" sz="1200" kern="1200" noProof="0" dirty="0" err="1"/>
+            <a:t>As</a:t>
+          </a:r>
+          <a:r>
+            <a:rPr lang="it-IT" sz="1200" kern="1200" noProof="0" dirty="0"/>
+            <a:t> a player, I </a:t>
+          </a:r>
+          <a:r>
+            <a:rPr lang="it-IT" sz="1200" kern="1200" noProof="0" dirty="0" err="1"/>
+            <a:t>want</a:t>
+          </a:r>
+          <a:r>
+            <a:rPr lang="it-IT" sz="1200" kern="1200" noProof="0" dirty="0"/>
+            <a:t> </a:t>
+          </a:r>
+          <a:r>
+            <a:rPr lang="it-IT" sz="1200" kern="1200" noProof="0" dirty="0" err="1"/>
+            <a:t>battles</a:t>
+          </a:r>
+          <a:r>
+            <a:rPr lang="it-IT" sz="1200" kern="1200" noProof="0" dirty="0"/>
+            <a:t> to </a:t>
+          </a:r>
+          <a:r>
+            <a:rPr lang="it-IT" sz="1200" kern="1200" noProof="0" dirty="0" err="1"/>
+            <a:t>proceed</a:t>
+          </a:r>
+          <a:r>
+            <a:rPr lang="it-IT" sz="1200" kern="1200" noProof="0" dirty="0"/>
+            <a:t> in </a:t>
+          </a:r>
+          <a:r>
+            <a:rPr lang="it-IT" sz="1200" kern="1200" noProof="0" dirty="0" err="1"/>
+            <a:t>alternating</a:t>
+          </a:r>
+          <a:r>
+            <a:rPr lang="it-IT" sz="1200" kern="1200" noProof="0" dirty="0"/>
+            <a:t> turns </a:t>
+          </a:r>
+          <a:r>
+            <a:rPr lang="it-IT" sz="1200" kern="1200" noProof="0" dirty="0" err="1"/>
+            <a:t>until</a:t>
+          </a:r>
+          <a:r>
+            <a:rPr lang="it-IT" sz="1200" kern="1200" noProof="0" dirty="0"/>
+            <a:t> one side </a:t>
+          </a:r>
+          <a:r>
+            <a:rPr lang="it-IT" sz="1200" kern="1200" noProof="0" dirty="0" err="1"/>
+            <a:t>is</a:t>
+          </a:r>
+          <a:r>
+            <a:rPr lang="it-IT" sz="1200" kern="1200" noProof="0" dirty="0"/>
+            <a:t> </a:t>
+          </a:r>
+          <a:r>
+            <a:rPr lang="it-IT" sz="1200" kern="1200" noProof="0" dirty="0" err="1"/>
+            <a:t>defeated</a:t>
+          </a:r>
+          <a:r>
+            <a:rPr lang="it-IT" sz="1200" kern="1200" noProof="0" dirty="0"/>
+            <a:t> so </a:t>
+          </a:r>
+          <a:r>
+            <a:rPr lang="it-IT" sz="1200" kern="1200" noProof="0" dirty="0" err="1"/>
+            <a:t>that</a:t>
+          </a:r>
+          <a:r>
+            <a:rPr lang="it-IT" sz="1200" kern="1200" noProof="0" dirty="0"/>
+            <a:t> the </a:t>
+          </a:r>
+          <a:r>
+            <a:rPr lang="it-IT" sz="1200" kern="1200" noProof="0" dirty="0" err="1"/>
+            <a:t>fight</a:t>
+          </a:r>
+          <a:r>
+            <a:rPr lang="it-IT" sz="1200" kern="1200" noProof="0" dirty="0"/>
+            <a:t> </a:t>
+          </a:r>
+          <a:r>
+            <a:rPr lang="it-IT" sz="1200" kern="1200" noProof="0" dirty="0" err="1"/>
+            <a:t>resolves</a:t>
+          </a:r>
+          <a:r>
+            <a:rPr lang="it-IT" sz="1200" kern="1200" noProof="0" dirty="0"/>
+            <a:t> </a:t>
+          </a:r>
+          <a:r>
+            <a:rPr lang="it-IT" sz="1200" kern="1200" noProof="0" dirty="0" err="1"/>
+            <a:t>fairly</a:t>
+          </a:r>
+          <a:r>
+            <a:rPr lang="it-IT" sz="1200" kern="1200" noProof="0" dirty="0"/>
+            <a:t>.</a:t>
           </a:r>
         </a:p>
       </dsp:txBody>
@@ -9506,12 +10852,60 @@
             <a:defRPr cap="all"/>
           </a:pPr>
           <a:r>
-            <a:rPr lang="en-US" sz="1200" b="1" kern="1200"/>
-            <a:t>acceptance criteria</a:t>
+            <a:rPr lang="it-IT" sz="1200" b="1" kern="1200" noProof="0" dirty="0" err="1"/>
+            <a:t>acceptance</a:t>
           </a:r>
           <a:r>
-            <a:rPr lang="en-US" sz="1200" kern="1200"/>
-            <a:t>: turns alternate between player and enemy and rewards (XP, items) are assigned after victory.</a:t>
+            <a:rPr lang="it-IT" sz="1200" b="1" kern="1200" noProof="0" dirty="0"/>
+            <a:t> </a:t>
+          </a:r>
+          <a:r>
+            <a:rPr lang="it-IT" sz="1200" b="1" kern="1200" noProof="0" dirty="0" err="1"/>
+            <a:t>criteria</a:t>
+          </a:r>
+          <a:r>
+            <a:rPr lang="it-IT" sz="1200" kern="1200" noProof="0" dirty="0"/>
+            <a:t>: turns alternate </a:t>
+          </a:r>
+          <a:r>
+            <a:rPr lang="it-IT" sz="1200" kern="1200" noProof="0" dirty="0" err="1"/>
+            <a:t>between</a:t>
+          </a:r>
+          <a:r>
+            <a:rPr lang="it-IT" sz="1200" kern="1200" noProof="0" dirty="0"/>
+            <a:t> player and </a:t>
+          </a:r>
+          <a:r>
+            <a:rPr lang="it-IT" sz="1200" kern="1200" noProof="0" dirty="0" err="1"/>
+            <a:t>enemy</a:t>
+          </a:r>
+          <a:r>
+            <a:rPr lang="it-IT" sz="1200" kern="1200" noProof="0" dirty="0"/>
+            <a:t> and </a:t>
+          </a:r>
+          <a:r>
+            <a:rPr lang="it-IT" sz="1200" kern="1200" noProof="0" dirty="0" err="1"/>
+            <a:t>rewards</a:t>
+          </a:r>
+          <a:r>
+            <a:rPr lang="it-IT" sz="1200" kern="1200" noProof="0" dirty="0"/>
+            <a:t> (XP, items) are </a:t>
+          </a:r>
+          <a:r>
+            <a:rPr lang="it-IT" sz="1200" kern="1200" noProof="0" dirty="0" err="1"/>
+            <a:t>assigned</a:t>
+          </a:r>
+          <a:r>
+            <a:rPr lang="it-IT" sz="1200" kern="1200" noProof="0" dirty="0"/>
+            <a:t> after </a:t>
+          </a:r>
+          <a:r>
+            <a:rPr lang="it-IT" sz="1200" kern="1200" noProof="0" dirty="0" err="1"/>
+            <a:t>victory</a:t>
+          </a:r>
+          <a:r>
+            <a:rPr lang="it-IT" sz="1200" kern="1200" noProof="0" dirty="0"/>
+            <a:t>.</a:t>
           </a:r>
         </a:p>
       </dsp:txBody>
@@ -9660,14 +11054,14 @@
             <a:defRPr cap="all"/>
           </a:pPr>
           <a:r>
-            <a:rPr lang="en-US" sz="1200" kern="1200"/>
+            <a:rPr lang="it-IT" sz="1200" kern="1200" noProof="0" dirty="0"/>
             <a:t>Pattern usati: </a:t>
           </a:r>
           <a:r>
-            <a:rPr lang="en-US" sz="1200" b="1" kern="1200"/>
+            <a:rPr lang="it-IT" sz="1200" b="1" kern="1200" noProof="0" dirty="0"/>
             <a:t>Strategy + Iterator</a:t>
           </a:r>
-          <a:endParaRPr lang="en-US" sz="1200" kern="1200"/>
+          <a:endParaRPr lang="it-IT" sz="1200" kern="1200" noProof="0" dirty="0"/>
         </a:p>
       </dsp:txBody>
       <dsp:txXfrm>
@@ -19330,7 +20724,7 @@
           <a:lstStyle/>
           <a:p>
             <a:r>
-              <a:rPr lang="it-IT"/>
+              <a:rPr lang="it-IT" noProof="0" dirty="0"/>
               <a:t>TEAM 2</a:t>
             </a:r>
           </a:p>
@@ -19358,7 +20752,7 @@
           <a:lstStyle/>
           <a:p>
             <a:r>
-              <a:rPr lang="it-IT"/>
+              <a:rPr lang="it-IT" noProof="0" dirty="0"/>
               <a:t>RPG Project</a:t>
             </a:r>
           </a:p>
@@ -19458,7 +20852,7 @@
           <a:lstStyle/>
           <a:p>
             <a:pPr algn="ctr"/>
-            <a:endParaRPr lang="en-US"/>
+            <a:endParaRPr lang="it-IT" noProof="0" dirty="0"/>
           </a:p>
         </p:txBody>
       </p:sp>
@@ -19521,7 +20915,7 @@
           <a:lstStyle/>
           <a:p>
             <a:pPr algn="ctr"/>
-            <a:endParaRPr lang="en-US"/>
+            <a:endParaRPr lang="it-IT" noProof="0" dirty="0"/>
           </a:p>
         </p:txBody>
       </p:sp>
@@ -19557,15 +20951,15 @@
               <a:buNone/>
             </a:pPr>
             <a:r>
-              <a:rPr lang="it-IT" sz="2600" dirty="0"/>
+              <a:rPr lang="it-IT" sz="2600" noProof="0" dirty="0"/>
               <a:t>L’utilizzo del  design pattern Factory è dovuto alla necessità di creare diversi tipi di </a:t>
             </a:r>
             <a:r>
-              <a:rPr lang="it-IT" sz="2600" dirty="0" err="1"/>
+              <a:rPr lang="it-IT" sz="2600" noProof="0" dirty="0" err="1"/>
               <a:t>ConcreteGame</a:t>
             </a:r>
             <a:r>
-              <a:rPr lang="it-IT" sz="2600" dirty="0"/>
+              <a:rPr lang="it-IT" sz="2600" noProof="0" dirty="0"/>
               <a:t> che sono sottoclassi della classe astratta Game. </a:t>
             </a:r>
           </a:p>
@@ -19574,7 +20968,7 @@
               <a:buNone/>
             </a:pPr>
             <a:r>
-              <a:rPr lang="it-IT" sz="2600" dirty="0"/>
+              <a:rPr lang="it-IT" sz="2600" noProof="0" dirty="0"/>
               <a:t>Questo è il design pattern più adatto perché le classi concrete sono incapsulate e non vengono mai chiamate esplicitamente dal client, che può utilizzarle liberamente senza preoccuparsi dei substrati interni.</a:t>
             </a:r>
           </a:p>
@@ -19583,23 +20977,23 @@
               <a:buNone/>
             </a:pPr>
             <a:r>
-              <a:rPr lang="it-IT" sz="2600" dirty="0"/>
+              <a:rPr lang="it-IT" sz="2600" noProof="0" dirty="0"/>
               <a:t>Nel dettaglio, c'è un'importante differenza tra le classi. Infatti, </a:t>
             </a:r>
             <a:r>
-              <a:rPr lang="it-IT" sz="2600" dirty="0" err="1"/>
+              <a:rPr lang="it-IT" sz="2600" noProof="0" dirty="0" err="1"/>
               <a:t>NewGame</a:t>
             </a:r>
             <a:r>
-              <a:rPr lang="it-IT" sz="2600" dirty="0"/>
+              <a:rPr lang="it-IT" sz="2600" noProof="0" dirty="0"/>
               <a:t> chiederà quanti giocatori stanno giocando e permetterà loro di scegliere le proprie classi, mentre </a:t>
             </a:r>
             <a:r>
-              <a:rPr lang="it-IT" sz="2600" dirty="0" err="1"/>
+              <a:rPr lang="it-IT" sz="2600" noProof="0" dirty="0" err="1"/>
               <a:t>ContinueGame</a:t>
             </a:r>
             <a:r>
-              <a:rPr lang="it-IT" sz="2600" dirty="0"/>
+              <a:rPr lang="it-IT" sz="2600" noProof="0" dirty="0"/>
               <a:t> caricherà queste informazioni (e altre) dal file e permetterà ai giocatori di continuare la partita dal punto in cui hanno salvato.</a:t>
             </a:r>
           </a:p>
@@ -20551,7 +21945,7 @@
             <a:lstStyle/>
             <a:p>
               <a:pPr algn="ctr"/>
-              <a:endParaRPr lang="en-US"/>
+              <a:endParaRPr lang="it-IT" noProof="0" dirty="0"/>
             </a:p>
           </p:txBody>
         </p:sp>
@@ -21376,7 +22770,7 @@
             <a:lstStyle/>
             <a:p>
               <a:pPr algn="ctr"/>
-              <a:endParaRPr lang="en-US"/>
+              <a:endParaRPr lang="it-IT" noProof="0" dirty="0"/>
             </a:p>
           </p:txBody>
         </p:sp>
@@ -21740,7 +23134,7 @@
             <a:lstStyle/>
             <a:p>
               <a:pPr algn="ctr"/>
-              <a:endParaRPr lang="en-US"/>
+              <a:endParaRPr lang="it-IT" noProof="0" dirty="0"/>
             </a:p>
           </p:txBody>
         </p:sp>
@@ -22124,7 +23518,7 @@
             <a:lstStyle/>
             <a:p>
               <a:pPr algn="ctr"/>
-              <a:endParaRPr lang="en-US"/>
+              <a:endParaRPr lang="it-IT" noProof="0" dirty="0"/>
             </a:p>
           </p:txBody>
         </p:sp>
@@ -22175,6 +23569,14 @@
 <file path=ppt/slides/slide11.xml><?xml version="1.0" encoding="utf-8"?>
 <p:sld xmlns:a="http://schemas.openxmlformats.org/drawingml/2006/main" xmlns:r="http://schemas.openxmlformats.org/officeDocument/2006/relationships" xmlns:p="http://schemas.openxmlformats.org/presentationml/2006/main">
   <p:cSld>
+    <p:bg>
+      <p:bgPr>
+        <a:solidFill>
+          <a:schemeClr val="bg1"/>
+        </a:solidFill>
+        <a:effectLst/>
+      </p:bgPr>
+    </p:bg>
     <p:spTree>
       <p:nvGrpSpPr>
         <p:cNvPr id="1" name=""/>
@@ -22189,6 +23591,227 @@
           <a:chExt cx="0" cy="0"/>
         </a:xfrm>
       </p:grpSpPr>
+      <p:sp useBgFill="1">
+        <p:nvSpPr>
+          <p:cNvPr id="18" name="Slide Background">
+            <a:extLst>
+              <a:ext uri="{FF2B5EF4-FFF2-40B4-BE49-F238E27FC236}">
+                <a16:creationId xmlns:a16="http://schemas.microsoft.com/office/drawing/2014/main" id="{C0763A76-9F1C-4FC5-82B7-DD475DA461B2}"/>
+              </a:ext>
+              <a:ext uri="{C183D7F6-B498-43B3-948B-1728B52AA6E4}">
+                <adec:decorative xmlns:adec="http://schemas.microsoft.com/office/drawing/2017/decorative" val="1"/>
+              </a:ext>
+            </a:extLst>
+          </p:cNvPr>
+          <p:cNvSpPr>
+            <a:spLocks noGrp="1" noRot="1" noChangeAspect="1" noMove="1" noResize="1" noEditPoints="1" noAdjustHandles="1" noChangeArrowheads="1" noChangeShapeType="1" noTextEdit="1"/>
+          </p:cNvSpPr>
+          <p:nvPr>
+            <p:extLst>
+              <p:ext uri="{386F3935-93C4-4BCD-93E2-E3B085C9AB24}">
+                <p16:designElem xmlns:p16="http://schemas.microsoft.com/office/powerpoint/2015/main" val="1"/>
+              </p:ext>
+            </p:extLst>
+          </p:nvPr>
+        </p:nvSpPr>
+        <p:spPr bwMode="white">
+          <a:xfrm>
+            <a:off x="-1" y="0"/>
+            <a:ext cx="12191999" cy="6858000"/>
+          </a:xfrm>
+          <a:prstGeom prst="rect">
+            <a:avLst/>
+          </a:prstGeom>
+          <a:ln>
+            <a:noFill/>
+          </a:ln>
+        </p:spPr>
+        <p:style>
+          <a:lnRef idx="2">
+            <a:schemeClr val="accent1">
+              <a:shade val="50000"/>
+            </a:schemeClr>
+          </a:lnRef>
+          <a:fillRef idx="1">
+            <a:schemeClr val="accent1"/>
+          </a:fillRef>
+          <a:effectRef idx="0">
+            <a:schemeClr val="accent1"/>
+          </a:effectRef>
+          <a:fontRef idx="minor">
+            <a:schemeClr val="lt1"/>
+          </a:fontRef>
+        </p:style>
+        <p:txBody>
+          <a:bodyPr rtlCol="0" anchor="ctr"/>
+          <a:lstStyle>
+            <a:defPPr>
+              <a:defRPr lang="en-US"/>
+            </a:defPPr>
+            <a:lvl1pPr marL="0" algn="l" defTabSz="914400" rtl="0" eaLnBrk="1" latinLnBrk="0" hangingPunct="1">
+              <a:defRPr sz="1800" kern="1200">
+                <a:solidFill>
+                  <a:schemeClr val="lt1"/>
+                </a:solidFill>
+                <a:latin typeface="+mn-lt"/>
+                <a:ea typeface="+mn-ea"/>
+                <a:cs typeface="+mn-cs"/>
+              </a:defRPr>
+            </a:lvl1pPr>
+            <a:lvl2pPr marL="457200" algn="l" defTabSz="914400" rtl="0" eaLnBrk="1" latinLnBrk="0" hangingPunct="1">
+              <a:defRPr sz="1800" kern="1200">
+                <a:solidFill>
+                  <a:schemeClr val="lt1"/>
+                </a:solidFill>
+                <a:latin typeface="+mn-lt"/>
+                <a:ea typeface="+mn-ea"/>
+                <a:cs typeface="+mn-cs"/>
+              </a:defRPr>
+            </a:lvl2pPr>
+            <a:lvl3pPr marL="914400" algn="l" defTabSz="914400" rtl="0" eaLnBrk="1" latinLnBrk="0" hangingPunct="1">
+              <a:defRPr sz="1800" kern="1200">
+                <a:solidFill>
+                  <a:schemeClr val="lt1"/>
+                </a:solidFill>
+                <a:latin typeface="+mn-lt"/>
+                <a:ea typeface="+mn-ea"/>
+                <a:cs typeface="+mn-cs"/>
+              </a:defRPr>
+            </a:lvl3pPr>
+            <a:lvl4pPr marL="1371600" algn="l" defTabSz="914400" rtl="0" eaLnBrk="1" latinLnBrk="0" hangingPunct="1">
+              <a:defRPr sz="1800" kern="1200">
+                <a:solidFill>
+                  <a:schemeClr val="lt1"/>
+                </a:solidFill>
+                <a:latin typeface="+mn-lt"/>
+                <a:ea typeface="+mn-ea"/>
+                <a:cs typeface="+mn-cs"/>
+              </a:defRPr>
+            </a:lvl4pPr>
+            <a:lvl5pPr marL="1828800" algn="l" defTabSz="914400" rtl="0" eaLnBrk="1" latinLnBrk="0" hangingPunct="1">
+              <a:defRPr sz="1800" kern="1200">
+                <a:solidFill>
+                  <a:schemeClr val="lt1"/>
+                </a:solidFill>
+                <a:latin typeface="+mn-lt"/>
+                <a:ea typeface="+mn-ea"/>
+                <a:cs typeface="+mn-cs"/>
+              </a:defRPr>
+            </a:lvl5pPr>
+            <a:lvl6pPr marL="2286000" algn="l" defTabSz="914400" rtl="0" eaLnBrk="1" latinLnBrk="0" hangingPunct="1">
+              <a:defRPr sz="1800" kern="1200">
+                <a:solidFill>
+                  <a:schemeClr val="lt1"/>
+                </a:solidFill>
+                <a:latin typeface="+mn-lt"/>
+                <a:ea typeface="+mn-ea"/>
+                <a:cs typeface="+mn-cs"/>
+              </a:defRPr>
+            </a:lvl6pPr>
+            <a:lvl7pPr marL="2743200" algn="l" defTabSz="914400" rtl="0" eaLnBrk="1" latinLnBrk="0" hangingPunct="1">
+              <a:defRPr sz="1800" kern="1200">
+                <a:solidFill>
+                  <a:schemeClr val="lt1"/>
+                </a:solidFill>
+                <a:latin typeface="+mn-lt"/>
+                <a:ea typeface="+mn-ea"/>
+                <a:cs typeface="+mn-cs"/>
+              </a:defRPr>
+            </a:lvl7pPr>
+            <a:lvl8pPr marL="3200400" algn="l" defTabSz="914400" rtl="0" eaLnBrk="1" latinLnBrk="0" hangingPunct="1">
+              <a:defRPr sz="1800" kern="1200">
+                <a:solidFill>
+                  <a:schemeClr val="lt1"/>
+                </a:solidFill>
+                <a:latin typeface="+mn-lt"/>
+                <a:ea typeface="+mn-ea"/>
+                <a:cs typeface="+mn-cs"/>
+              </a:defRPr>
+            </a:lvl8pPr>
+            <a:lvl9pPr marL="3657600" algn="l" defTabSz="914400" rtl="0" eaLnBrk="1" latinLnBrk="0" hangingPunct="1">
+              <a:defRPr sz="1800" kern="1200">
+                <a:solidFill>
+                  <a:schemeClr val="lt1"/>
+                </a:solidFill>
+                <a:latin typeface="+mn-lt"/>
+                <a:ea typeface="+mn-ea"/>
+                <a:cs typeface="+mn-cs"/>
+              </a:defRPr>
+            </a:lvl9pPr>
+          </a:lstStyle>
+          <a:p>
+            <a:pPr algn="ctr"/>
+            <a:endParaRPr lang="en-US"/>
+          </a:p>
+        </p:txBody>
+      </p:sp>
+      <p:sp useBgFill="1">
+        <p:nvSpPr>
+          <p:cNvPr id="19" name="Rectangle 10">
+            <a:extLst>
+              <a:ext uri="{FF2B5EF4-FFF2-40B4-BE49-F238E27FC236}">
+                <a16:creationId xmlns:a16="http://schemas.microsoft.com/office/drawing/2014/main" id="{E81BF4F6-F2CF-4984-9D14-D6966D92F99F}"/>
+              </a:ext>
+              <a:ext uri="{C183D7F6-B498-43B3-948B-1728B52AA6E4}">
+                <adec:decorative xmlns:adec="http://schemas.microsoft.com/office/drawing/2017/decorative" val="1"/>
+              </a:ext>
+            </a:extLst>
+          </p:cNvPr>
+          <p:cNvSpPr>
+            <a:spLocks noGrp="1" noRot="1" noChangeAspect="1" noMove="1" noResize="1" noEditPoints="1" noAdjustHandles="1" noChangeArrowheads="1" noChangeShapeType="1" noTextEdit="1"/>
+          </p:cNvSpPr>
+          <p:nvPr>
+            <p:extLst>
+              <p:ext uri="{386F3935-93C4-4BCD-93E2-E3B085C9AB24}">
+                <p16:designElem xmlns:p16="http://schemas.microsoft.com/office/powerpoint/2015/main" val="1"/>
+              </p:ext>
+            </p:extLst>
+          </p:nvPr>
+        </p:nvSpPr>
+        <p:spPr>
+          <a:xfrm>
+            <a:off x="1" y="0"/>
+            <a:ext cx="8522446" cy="2285999"/>
+          </a:xfrm>
+          <a:prstGeom prst="rect">
+            <a:avLst/>
+          </a:prstGeom>
+          <a:ln>
+            <a:noFill/>
+          </a:ln>
+          <a:effectLst>
+            <a:outerShdw blurRad="596900" dist="304800" dir="7140000" sx="90000" sy="90000" algn="t" rotWithShape="0">
+              <a:srgbClr val="000000">
+                <a:alpha val="15000"/>
+              </a:srgbClr>
+            </a:outerShdw>
+          </a:effectLst>
+        </p:spPr>
+        <p:style>
+          <a:lnRef idx="2">
+            <a:schemeClr val="accent1">
+              <a:shade val="50000"/>
+            </a:schemeClr>
+          </a:lnRef>
+          <a:fillRef idx="1">
+            <a:schemeClr val="accent1"/>
+          </a:fillRef>
+          <a:effectRef idx="0">
+            <a:schemeClr val="accent1"/>
+          </a:effectRef>
+          <a:fontRef idx="minor">
+            <a:schemeClr val="lt1"/>
+          </a:fontRef>
+        </p:style>
+        <p:txBody>
+          <a:bodyPr rtlCol="0" anchor="ctr"/>
+          <a:lstStyle/>
+          <a:p>
+            <a:pPr algn="ctr"/>
+            <a:endParaRPr lang="en-US"/>
+          </a:p>
+        </p:txBody>
+      </p:sp>
       <p:sp>
         <p:nvSpPr>
           <p:cNvPr id="2" name="Titolo 1">
@@ -22205,26 +23828,28 @@
             <p:ph type="title"/>
           </p:nvPr>
         </p:nvSpPr>
-        <p:spPr/>
+        <p:spPr>
+          <a:xfrm>
+            <a:off x="761803" y="350196"/>
+            <a:ext cx="4646904" cy="1624520"/>
+          </a:xfrm>
+        </p:spPr>
         <p:txBody>
-          <a:bodyPr/>
+          <a:bodyPr anchor="ctr">
+            <a:normAutofit/>
+          </a:bodyPr>
           <a:lstStyle/>
           <a:p>
             <a:r>
-              <a:rPr lang="it-IT"/>
-              <a:t>User Story 13: Exploration </a:t>
+              <a:rPr lang="it-IT" sz="3700" noProof="0"/>
+              <a:t>User Story 13: Exploration Movement</a:t>
             </a:r>
-            <a:r>
-              <a:rPr lang="it-IT" err="1"/>
-              <a:t>Movement</a:t>
-            </a:r>
-            <a:endParaRPr lang="it-IT"/>
           </a:p>
         </p:txBody>
       </p:sp>
       <p:sp>
         <p:nvSpPr>
-          <p:cNvPr id="3" name="Segnaposto contenuto 2">
+          <p:cNvPr id="20" name="Segnaposto contenuto 2">
             <a:extLst>
               <a:ext uri="{FF2B5EF4-FFF2-40B4-BE49-F238E27FC236}">
                 <a16:creationId xmlns:a16="http://schemas.microsoft.com/office/drawing/2014/main" id="{70607F9C-BB35-EA95-8FB8-E395FEBFABDF}"/>
@@ -22238,17 +23863,100 @@
             <p:ph idx="1"/>
           </p:nvPr>
         </p:nvSpPr>
-        <p:spPr/>
+        <p:spPr>
+          <a:xfrm>
+            <a:off x="761802" y="2743200"/>
+            <a:ext cx="4646905" cy="3613149"/>
+          </a:xfrm>
+        </p:spPr>
         <p:txBody>
-          <a:bodyPr/>
+          <a:bodyPr anchor="ctr">
+            <a:normAutofit/>
+          </a:bodyPr>
           <a:lstStyle/>
           <a:p>
             <a:pPr marL="0" indent="0">
               <a:buNone/>
             </a:pPr>
             <a:r>
-              <a:rPr lang="en-US"/>
-              <a:t>As a player, I want to control the main character during exploration, so that the rest of the party follows my movements.</a:t>
+              <a:rPr lang="it-IT" sz="1900" noProof="0" dirty="0" err="1"/>
+              <a:t>As</a:t>
+            </a:r>
+            <a:r>
+              <a:rPr lang="it-IT" sz="1900" noProof="0" dirty="0"/>
+              <a:t> a player, I </a:t>
+            </a:r>
+            <a:r>
+              <a:rPr lang="it-IT" sz="1900" noProof="0" dirty="0" err="1"/>
+              <a:t>want</a:t>
+            </a:r>
+            <a:r>
+              <a:rPr lang="it-IT" sz="1900" noProof="0" dirty="0"/>
+              <a:t> to control the </a:t>
+            </a:r>
+            <a:r>
+              <a:rPr lang="it-IT" sz="1900" noProof="0" dirty="0" err="1"/>
+              <a:t>main</a:t>
+            </a:r>
+            <a:r>
+              <a:rPr lang="it-IT" sz="1900" noProof="0" dirty="0"/>
+              <a:t> </a:t>
+            </a:r>
+            <a:r>
+              <a:rPr lang="it-IT" sz="1900" noProof="0" dirty="0" err="1"/>
+              <a:t>character</a:t>
+            </a:r>
+            <a:r>
+              <a:rPr lang="it-IT" sz="1900" noProof="0" dirty="0"/>
+              <a:t> </a:t>
+            </a:r>
+            <a:r>
+              <a:rPr lang="it-IT" sz="1900" noProof="0" dirty="0" err="1"/>
+              <a:t>during</a:t>
+            </a:r>
+            <a:r>
+              <a:rPr lang="it-IT" sz="1900" noProof="0" dirty="0"/>
+              <a:t> </a:t>
+            </a:r>
+            <a:r>
+              <a:rPr lang="it-IT" sz="1900" noProof="0" dirty="0" err="1"/>
+              <a:t>exploration</a:t>
+            </a:r>
+            <a:r>
+              <a:rPr lang="it-IT" sz="1900" noProof="0" dirty="0"/>
+              <a:t>, so </a:t>
+            </a:r>
+            <a:r>
+              <a:rPr lang="it-IT" sz="1900" noProof="0" dirty="0" err="1"/>
+              <a:t>that</a:t>
+            </a:r>
+            <a:r>
+              <a:rPr lang="it-IT" sz="1900" noProof="0" dirty="0"/>
+              <a:t> the </a:t>
+            </a:r>
+            <a:r>
+              <a:rPr lang="it-IT" sz="1900" noProof="0" dirty="0" err="1"/>
+              <a:t>rest</a:t>
+            </a:r>
+            <a:r>
+              <a:rPr lang="it-IT" sz="1900" noProof="0" dirty="0"/>
+              <a:t> of the party follows </a:t>
+            </a:r>
+            <a:r>
+              <a:rPr lang="it-IT" sz="1900" noProof="0" dirty="0" err="1"/>
+              <a:t>my</a:t>
+            </a:r>
+            <a:r>
+              <a:rPr lang="it-IT" sz="1900" noProof="0" dirty="0"/>
+              <a:t> </a:t>
+            </a:r>
+            <a:r>
+              <a:rPr lang="it-IT" sz="1900" noProof="0" dirty="0" err="1"/>
+              <a:t>movements</a:t>
+            </a:r>
+            <a:r>
+              <a:rPr lang="it-IT" sz="1900" noProof="0" dirty="0"/>
+              <a:t>.</a:t>
             </a:r>
           </a:p>
           <a:p>
@@ -22256,8 +23964,84 @@
               <a:buNone/>
             </a:pPr>
             <a:r>
-              <a:rPr lang="en-US"/>
-              <a:t>acceptance criteria: the game allows the main character to move around the map, with the rest of the party following behind.</a:t>
+              <a:rPr lang="it-IT" sz="1900" noProof="0" dirty="0" err="1"/>
+              <a:t>acceptance</a:t>
+            </a:r>
+            <a:r>
+              <a:rPr lang="it-IT" sz="1900" noProof="0" dirty="0"/>
+              <a:t> </a:t>
+            </a:r>
+            <a:r>
+              <a:rPr lang="it-IT" sz="1900" noProof="0" dirty="0" err="1"/>
+              <a:t>criteria</a:t>
+            </a:r>
+            <a:r>
+              <a:rPr lang="it-IT" sz="1900" noProof="0" dirty="0"/>
+              <a:t>: the game </a:t>
+            </a:r>
+            <a:r>
+              <a:rPr lang="it-IT" sz="1900" noProof="0" dirty="0" err="1"/>
+              <a:t>allows</a:t>
+            </a:r>
+            <a:r>
+              <a:rPr lang="it-IT" sz="1900" noProof="0" dirty="0"/>
+              <a:t> the </a:t>
+            </a:r>
+            <a:r>
+              <a:rPr lang="it-IT" sz="1900" noProof="0" dirty="0" err="1"/>
+              <a:t>main</a:t>
+            </a:r>
+            <a:r>
+              <a:rPr lang="it-IT" sz="1900" noProof="0" dirty="0"/>
+              <a:t> </a:t>
+            </a:r>
+            <a:r>
+              <a:rPr lang="it-IT" sz="1900" noProof="0" dirty="0" err="1"/>
+              <a:t>character</a:t>
+            </a:r>
+            <a:r>
+              <a:rPr lang="it-IT" sz="1900" noProof="0" dirty="0"/>
+              <a:t> to </a:t>
+            </a:r>
+            <a:r>
+              <a:rPr lang="it-IT" sz="1900" noProof="0" dirty="0" err="1"/>
+              <a:t>move</a:t>
+            </a:r>
+            <a:r>
+              <a:rPr lang="it-IT" sz="1900" noProof="0" dirty="0"/>
+              <a:t> </a:t>
+            </a:r>
+            <a:r>
+              <a:rPr lang="it-IT" sz="1900" noProof="0" dirty="0" err="1"/>
+              <a:t>around</a:t>
+            </a:r>
+            <a:r>
+              <a:rPr lang="it-IT" sz="1900" noProof="0" dirty="0"/>
+              <a:t> the </a:t>
+            </a:r>
+            <a:r>
+              <a:rPr lang="it-IT" sz="1900" noProof="0" dirty="0" err="1"/>
+              <a:t>map</a:t>
+            </a:r>
+            <a:r>
+              <a:rPr lang="it-IT" sz="1900" noProof="0" dirty="0"/>
+              <a:t>, with the </a:t>
+            </a:r>
+            <a:r>
+              <a:rPr lang="it-IT" sz="1900" noProof="0" dirty="0" err="1"/>
+              <a:t>rest</a:t>
+            </a:r>
+            <a:r>
+              <a:rPr lang="it-IT" sz="1900" noProof="0" dirty="0"/>
+              <a:t> of the party following </a:t>
+            </a:r>
+            <a:r>
+              <a:rPr lang="it-IT" sz="1900" noProof="0" dirty="0" err="1"/>
+              <a:t>behind</a:t>
+            </a:r>
+            <a:r>
+              <a:rPr lang="it-IT" sz="1900" noProof="0" dirty="0"/>
+              <a:t>.</a:t>
             </a:r>
           </a:p>
           <a:p>
@@ -22265,39 +24049,51 @@
               <a:buNone/>
             </a:pPr>
             <a:r>
-              <a:rPr lang="en-US"/>
-              <a:t>Pattern </a:t>
+              <a:rPr lang="it-IT" sz="1900" noProof="0" dirty="0"/>
+              <a:t>Pattern usato: viene implementato usando il pattern Observer, in modo che il </a:t>
             </a:r>
             <a:r>
-              <a:rPr lang="en-US" err="1"/>
-              <a:t>usato</a:t>
-            </a:r>
-            <a:r>
-              <a:rPr lang="en-US"/>
-              <a:t>: v</a:t>
-            </a:r>
-            <a:r>
-              <a:rPr lang="it-IT"/>
-              <a:t>iene implementato usando il pattern Observer, in modo che il </a:t>
-            </a:r>
-            <a:r>
-              <a:rPr lang="it-IT" err="1"/>
+              <a:rPr lang="it-IT" sz="1900" noProof="0" dirty="0" err="1"/>
               <a:t>MovementController</a:t>
             </a:r>
             <a:r>
-              <a:rPr lang="it-IT"/>
-              <a:t> cambi solo la posizione del primo giocatore nel party e i giocatori che seguono reagiscano al cambiamento della posizione. Viene inoltre controllata la direzione del movimento, in modo da evitare che il giocatore principale «invada» le celle dei giocatori che lo seguono.</a:t>
+              <a:rPr lang="it-IT" sz="1900" noProof="0" dirty="0"/>
+              <a:t> cambi solo la posizione del primo giocatore nel party e i giocatori che seguono reagiscano al cambiamento della posizione.</a:t>
             </a:r>
-            <a:endParaRPr lang="en-US"/>
-          </a:p>
-          <a:p>
-            <a:pPr marL="0" indent="0">
-              <a:buNone/>
-            </a:pPr>
-            <a:endParaRPr lang="it-IT"/>
           </a:p>
         </p:txBody>
       </p:sp>
+      <p:pic>
+        <p:nvPicPr>
+          <p:cNvPr id="21" name="Picture 4" descr="Pila di dadi su un tabellone di gioco">
+            <a:extLst>
+              <a:ext uri="{FF2B5EF4-FFF2-40B4-BE49-F238E27FC236}">
+                <a16:creationId xmlns:a16="http://schemas.microsoft.com/office/drawing/2014/main" id="{8EA8557E-F36F-9D12-EC50-C589C7D576EF}"/>
+              </a:ext>
+            </a:extLst>
+          </p:cNvPr>
+          <p:cNvPicPr>
+            <a:picLocks noChangeAspect="1"/>
+          </p:cNvPicPr>
+          <p:nvPr/>
+        </p:nvPicPr>
+        <p:blipFill>
+          <a:blip r:embed="rId2"/>
+          <a:srcRect r="11012"/>
+          <a:stretch>
+            <a:fillRect/>
+          </a:stretch>
+        </p:blipFill>
+        <p:spPr>
+          <a:xfrm>
+            <a:off x="6096000" y="1"/>
+            <a:ext cx="6102825" cy="6858000"/>
+          </a:xfrm>
+          <a:prstGeom prst="rect">
+            <a:avLst/>
+          </a:prstGeom>
+        </p:spPr>
+      </p:pic>
     </p:spTree>
     <p:extLst>
       <p:ext uri="{BB962C8B-B14F-4D97-AF65-F5344CB8AC3E}">
@@ -22408,7 +24204,7 @@
           <a:lstStyle/>
           <a:p>
             <a:pPr algn="ctr"/>
-            <a:endParaRPr lang="en-US"/>
+            <a:endParaRPr lang="it-IT" noProof="0" dirty="0"/>
           </a:p>
         </p:txBody>
       </p:sp>
@@ -22483,7 +24279,7 @@
           <a:lstStyle/>
           <a:p>
             <a:pPr algn="ctr"/>
-            <a:endParaRPr lang="en-US"/>
+            <a:endParaRPr lang="it-IT" noProof="0" dirty="0"/>
           </a:p>
         </p:txBody>
       </p:sp>
@@ -22559,7 +24355,7 @@
           <a:lstStyle/>
           <a:p>
             <a:pPr algn="ctr"/>
-            <a:endParaRPr lang="en-US"/>
+            <a:endParaRPr lang="it-IT" noProof="0" dirty="0"/>
           </a:p>
         </p:txBody>
       </p:sp>
@@ -22634,7 +24430,7 @@
           <a:lstStyle/>
           <a:p>
             <a:pPr algn="ctr"/>
-            <a:endParaRPr lang="en-US"/>
+            <a:endParaRPr lang="it-IT" noProof="0" dirty="0"/>
           </a:p>
         </p:txBody>
       </p:sp>
@@ -22667,13 +24463,26 @@
           <a:lstStyle/>
           <a:p>
             <a:r>
-              <a:rPr lang="it-IT" sz="4000">
+              <a:rPr lang="it-IT" sz="4000" noProof="0" dirty="0">
                 <a:solidFill>
                   <a:srgbClr val="FFFFFF"/>
                 </a:solidFill>
               </a:rPr>
-              <a:t>User Story 14: Fighting Enemies</a:t>
+              <a:t>User Story 14: Fighting </a:t>
             </a:r>
+            <a:r>
+              <a:rPr lang="it-IT" sz="4000" noProof="0" dirty="0" err="1">
+                <a:solidFill>
+                  <a:srgbClr val="FFFFFF"/>
+                </a:solidFill>
+              </a:rPr>
+              <a:t>Enemies</a:t>
+            </a:r>
+            <a:endParaRPr lang="it-IT" sz="4000" noProof="0" dirty="0">
+              <a:solidFill>
+                <a:srgbClr val="FFFFFF"/>
+              </a:solidFill>
+            </a:endParaRPr>
           </a:p>
         </p:txBody>
       </p:sp>
@@ -22693,7 +24502,7 @@
             <p:ph idx="1"/>
             <p:extLst>
               <p:ext uri="{D42A27DB-BD31-4B8C-83A1-F6EECF244321}">
-                <p14:modId xmlns:p14="http://schemas.microsoft.com/office/powerpoint/2010/main" val="8227900"/>
+                <p14:modId xmlns:p14="http://schemas.microsoft.com/office/powerpoint/2010/main" val="1386924325"/>
               </p:ext>
             </p:extLst>
           </p:nvPr>
@@ -22778,7 +24587,7 @@
               <a:buNone/>
             </a:pPr>
             <a:r>
-              <a:rPr lang="it-IT" sz="2400" dirty="0"/>
+              <a:rPr lang="it-IT" sz="2400" noProof="0" dirty="0"/>
               <a:t>Usiamo il pattern Strategy per dividere le logiche diverse di ogni azione (danno, effetti…). Quindi, ci permette di incapsulare la logica di ciascuna azione in classi separate. </a:t>
             </a:r>
           </a:p>
@@ -22787,15 +24596,15 @@
               <a:buNone/>
             </a:pPr>
             <a:r>
-              <a:rPr lang="it-IT" sz="2400" dirty="0"/>
+              <a:rPr lang="it-IT" sz="2400" noProof="0" dirty="0"/>
               <a:t>Il Pattern Observer separa la logica di gioco dall’interfaccia utente e permette al </a:t>
             </a:r>
             <a:r>
-              <a:rPr lang="it-IT" sz="2400" dirty="0" err="1"/>
+              <a:rPr lang="it-IT" sz="2400" noProof="0" dirty="0" err="1"/>
               <a:t>combat</a:t>
             </a:r>
             <a:r>
-              <a:rPr lang="it-IT" sz="2400" dirty="0"/>
+              <a:rPr lang="it-IT" sz="2400" noProof="0" dirty="0"/>
               <a:t> system di notificare automaticamente tutti gli osservatori.</a:t>
             </a:r>
           </a:p>
@@ -22933,7 +24742,7 @@
             <a:lstStyle/>
             <a:p>
               <a:pPr algn="ctr"/>
-              <a:endParaRPr lang="en-US"/>
+              <a:endParaRPr lang="it-IT" noProof="0" dirty="0"/>
             </a:p>
           </p:txBody>
         </p:sp>
@@ -23009,7 +24818,7 @@
             <a:lstStyle/>
             <a:p>
               <a:pPr algn="ctr"/>
-              <a:endParaRPr lang="en-US"/>
+              <a:endParaRPr lang="it-IT" noProof="0" dirty="0"/>
             </a:p>
           </p:txBody>
         </p:sp>
@@ -23207,7 +25016,7 @@
           </a:lstStyle>
           <a:p>
             <a:pPr algn="ctr"/>
-            <a:endParaRPr lang="en-US"/>
+            <a:endParaRPr lang="it-IT" noProof="0" dirty="0"/>
           </a:p>
         </p:txBody>
       </p:sp>
@@ -23366,7 +25175,7 @@
           </a:lstStyle>
           <a:p>
             <a:pPr algn="ctr"/>
-            <a:endParaRPr lang="en-US"/>
+            <a:endParaRPr lang="it-IT" noProof="0" dirty="0"/>
           </a:p>
         </p:txBody>
       </p:sp>
@@ -23429,7 +25238,7 @@
           <a:lstStyle/>
           <a:p>
             <a:pPr algn="ctr"/>
-            <a:endParaRPr lang="en-US"/>
+            <a:endParaRPr lang="it-IT" noProof="0" dirty="0"/>
           </a:p>
         </p:txBody>
       </p:sp>
@@ -23494,7 +25303,7 @@
           <a:lstStyle/>
           <a:p>
             <a:pPr algn="ctr"/>
-            <a:endParaRPr lang="en-US"/>
+            <a:endParaRPr lang="it-IT" noProof="0" dirty="0"/>
           </a:p>
         </p:txBody>
       </p:sp>
@@ -23527,41 +25336,41 @@
           <a:lstStyle/>
           <a:p>
             <a:r>
-              <a:rPr lang="it-IT"/>
+              <a:rPr lang="it-IT" noProof="0" dirty="0"/>
               <a:t>User Story 15: </a:t>
             </a:r>
             <a:r>
-              <a:rPr lang="it-IT" err="1"/>
+              <a:rPr lang="it-IT" noProof="0" dirty="0" err="1"/>
               <a:t>Damage</a:t>
             </a:r>
             <a:r>
-              <a:rPr lang="it-IT"/>
+              <a:rPr lang="it-IT" noProof="0" dirty="0"/>
               <a:t>, </a:t>
             </a:r>
             <a:r>
-              <a:rPr lang="it-IT" err="1"/>
+              <a:rPr lang="it-IT" noProof="0" dirty="0" err="1"/>
               <a:t>effect</a:t>
             </a:r>
             <a:r>
-              <a:rPr lang="it-IT"/>
+              <a:rPr lang="it-IT" noProof="0" dirty="0"/>
               <a:t> &amp; </a:t>
             </a:r>
             <a:r>
-              <a:rPr lang="it-IT" err="1"/>
+              <a:rPr lang="it-IT" noProof="0" dirty="0" err="1"/>
               <a:t>healing</a:t>
             </a:r>
             <a:r>
-              <a:rPr lang="it-IT"/>
+              <a:rPr lang="it-IT" noProof="0" dirty="0"/>
               <a:t> </a:t>
             </a:r>
             <a:r>
-              <a:rPr lang="it-IT" err="1"/>
+              <a:rPr lang="it-IT" noProof="0" dirty="0" err="1"/>
               <a:t>calculation</a:t>
             </a:r>
             <a:br>
-              <a:rPr lang="it-IT" b="1"/>
+              <a:rPr lang="it-IT" b="1" noProof="0" dirty="0"/>
             </a:br>
-            <a:endParaRPr lang="it-IT"/>
+            <a:endParaRPr lang="it-IT" noProof="0" dirty="0"/>
           </a:p>
         </p:txBody>
       </p:sp>
@@ -23687,7 +25496,7 @@
             <p:ph idx="1"/>
             <p:extLst>
               <p:ext uri="{D42A27DB-BD31-4B8C-83A1-F6EECF244321}">
-                <p14:modId xmlns:p14="http://schemas.microsoft.com/office/powerpoint/2010/main" val="614355183"/>
+                <p14:modId xmlns:p14="http://schemas.microsoft.com/office/powerpoint/2010/main" val="2150513538"/>
               </p:ext>
             </p:extLst>
           </p:nvPr>
@@ -23796,7 +25605,7 @@
           <a:lstStyle/>
           <a:p>
             <a:pPr algn="ctr"/>
-            <a:endParaRPr lang="en-US"/>
+            <a:endParaRPr lang="it-IT" noProof="0" dirty="0"/>
           </a:p>
         </p:txBody>
       </p:sp>
@@ -23859,7 +25668,7 @@
           <a:lstStyle/>
           <a:p>
             <a:pPr algn="ctr"/>
-            <a:endParaRPr lang="en-US"/>
+            <a:endParaRPr lang="it-IT" noProof="0" dirty="0"/>
           </a:p>
         </p:txBody>
       </p:sp>
@@ -23985,10 +25794,9 @@
           </a:lstStyle>
           <a:p>
             <a:r>
-              <a:rPr lang="it-IT" dirty="0"/>
+              <a:rPr lang="it-IT" noProof="0" dirty="0"/>
               <a:t>Questa funzionalità è importante perché i giocatori hanno bisogno di un feedback immediato e accurato sull'esito di ogni turno. Facendo in modo che il sistema calcoli automaticamente danni, effetti e cure, il gioco garantisce coerenza, evita errori manuali e mantiene il gameplay fluido e coinvolgente. L'utilizzo del pattern Strategy consente di estendere o modificare facilmente diversi comportamenti di combattimento, mentre il pattern Observer assicura che qualsiasi cambiamento nello stato di combattimento venga immediatamente riflesso nell'interfaccia utente.</a:t>
             </a:r>
-            <a:endParaRPr lang="en-US" dirty="0"/>
           </a:p>
         </p:txBody>
       </p:sp>
@@ -24938,7 +26746,7 @@
             <a:lstStyle/>
             <a:p>
               <a:pPr algn="ctr"/>
-              <a:endParaRPr lang="en-US"/>
+              <a:endParaRPr lang="it-IT" noProof="0" dirty="0"/>
             </a:p>
           </p:txBody>
         </p:sp>
@@ -25763,7 +27571,7 @@
             <a:lstStyle/>
             <a:p>
               <a:pPr algn="ctr"/>
-              <a:endParaRPr lang="en-US"/>
+              <a:endParaRPr lang="it-IT" noProof="0" dirty="0"/>
             </a:p>
           </p:txBody>
         </p:sp>
@@ -26127,7 +27935,7 @@
             <a:lstStyle/>
             <a:p>
               <a:pPr algn="ctr"/>
-              <a:endParaRPr lang="en-US"/>
+              <a:endParaRPr lang="it-IT" noProof="0" dirty="0"/>
             </a:p>
           </p:txBody>
         </p:sp>
@@ -26511,7 +28319,7 @@
             <a:lstStyle/>
             <a:p>
               <a:pPr algn="ctr"/>
-              <a:endParaRPr lang="en-US"/>
+              <a:endParaRPr lang="it-IT" noProof="0" dirty="0"/>
             </a:p>
           </p:txBody>
         </p:sp>
@@ -26642,7 +28450,7 @@
           <a:lstStyle/>
           <a:p>
             <a:pPr algn="ctr"/>
-            <a:endParaRPr lang="en-US"/>
+            <a:endParaRPr lang="it-IT" noProof="0" dirty="0"/>
           </a:p>
         </p:txBody>
       </p:sp>
@@ -26705,7 +28513,7 @@
           <a:lstStyle/>
           <a:p>
             <a:pPr algn="ctr"/>
-            <a:endParaRPr lang="en-US" sz="800"/>
+            <a:endParaRPr lang="it-IT" sz="800" noProof="0" dirty="0"/>
           </a:p>
         </p:txBody>
       </p:sp>
@@ -26739,7 +28547,7 @@
           <a:p>
             <a:pPr algn="ctr"/>
             <a:r>
-              <a:rPr lang="it-IT" sz="4000">
+              <a:rPr lang="it-IT" sz="4000" noProof="0" dirty="0">
                 <a:solidFill>
                   <a:schemeClr val="tx2"/>
                 </a:solidFill>
@@ -26747,7 +28555,7 @@
               <a:t>User Story 16: Turn </a:t>
             </a:r>
             <a:r>
-              <a:rPr lang="it-IT" sz="4000" err="1">
+              <a:rPr lang="it-IT" sz="4000" noProof="0" dirty="0" err="1">
                 <a:solidFill>
                   <a:schemeClr val="tx2"/>
                 </a:solidFill>
@@ -26755,7 +28563,7 @@
               <a:t>based</a:t>
             </a:r>
             <a:r>
-              <a:rPr lang="it-IT" sz="4000">
+              <a:rPr lang="it-IT" sz="4000" noProof="0" dirty="0">
                 <a:solidFill>
                   <a:schemeClr val="tx2"/>
                 </a:solidFill>
@@ -26763,14 +28571,14 @@
               <a:t> </a:t>
             </a:r>
             <a:r>
-              <a:rPr lang="it-IT" sz="4000" err="1">
+              <a:rPr lang="it-IT" sz="4000" noProof="0" dirty="0" err="1">
                 <a:solidFill>
                   <a:schemeClr val="tx2"/>
                 </a:solidFill>
               </a:rPr>
               <a:t>battles</a:t>
             </a:r>
-            <a:endParaRPr lang="it-IT" sz="4000">
+            <a:endParaRPr lang="it-IT" sz="4000" noProof="0" dirty="0">
               <a:solidFill>
                 <a:schemeClr val="tx2"/>
               </a:solidFill>
@@ -27203,7 +29011,7 @@
             <a:lstStyle/>
             <a:p>
               <a:pPr algn="ctr"/>
-              <a:endParaRPr lang="en-US"/>
+              <a:endParaRPr lang="it-IT" noProof="0" dirty="0"/>
             </a:p>
           </p:txBody>
         </p:sp>
@@ -27395,7 +29203,7 @@
             <a:lstStyle/>
             <a:p>
               <a:pPr algn="ctr"/>
-              <a:endParaRPr lang="en-US"/>
+              <a:endParaRPr lang="it-IT" noProof="0" dirty="0"/>
             </a:p>
           </p:txBody>
         </p:sp>
@@ -27649,7 +29457,7 @@
             <a:lstStyle/>
             <a:p>
               <a:pPr algn="ctr"/>
-              <a:endParaRPr lang="en-US" sz="800"/>
+              <a:endParaRPr lang="it-IT" sz="800" noProof="0" dirty="0"/>
             </a:p>
           </p:txBody>
         </p:sp>
@@ -27841,7 +29649,7 @@
             <a:lstStyle/>
             <a:p>
               <a:pPr algn="ctr"/>
-              <a:endParaRPr lang="en-US"/>
+              <a:endParaRPr lang="it-IT" noProof="0" dirty="0"/>
             </a:p>
           </p:txBody>
         </p:sp>
@@ -28085,7 +29893,7 @@
             <a:lstStyle/>
             <a:p>
               <a:pPr algn="ctr"/>
-              <a:endParaRPr lang="en-US"/>
+              <a:endParaRPr lang="it-IT" noProof="0" dirty="0"/>
             </a:p>
           </p:txBody>
         </p:sp>
@@ -28297,7 +30105,7 @@
             <a:lstStyle/>
             <a:p>
               <a:pPr algn="ctr"/>
-              <a:endParaRPr lang="en-US"/>
+              <a:endParaRPr lang="it-IT" noProof="0" dirty="0"/>
             </a:p>
           </p:txBody>
         </p:sp>
@@ -28619,7 +30427,7 @@
             <a:lstStyle/>
             <a:p>
               <a:pPr algn="ctr"/>
-              <a:endParaRPr lang="en-US"/>
+              <a:endParaRPr lang="it-IT" noProof="0" dirty="0"/>
             </a:p>
           </p:txBody>
         </p:sp>
@@ -29097,7 +30905,7 @@
             <a:lstStyle/>
             <a:p>
               <a:pPr algn="ctr"/>
-              <a:endParaRPr lang="en-US"/>
+              <a:endParaRPr lang="it-IT" noProof="0" dirty="0"/>
             </a:p>
           </p:txBody>
         </p:sp>
@@ -29118,7 +30926,7 @@
             <p:ph idx="1"/>
             <p:extLst>
               <p:ext uri="{D42A27DB-BD31-4B8C-83A1-F6EECF244321}">
-                <p14:modId xmlns:p14="http://schemas.microsoft.com/office/powerpoint/2010/main" val="680255920"/>
+                <p14:modId xmlns:p14="http://schemas.microsoft.com/office/powerpoint/2010/main" val="1684562978"/>
               </p:ext>
             </p:extLst>
           </p:nvPr>
@@ -29227,7 +31035,7 @@
           <a:lstStyle/>
           <a:p>
             <a:pPr algn="ctr"/>
-            <a:endParaRPr lang="en-US"/>
+            <a:endParaRPr lang="it-IT" noProof="0" dirty="0"/>
           </a:p>
         </p:txBody>
       </p:sp>
@@ -29290,7 +31098,7 @@
           <a:lstStyle/>
           <a:p>
             <a:pPr algn="ctr"/>
-            <a:endParaRPr lang="en-US"/>
+            <a:endParaRPr lang="it-IT" noProof="0" dirty="0"/>
           </a:p>
         </p:txBody>
       </p:sp>
@@ -29721,7 +31529,7 @@
             <a:lstStyle/>
             <a:p>
               <a:pPr algn="ctr"/>
-              <a:endParaRPr lang="en-US"/>
+              <a:endParaRPr lang="it-IT" noProof="0" dirty="0"/>
             </a:p>
           </p:txBody>
         </p:sp>
@@ -31161,7 +32969,7 @@
             <a:lstStyle/>
             <a:p>
               <a:pPr algn="ctr"/>
-              <a:endParaRPr lang="en-US"/>
+              <a:endParaRPr lang="it-IT" noProof="0" dirty="0"/>
             </a:p>
           </p:txBody>
         </p:sp>
@@ -32007,7 +33815,7 @@
             <a:lstStyle/>
             <a:p>
               <a:pPr algn="ctr"/>
-              <a:endParaRPr lang="en-US"/>
+              <a:endParaRPr lang="it-IT" noProof="0" dirty="0"/>
             </a:p>
           </p:txBody>
         </p:sp>
@@ -32058,7 +33866,7 @@
         </p:nvSpPr>
         <p:spPr>
           <a:xfrm>
-            <a:off x="6724528" y="1017172"/>
+            <a:off x="6724528" y="169447"/>
             <a:ext cx="4765949" cy="5081876"/>
           </a:xfrm>
           <a:prstGeom prst="rect">
@@ -32080,7 +33888,7 @@
               </a:spcAft>
             </a:pPr>
             <a:r>
-              <a:rPr lang="it-IT" sz="1600">
+              <a:rPr lang="it-IT" noProof="0" dirty="0">
                 <a:solidFill>
                   <a:schemeClr val="tx2"/>
                 </a:solidFill>
@@ -32088,7 +33896,7 @@
               <a:t>Il design pattern </a:t>
             </a:r>
             <a:r>
-              <a:rPr lang="it-IT" sz="1600" b="1">
+              <a:rPr lang="it-IT" b="1" noProof="0" dirty="0">
                 <a:solidFill>
                   <a:schemeClr val="tx2"/>
                 </a:solidFill>
@@ -32096,7 +33904,7 @@
               <a:t>Strategy</a:t>
             </a:r>
             <a:r>
-              <a:rPr lang="it-IT" sz="1600">
+              <a:rPr lang="it-IT" noProof="0" dirty="0">
                 <a:solidFill>
                   <a:schemeClr val="tx2"/>
                 </a:solidFill>
@@ -32104,7 +33912,7 @@
               <a:t> fornisce un'interfaccia (</a:t>
             </a:r>
             <a:r>
-              <a:rPr lang="it-IT" sz="1600" err="1">
+              <a:rPr lang="it-IT" noProof="0" dirty="0" err="1">
                 <a:solidFill>
                   <a:schemeClr val="tx2"/>
                 </a:solidFill>
@@ -32112,7 +33920,7 @@
               <a:t>TurnStrategy</a:t>
             </a:r>
             <a:r>
-              <a:rPr lang="it-IT" sz="1600">
+              <a:rPr lang="it-IT" noProof="0" dirty="0">
                 <a:solidFill>
                   <a:schemeClr val="tx2"/>
                 </a:solidFill>
@@ -32130,7 +33938,7 @@
               </a:spcAft>
             </a:pPr>
             <a:r>
-              <a:rPr lang="it-IT" sz="1600">
+              <a:rPr lang="it-IT" noProof="0" dirty="0">
                 <a:solidFill>
                   <a:schemeClr val="tx2"/>
                 </a:solidFill>
@@ -32138,7 +33946,7 @@
               <a:t>Abbiamo implementato un ordinamento delle azioni in un turno basato un valore di </a:t>
             </a:r>
             <a:r>
-              <a:rPr lang="it-IT" sz="1600" i="1">
+              <a:rPr lang="it-IT" i="1" noProof="0" dirty="0">
                 <a:solidFill>
                   <a:schemeClr val="tx2"/>
                 </a:solidFill>
@@ -32146,7 +33954,7 @@
               <a:t>speed </a:t>
             </a:r>
             <a:r>
-              <a:rPr lang="it-IT" sz="1600">
+              <a:rPr lang="it-IT" noProof="0" dirty="0">
                 <a:solidFill>
                   <a:schemeClr val="tx2"/>
                 </a:solidFill>
@@ -32164,7 +33972,7 @@
               </a:spcAft>
             </a:pPr>
             <a:r>
-              <a:rPr lang="it-IT" sz="1600">
+              <a:rPr lang="it-IT" noProof="0" dirty="0">
                 <a:solidFill>
                   <a:schemeClr val="tx2"/>
                 </a:solidFill>
@@ -32182,7 +33990,7 @@
               </a:spcAft>
             </a:pPr>
             <a:r>
-              <a:rPr lang="it-IT" sz="1600">
+              <a:rPr lang="it-IT" noProof="0" dirty="0">
                 <a:solidFill>
                   <a:schemeClr val="tx2"/>
                 </a:solidFill>
@@ -32190,7 +33998,7 @@
               <a:t>Il design pattern </a:t>
             </a:r>
             <a:r>
-              <a:rPr lang="it-IT" sz="1600" b="1">
+              <a:rPr lang="it-IT" b="1" noProof="0" dirty="0">
                 <a:solidFill>
                   <a:schemeClr val="tx2"/>
                 </a:solidFill>
@@ -32198,7 +34006,7 @@
               <a:t>Iterator </a:t>
             </a:r>
             <a:r>
-              <a:rPr lang="it-IT" sz="1600">
+              <a:rPr lang="it-IT" noProof="0" dirty="0">
                 <a:solidFill>
                   <a:schemeClr val="tx2"/>
                 </a:solidFill>
@@ -32206,7 +34014,7 @@
               <a:t>fornisce un'interfaccia che consente il flusso dei turni in base alla </a:t>
             </a:r>
             <a:r>
-              <a:rPr lang="it-IT" sz="1600" err="1">
+              <a:rPr lang="it-IT" noProof="0" dirty="0" err="1">
                 <a:solidFill>
                   <a:schemeClr val="tx2"/>
                 </a:solidFill>
@@ -32214,18 +34022,13 @@
               <a:t>TurnStrategy</a:t>
             </a:r>
             <a:r>
-              <a:rPr lang="it-IT" sz="1600">
+              <a:rPr lang="it-IT" noProof="0" dirty="0">
                 <a:solidFill>
                   <a:schemeClr val="tx2"/>
                 </a:solidFill>
               </a:rPr>
               <a:t>, restituendo il personaggio successivo che deve eseguire un'azione fino alla fine del turno.</a:t>
             </a:r>
-            <a:endParaRPr lang="en-US" sz="1600">
-              <a:solidFill>
-                <a:schemeClr val="tx2"/>
-              </a:solidFill>
-            </a:endParaRPr>
           </a:p>
           <a:p>
             <a:pPr>
@@ -32237,7 +34040,7 @@
               </a:spcAft>
             </a:pPr>
             <a:r>
-              <a:rPr lang="it-IT" sz="1600">
+              <a:rPr lang="it-IT" noProof="0" dirty="0">
                 <a:solidFill>
                   <a:schemeClr val="tx2"/>
                 </a:solidFill>
@@ -32245,7 +34048,7 @@
               <a:t>Un turno termina quando l'ultimo personaggio ha eseguito un'azione e ciò può essere verificato tramite il metodo </a:t>
             </a:r>
             <a:r>
-              <a:rPr lang="it-IT" sz="1600" err="1">
+              <a:rPr lang="it-IT" noProof="0" dirty="0" err="1">
                 <a:solidFill>
                   <a:schemeClr val="tx2"/>
                 </a:solidFill>
@@ -32253,7 +34056,7 @@
               <a:t>nextCharacter</a:t>
             </a:r>
             <a:r>
-              <a:rPr lang="it-IT" sz="1600">
+              <a:rPr lang="it-IT" noProof="0" dirty="0">
                 <a:solidFill>
                   <a:schemeClr val="tx2"/>
                 </a:solidFill>
@@ -32261,7 +34064,7 @@
               <a:t>. Il design pattern rende possibile utilizzare diverse strutture dati per allocare i </a:t>
             </a:r>
             <a:r>
-              <a:rPr lang="it-IT" sz="1600" i="1" err="1">
+              <a:rPr lang="it-IT" i="1" noProof="0" dirty="0" err="1">
                 <a:solidFill>
                   <a:schemeClr val="tx2"/>
                 </a:solidFill>
@@ -32269,7 +34072,7 @@
               <a:t>Character</a:t>
             </a:r>
             <a:r>
-              <a:rPr lang="it-IT" sz="1600" i="1">
+              <a:rPr lang="it-IT" i="1" noProof="0" dirty="0">
                 <a:solidFill>
                   <a:schemeClr val="tx2"/>
                 </a:solidFill>
@@ -32379,7 +34182,7 @@
           <a:lstStyle/>
           <a:p>
             <a:pPr algn="ctr"/>
-            <a:endParaRPr lang="en-US"/>
+            <a:endParaRPr lang="it-IT" noProof="0" dirty="0"/>
           </a:p>
         </p:txBody>
       </p:sp>
@@ -32413,7 +34216,7 @@
           <a:p>
             <a:pPr algn="ctr"/>
             <a:r>
-              <a:rPr lang="it-IT" sz="4000">
+              <a:rPr lang="it-IT" sz="4000" noProof="0" dirty="0">
                 <a:solidFill>
                   <a:schemeClr val="bg1"/>
                 </a:solidFill>
@@ -34410,7 +36213,7 @@
             <a:lstStyle/>
             <a:p>
               <a:pPr algn="ctr"/>
-              <a:endParaRPr lang="en-US"/>
+              <a:endParaRPr lang="it-IT" noProof="0" dirty="0"/>
             </a:p>
           </p:txBody>
         </p:sp>
@@ -36288,7 +38091,7 @@
             <a:lstStyle/>
             <a:p>
               <a:pPr algn="ctr"/>
-              <a:endParaRPr lang="en-US"/>
+              <a:endParaRPr lang="it-IT" noProof="0" dirty="0"/>
             </a:p>
           </p:txBody>
         </p:sp>
@@ -36325,7 +38128,7 @@
               <a:buNone/>
             </a:pPr>
             <a:r>
-              <a:rPr lang="it-IT" sz="1200">
+              <a:rPr lang="it-IT" sz="1200" noProof="0" dirty="0">
                 <a:solidFill>
                   <a:schemeClr val="bg1">
                     <a:alpha val="80000"/>
@@ -36373,7 +38176,7 @@
               </a:spcAft>
             </a:pPr>
             <a:r>
-              <a:rPr lang="it-IT" sz="700">
+              <a:rPr lang="it-IT" sz="700" noProof="0" dirty="0">
                 <a:solidFill>
                   <a:srgbClr val="FFFFFF"/>
                 </a:solidFill>
@@ -36388,7 +38191,7 @@
               <a:t>Questa foto</a:t>
             </a:r>
             <a:r>
-              <a:rPr lang="it-IT" sz="700">
+              <a:rPr lang="it-IT" sz="700" noProof="0" dirty="0">
                 <a:solidFill>
                   <a:srgbClr val="FFFFFF"/>
                 </a:solidFill>
@@ -36396,7 +38199,7 @@
               <a:t> di Autore sconosciuto è concesso in licenza da </a:t>
             </a:r>
             <a:r>
-              <a:rPr lang="it-IT" sz="700">
+              <a:rPr lang="it-IT" sz="700" noProof="0" dirty="0">
                 <a:solidFill>
                   <a:srgbClr val="FFFFFF"/>
                 </a:solidFill>
@@ -36410,7 +38213,7 @@
               </a:rPr>
               <a:t>CC BY-SA</a:t>
             </a:r>
-            <a:endParaRPr lang="it-IT" sz="700">
+            <a:endParaRPr lang="it-IT" sz="700" noProof="0" dirty="0">
               <a:solidFill>
                 <a:srgbClr val="FFFFFF"/>
               </a:solidFill>
@@ -36606,7 +38409,7 @@
           </a:lstStyle>
           <a:p>
             <a:pPr algn="ctr"/>
-            <a:endParaRPr lang="en-US"/>
+            <a:endParaRPr lang="it-IT" noProof="0" dirty="0"/>
           </a:p>
         </p:txBody>
       </p:sp>
@@ -36687,7 +38490,7 @@
               <a:tabLst/>
               <a:defRPr/>
             </a:pPr>
-            <a:endParaRPr kumimoji="0" lang="en-US" sz="1800" b="0" i="0" u="none" strike="noStrike" kern="1200" cap="none" spc="0" normalizeH="0" baseline="0" noProof="0">
+            <a:endParaRPr kumimoji="0" lang="it-IT" sz="1800" b="0" i="0" u="none" strike="noStrike" kern="1200" cap="none" spc="0" normalizeH="0" baseline="0" noProof="0" dirty="0">
               <a:ln>
                 <a:noFill/>
               </a:ln>
@@ -36733,7 +38536,7 @@
           <a:lstStyle/>
           <a:p>
             <a:r>
-              <a:rPr lang="en-US" kern="1200">
+              <a:rPr lang="it-IT" kern="1200" noProof="0" dirty="0">
                 <a:latin typeface="+mj-lt"/>
                 <a:ea typeface="+mj-ea"/>
                 <a:cs typeface="+mj-cs"/>
@@ -36875,7 +38678,7 @@
           <a:lstStyle/>
           <a:p>
             <a:pPr algn="ctr"/>
-            <a:endParaRPr lang="en-US"/>
+            <a:endParaRPr lang="it-IT" noProof="0" dirty="0"/>
           </a:p>
         </p:txBody>
       </p:sp>
@@ -37001,11 +38804,11 @@
               <a:buNone/>
             </a:pPr>
             <a:r>
-              <a:rPr lang="it-IT" b="1"/>
+              <a:rPr lang="it-IT" b="1" noProof="0" dirty="0"/>
               <a:t>Usiamo il pattern MVC (Model – View – Controller) nel nostro progetto perché ci permette di </a:t>
             </a:r>
             <a:r>
-              <a:rPr lang="it-IT"/>
+              <a:rPr lang="it-IT" noProof="0" dirty="0"/>
               <a:t>separare la logica di gioco, la grafica e i controlli, rendendo lo sviluppo del nostro progetto più chiaro, modulare e facilmente estendibile.</a:t>
             </a:r>
           </a:p>
@@ -37013,13 +38816,13 @@
             <a:pPr marL="0" indent="0">
               <a:buNone/>
             </a:pPr>
-            <a:endParaRPr lang="it-IT"/>
+            <a:endParaRPr lang="it-IT" noProof="0" dirty="0"/>
           </a:p>
           <a:p>
             <a:pPr marL="0" indent="0">
               <a:buNone/>
             </a:pPr>
-            <a:endParaRPr lang="it-IT"/>
+            <a:endParaRPr lang="it-IT" noProof="0" dirty="0"/>
           </a:p>
         </p:txBody>
       </p:sp>
@@ -37211,7 +39014,7 @@
           </a:lstStyle>
           <a:p>
             <a:pPr algn="ctr"/>
-            <a:endParaRPr lang="en-US"/>
+            <a:endParaRPr lang="it-IT" noProof="0" dirty="0"/>
           </a:p>
         </p:txBody>
       </p:sp>
@@ -37374,7 +39177,7 @@
               <a:tabLst/>
               <a:defRPr/>
             </a:pPr>
-            <a:endParaRPr kumimoji="0" lang="en-US" sz="1800" b="0" i="0" u="none" strike="noStrike" kern="1200" cap="none" spc="0" normalizeH="0" baseline="0" noProof="0">
+            <a:endParaRPr kumimoji="0" lang="it-IT" sz="1800" b="0" i="0" u="none" strike="noStrike" kern="1200" cap="none" spc="0" normalizeH="0" baseline="0" noProof="0" dirty="0">
               <a:ln>
                 <a:noFill/>
               </a:ln>
@@ -37423,7 +39226,7 @@
               <a:buNone/>
             </a:pPr>
             <a:r>
-              <a:rPr lang="en-US" b="1"/>
+              <a:rPr lang="it-IT" b="1" noProof="0" dirty="0"/>
               <a:t>Model</a:t>
             </a:r>
           </a:p>
@@ -37432,110 +39235,30 @@
               <a:buNone/>
             </a:pPr>
             <a:r>
-              <a:rPr lang="en-US" err="1"/>
-              <a:t>Contiene</a:t>
+              <a:rPr lang="it-IT" noProof="0" dirty="0"/>
+              <a:t>Contiene </a:t>
             </a:r>
             <a:r>
-              <a:rPr lang="en-US"/>
-              <a:t> </a:t>
+              <a:rPr lang="it-IT" b="1" noProof="0" dirty="0"/>
+              <a:t>la logica del gioco</a:t>
             </a:r>
             <a:r>
-              <a:rPr lang="en-US" b="1"/>
-              <a:t>la </a:t>
+              <a:rPr lang="it-IT" noProof="0" dirty="0"/>
+              <a:t> e i </a:t>
             </a:r>
             <a:r>
-              <a:rPr lang="en-US" b="1" err="1"/>
-              <a:t>logica</a:t>
+              <a:rPr lang="it-IT" b="1" noProof="0" dirty="0"/>
+              <a:t>dati.</a:t>
             </a:r>
-            <a:r>
-              <a:rPr lang="en-US" b="1"/>
-              <a:t> del </a:t>
-            </a:r>
-            <a:r>
-              <a:rPr lang="en-US" b="1" err="1"/>
-              <a:t>gioco</a:t>
-            </a:r>
-            <a:r>
-              <a:rPr lang="en-US"/>
-              <a:t> e </a:t>
-            </a:r>
-            <a:r>
-              <a:rPr lang="en-US" err="1"/>
-              <a:t>i</a:t>
-            </a:r>
-            <a:r>
-              <a:rPr lang="en-US"/>
-              <a:t> </a:t>
-            </a:r>
-            <a:r>
-              <a:rPr lang="en-US" b="1" err="1"/>
-              <a:t>dati</a:t>
-            </a:r>
-            <a:r>
-              <a:rPr lang="en-US" b="1"/>
-              <a:t>.</a:t>
-            </a:r>
-            <a:endParaRPr lang="en-US"/>
+            <a:endParaRPr lang="it-IT" noProof="0" dirty="0"/>
           </a:p>
           <a:p>
             <a:pPr marL="0" indent="0">
               <a:buNone/>
             </a:pPr>
             <a:r>
-              <a:rPr lang="en-US" err="1"/>
-              <a:t>Esempi</a:t>
-            </a:r>
-            <a:r>
-              <a:rPr lang="en-US"/>
-              <a:t>: </a:t>
-            </a:r>
-            <a:r>
-              <a:rPr lang="en-US" err="1"/>
-              <a:t>Statistiche</a:t>
-            </a:r>
-            <a:r>
-              <a:rPr lang="en-US"/>
-              <a:t> del </a:t>
-            </a:r>
-            <a:r>
-              <a:rPr lang="en-US" err="1"/>
-              <a:t>personaggio</a:t>
-            </a:r>
-            <a:r>
-              <a:rPr lang="en-US"/>
-              <a:t> (HP, mana, </a:t>
-            </a:r>
-            <a:r>
-              <a:rPr lang="en-US" err="1"/>
-              <a:t>livello</a:t>
-            </a:r>
-            <a:r>
-              <a:rPr lang="en-US"/>
-              <a:t>, </a:t>
-            </a:r>
-            <a:r>
-              <a:rPr lang="en-US" err="1"/>
-              <a:t>Inventario</a:t>
-            </a:r>
-            <a:r>
-              <a:rPr lang="en-US"/>
-              <a:t>, </a:t>
-            </a:r>
-            <a:r>
-              <a:rPr lang="en-US" err="1"/>
-              <a:t>nemici</a:t>
-            </a:r>
-            <a:r>
-              <a:rPr lang="en-US"/>
-              <a:t> e </a:t>
-            </a:r>
-            <a:r>
-              <a:rPr lang="en-US" err="1"/>
-              <a:t>oggetti</a:t>
-            </a:r>
-            <a:r>
-              <a:rPr lang="en-US"/>
-              <a:t>)</a:t>
+              <a:rPr lang="it-IT" noProof="0" dirty="0"/>
+              <a:t>Esempi: Statistiche del personaggio (HP, mana, livello, Inventario, nemici e oggetti)</a:t>
             </a:r>
           </a:p>
           <a:p>
@@ -37543,57 +39266,13 @@
               <a:buNone/>
             </a:pPr>
             <a:r>
-              <a:rPr lang="en-US" b="1"/>
-              <a:t>Non </a:t>
+              <a:rPr lang="it-IT" b="1" noProof="0" dirty="0"/>
+              <a:t>Non sa nulla di come il gioco viene mostrato a schermo</a:t>
             </a:r>
-            <a:r>
-              <a:rPr lang="en-US" b="1" err="1"/>
-              <a:t>sa</a:t>
-            </a:r>
-            <a:r>
-              <a:rPr lang="en-US" b="1"/>
-              <a:t> </a:t>
-            </a:r>
-            <a:r>
-              <a:rPr lang="en-US" b="1" err="1"/>
-              <a:t>nulla</a:t>
-            </a:r>
-            <a:r>
-              <a:rPr lang="en-US" b="1"/>
-              <a:t> di come il </a:t>
-            </a:r>
-            <a:r>
-              <a:rPr lang="en-US" b="1" err="1"/>
-              <a:t>gioco</a:t>
-            </a:r>
-            <a:r>
-              <a:rPr lang="en-US" b="1"/>
-              <a:t> </a:t>
-            </a:r>
-            <a:r>
-              <a:rPr lang="en-US" b="1" err="1"/>
-              <a:t>viene</a:t>
-            </a:r>
-            <a:r>
-              <a:rPr lang="en-US" b="1"/>
-              <a:t> </a:t>
-            </a:r>
-            <a:r>
-              <a:rPr lang="en-US" b="1" err="1"/>
-              <a:t>mostrato</a:t>
-            </a:r>
-            <a:r>
-              <a:rPr lang="en-US" b="1"/>
-              <a:t> a </a:t>
-            </a:r>
-            <a:r>
-              <a:rPr lang="en-US" b="1" err="1"/>
-              <a:t>schermo</a:t>
-            </a:r>
-            <a:endParaRPr lang="en-US"/>
+            <a:endParaRPr lang="it-IT" noProof="0" dirty="0"/>
           </a:p>
           <a:p>
-            <a:endParaRPr lang="en-US"/>
+            <a:endParaRPr lang="it-IT" noProof="0" dirty="0"/>
           </a:p>
         </p:txBody>
       </p:sp>
@@ -37785,7 +39464,7 @@
           </a:lstStyle>
           <a:p>
             <a:pPr algn="ctr"/>
-            <a:endParaRPr lang="en-US"/>
+            <a:endParaRPr lang="it-IT" noProof="0" dirty="0"/>
           </a:p>
         </p:txBody>
       </p:sp>
@@ -37852,7 +39531,7 @@
           <a:lstStyle/>
           <a:p>
             <a:pPr algn="ctr"/>
-            <a:endParaRPr lang="en-US"/>
+            <a:endParaRPr lang="it-IT" noProof="0" dirty="0"/>
           </a:p>
         </p:txBody>
       </p:sp>
@@ -37886,7 +39565,7 @@
           <a:p>
             <a:pPr algn="ctr"/>
             <a:r>
-              <a:rPr lang="it-IT" sz="4000" b="1"/>
+              <a:rPr lang="it-IT" sz="4000" b="1" noProof="0" dirty="0"/>
               <a:t>View</a:t>
             </a:r>
           </a:p>
@@ -37924,7 +39603,7 @@
               <a:buNone/>
             </a:pPr>
             <a:r>
-              <a:rPr lang="it-IT" sz="2400"/>
+              <a:rPr lang="it-IT" sz="2400" noProof="0" dirty="0"/>
               <a:t>Si occupa solo della visualizzazione</a:t>
             </a:r>
           </a:p>
@@ -37933,7 +39612,7 @@
               <a:buNone/>
             </a:pPr>
             <a:r>
-              <a:rPr lang="it-IT" sz="2400"/>
+              <a:rPr lang="it-IT" sz="2400" noProof="0" dirty="0"/>
               <a:t>Esempi: Sprite del personaggio, Mappa 2D</a:t>
             </a:r>
           </a:p>
@@ -37942,7 +39621,7 @@
               <a:buNone/>
             </a:pPr>
             <a:r>
-              <a:rPr lang="it-IT"/>
+              <a:rPr lang="it-IT" noProof="0" dirty="0"/>
               <a:t>HUD (vita, mana, XP).</a:t>
             </a:r>
           </a:p>
@@ -37951,7 +39630,7 @@
               <a:buNone/>
             </a:pPr>
             <a:r>
-              <a:rPr lang="it-IT" sz="2400"/>
+              <a:rPr lang="it-IT" sz="2400" noProof="0" dirty="0"/>
               <a:t>Mostra i dati del Model, senza modificarli</a:t>
             </a:r>
           </a:p>
@@ -37959,7 +39638,7 @@
             <a:pPr marL="0" indent="0">
               <a:buNone/>
             </a:pPr>
-            <a:endParaRPr lang="it-IT" sz="2000"/>
+            <a:endParaRPr lang="it-IT" sz="2000" noProof="0" dirty="0"/>
           </a:p>
         </p:txBody>
       </p:sp>
@@ -38103,7 +39782,7 @@
           <a:lstStyle/>
           <a:p>
             <a:pPr algn="ctr"/>
-            <a:endParaRPr lang="en-US"/>
+            <a:endParaRPr lang="it-IT" noProof="0" dirty="0"/>
           </a:p>
         </p:txBody>
       </p:sp>
@@ -38207,7 +39886,7 @@
           <a:p>
             <a:pPr algn="ctr"/>
             <a:r>
-              <a:rPr lang="it-IT" sz="4000">
+              <a:rPr lang="it-IT" sz="4000" noProof="0" dirty="0">
                 <a:solidFill>
                   <a:schemeClr val="bg1"/>
                 </a:solidFill>
@@ -40125,7 +41804,7 @@
             <a:lstStyle/>
             <a:p>
               <a:pPr algn="ctr"/>
-              <a:endParaRPr lang="en-US"/>
+              <a:endParaRPr lang="it-IT" noProof="0" dirty="0"/>
             </a:p>
           </p:txBody>
         </p:sp>
@@ -42003,7 +43682,7 @@
             <a:lstStyle/>
             <a:p>
               <a:pPr algn="ctr"/>
-              <a:endParaRPr lang="en-US"/>
+              <a:endParaRPr lang="it-IT" noProof="0" dirty="0"/>
             </a:p>
           </p:txBody>
         </p:sp>
@@ -42040,7 +43719,7 @@
               <a:buNone/>
             </a:pPr>
             <a:r>
-              <a:rPr lang="it-IT" sz="1900">
+              <a:rPr lang="it-IT" sz="1900" noProof="0" dirty="0">
                 <a:solidFill>
                   <a:schemeClr val="bg1">
                     <a:alpha val="80000"/>
@@ -42055,7 +43734,7 @@
               <a:buNone/>
             </a:pPr>
             <a:r>
-              <a:rPr lang="it-IT" sz="1900">
+              <a:rPr lang="it-IT" sz="1900" noProof="0" dirty="0">
                 <a:solidFill>
                   <a:schemeClr val="bg1">
                     <a:alpha val="80000"/>
@@ -42070,7 +43749,7 @@
               <a:buNone/>
             </a:pPr>
             <a:r>
-              <a:rPr lang="it-IT" sz="1900">
+              <a:rPr lang="it-IT" sz="1900" noProof="0" dirty="0">
                 <a:solidFill>
                   <a:schemeClr val="bg1">
                     <a:alpha val="80000"/>
@@ -42085,7 +43764,7 @@
               <a:buNone/>
             </a:pPr>
             <a:r>
-              <a:rPr lang="it-IT" sz="1900">
+              <a:rPr lang="it-IT" sz="1900" noProof="0" dirty="0">
                 <a:solidFill>
                   <a:schemeClr val="bg1">
                     <a:alpha val="80000"/>
@@ -42099,7 +43778,7 @@
             <a:pPr marL="0" indent="0">
               <a:buNone/>
             </a:pPr>
-            <a:endParaRPr lang="it-IT" sz="1900">
+            <a:endParaRPr lang="it-IT" sz="1900" noProof="0" dirty="0">
               <a:solidFill>
                 <a:schemeClr val="bg1">
                   <a:alpha val="80000"/>
@@ -42203,7 +43882,7 @@
           <a:lstStyle/>
           <a:p>
             <a:pPr algn="ctr"/>
-            <a:endParaRPr lang="en-US"/>
+            <a:endParaRPr lang="it-IT" noProof="0" dirty="0"/>
           </a:p>
         </p:txBody>
       </p:sp>
@@ -42266,7 +43945,7 @@
           <a:lstStyle/>
           <a:p>
             <a:pPr algn="ctr"/>
-            <a:endParaRPr lang="en-US"/>
+            <a:endParaRPr lang="it-IT" noProof="0" dirty="0"/>
           </a:p>
         </p:txBody>
       </p:sp>
@@ -42300,7 +43979,7 @@
           <a:p>
             <a:pPr algn="ctr"/>
             <a:r>
-              <a:rPr lang="it-IT">
+              <a:rPr lang="it-IT" noProof="0" dirty="0">
                 <a:solidFill>
                   <a:schemeClr val="bg1"/>
                 </a:solidFill>
@@ -42308,14 +43987,14 @@
               <a:t>User Story 1: Game </a:t>
             </a:r>
             <a:r>
-              <a:rPr lang="it-IT" err="1">
+              <a:rPr lang="it-IT" noProof="0" dirty="0" err="1">
                 <a:solidFill>
                   <a:schemeClr val="bg1"/>
                 </a:solidFill>
               </a:rPr>
               <a:t>Launch</a:t>
             </a:r>
-            <a:endParaRPr lang="it-IT">
+            <a:endParaRPr lang="it-IT" noProof="0" dirty="0">
               <a:solidFill>
                 <a:schemeClr val="bg1"/>
               </a:solidFill>
@@ -42552,7 +44231,7 @@
             <a:bodyPr rtlCol="0" anchor="ctr"/>
             <a:lstStyle/>
             <a:p>
-              <a:endParaRPr lang="en-US"/>
+              <a:endParaRPr lang="it-IT" noProof="0" dirty="0"/>
             </a:p>
           </p:txBody>
         </p:sp>
@@ -42751,7 +44430,7 @@
             <a:bodyPr rtlCol="0" anchor="ctr"/>
             <a:lstStyle/>
             <a:p>
-              <a:endParaRPr lang="en-US"/>
+              <a:endParaRPr lang="it-IT" noProof="0" dirty="0"/>
             </a:p>
           </p:txBody>
         </p:sp>
@@ -42822,7 +44501,7 @@
           <a:lstStyle/>
           <a:p>
             <a:pPr algn="ctr"/>
-            <a:endParaRPr lang="en-US"/>
+            <a:endParaRPr lang="it-IT" noProof="0" dirty="0"/>
           </a:p>
         </p:txBody>
       </p:sp>
@@ -42894,7 +44573,7 @@
           <a:lstStyle/>
           <a:p>
             <a:pPr algn="ctr"/>
-            <a:endParaRPr lang="en-US"/>
+            <a:endParaRPr lang="it-IT" noProof="0" dirty="0"/>
           </a:p>
         </p:txBody>
       </p:sp>
@@ -43009,7 +44688,7 @@
             <a:bodyPr rtlCol="0" anchor="ctr"/>
             <a:lstStyle/>
             <a:p>
-              <a:endParaRPr lang="en-US"/>
+              <a:endParaRPr lang="it-IT" noProof="0" dirty="0"/>
             </a:p>
           </p:txBody>
         </p:sp>
@@ -43108,7 +44787,7 @@
             <a:bodyPr rtlCol="0" anchor="ctr"/>
             <a:lstStyle/>
             <a:p>
-              <a:endParaRPr lang="en-US"/>
+              <a:endParaRPr lang="it-IT" noProof="0" dirty="0"/>
             </a:p>
           </p:txBody>
         </p:sp>
@@ -43207,7 +44886,7 @@
             <a:bodyPr rtlCol="0" anchor="ctr"/>
             <a:lstStyle/>
             <a:p>
-              <a:endParaRPr lang="en-US"/>
+              <a:endParaRPr lang="it-IT" noProof="0" dirty="0"/>
             </a:p>
           </p:txBody>
         </p:sp>
@@ -43306,7 +44985,7 @@
             <a:bodyPr rtlCol="0" anchor="ctr"/>
             <a:lstStyle/>
             <a:p>
-              <a:endParaRPr lang="en-US"/>
+              <a:endParaRPr lang="it-IT" noProof="0" dirty="0"/>
             </a:p>
           </p:txBody>
         </p:sp>
@@ -43405,7 +45084,7 @@
             <a:bodyPr rtlCol="0" anchor="ctr"/>
             <a:lstStyle/>
             <a:p>
-              <a:endParaRPr lang="en-US"/>
+              <a:endParaRPr lang="it-IT" noProof="0" dirty="0"/>
             </a:p>
           </p:txBody>
         </p:sp>
@@ -43504,7 +45183,7 @@
             <a:bodyPr rtlCol="0" anchor="ctr"/>
             <a:lstStyle/>
             <a:p>
-              <a:endParaRPr lang="en-US"/>
+              <a:endParaRPr lang="it-IT" noProof="0" dirty="0"/>
             </a:p>
           </p:txBody>
         </p:sp>
@@ -43619,7 +45298,7 @@
             <a:bodyPr rtlCol="0" anchor="ctr"/>
             <a:lstStyle/>
             <a:p>
-              <a:endParaRPr lang="en-US"/>
+              <a:endParaRPr lang="it-IT" noProof="0" dirty="0"/>
             </a:p>
           </p:txBody>
         </p:sp>
@@ -43710,7 +45389,7 @@
             <a:bodyPr rtlCol="0" anchor="ctr"/>
             <a:lstStyle/>
             <a:p>
-              <a:endParaRPr lang="en-US"/>
+              <a:endParaRPr lang="it-IT" noProof="0" dirty="0"/>
             </a:p>
           </p:txBody>
         </p:sp>
@@ -43801,7 +45480,7 @@
             <a:bodyPr rtlCol="0" anchor="ctr"/>
             <a:lstStyle/>
             <a:p>
-              <a:endParaRPr lang="en-US"/>
+              <a:endParaRPr lang="it-IT" noProof="0" dirty="0"/>
             </a:p>
           </p:txBody>
         </p:sp>
@@ -43892,7 +45571,7 @@
             <a:bodyPr rtlCol="0" anchor="ctr"/>
             <a:lstStyle/>
             <a:p>
-              <a:endParaRPr lang="en-US"/>
+              <a:endParaRPr lang="it-IT" noProof="0" dirty="0"/>
             </a:p>
           </p:txBody>
         </p:sp>
@@ -43983,7 +45662,7 @@
             <a:bodyPr rtlCol="0" anchor="ctr"/>
             <a:lstStyle/>
             <a:p>
-              <a:endParaRPr lang="en-US"/>
+              <a:endParaRPr lang="it-IT" noProof="0" dirty="0"/>
             </a:p>
           </p:txBody>
         </p:sp>
@@ -44074,7 +45753,7 @@
             <a:bodyPr rtlCol="0" anchor="ctr"/>
             <a:lstStyle/>
             <a:p>
-              <a:endParaRPr lang="en-US"/>
+              <a:endParaRPr lang="it-IT" noProof="0" dirty="0"/>
             </a:p>
           </p:txBody>
         </p:sp>
@@ -44147,7 +45826,7 @@
             <a:bodyPr rtlCol="0" anchor="ctr"/>
             <a:lstStyle/>
             <a:p>
-              <a:endParaRPr lang="en-US"/>
+              <a:endParaRPr lang="it-IT" noProof="0" dirty="0"/>
             </a:p>
           </p:txBody>
         </p:sp>
@@ -44168,7 +45847,7 @@
             <p:ph idx="1"/>
             <p:extLst>
               <p:ext uri="{D42A27DB-BD31-4B8C-83A1-F6EECF244321}">
-                <p14:modId xmlns:p14="http://schemas.microsoft.com/office/powerpoint/2010/main" val="1019899411"/>
+                <p14:modId xmlns:p14="http://schemas.microsoft.com/office/powerpoint/2010/main" val="77411672"/>
               </p:ext>
             </p:extLst>
           </p:nvPr>
@@ -44371,7 +46050,7 @@
           </a:lstStyle>
           <a:p>
             <a:pPr algn="ctr"/>
-            <a:endParaRPr lang="en-US"/>
+            <a:endParaRPr lang="it-IT" noProof="0" dirty="0"/>
           </a:p>
         </p:txBody>
       </p:sp>
@@ -44452,7 +46131,7 @@
               <a:tabLst/>
               <a:defRPr/>
             </a:pPr>
-            <a:endParaRPr kumimoji="0" lang="en-US" sz="1800" b="0" i="0" u="none" strike="noStrike" kern="1200" cap="none" spc="0" normalizeH="0" baseline="0" noProof="0">
+            <a:endParaRPr kumimoji="0" lang="it-IT" sz="1800" b="0" i="0" u="none" strike="noStrike" kern="1200" cap="none" spc="0" normalizeH="0" baseline="0" noProof="0" dirty="0">
               <a:ln>
                 <a:noFill/>
               </a:ln>
@@ -44601,7 +46280,7 @@
           <a:lstStyle/>
           <a:p>
             <a:pPr algn="ctr"/>
-            <a:endParaRPr lang="en-US"/>
+            <a:endParaRPr lang="it-IT" noProof="0" dirty="0"/>
           </a:p>
         </p:txBody>
       </p:sp>
@@ -44711,15 +46390,15 @@
               <a:buNone/>
             </a:pPr>
             <a:r>
-              <a:rPr lang="it-IT" sz="2600"/>
+              <a:rPr lang="it-IT" sz="2600" noProof="0" dirty="0"/>
               <a:t>Il Game </a:t>
             </a:r>
             <a:r>
-              <a:rPr lang="it-IT" sz="2600" err="1"/>
+              <a:rPr lang="it-IT" sz="2600" noProof="0" dirty="0" err="1"/>
               <a:t>Launcher</a:t>
             </a:r>
             <a:r>
-              <a:rPr lang="it-IT" sz="2600"/>
+              <a:rPr lang="it-IT" sz="2600" noProof="0" dirty="0"/>
               <a:t> viene implementato come Singleton per garantire l’esistenza di una sola istanza responsabile dell’inizializzazione del gioco e della visualizzazione del menu principale. Tale scelta evita conflitti nella fase di avvio, semplifica la gestione dello stato iniziale e offre un punto di accesso globale sicuro e controllato</a:t>
             </a:r>
           </a:p>
@@ -44727,13 +46406,13 @@
             <a:pPr marL="0" indent="0">
               <a:buNone/>
             </a:pPr>
-            <a:endParaRPr lang="en-US" sz="2600"/>
+            <a:endParaRPr lang="it-IT" sz="2600" noProof="0" dirty="0"/>
           </a:p>
           <a:p>
             <a:pPr marL="0" indent="0">
               <a:buNone/>
             </a:pPr>
-            <a:endParaRPr lang="en-US" sz="2600"/>
+            <a:endParaRPr lang="it-IT" sz="2600" noProof="0" dirty="0"/>
           </a:p>
         </p:txBody>
       </p:sp>
@@ -44831,7 +46510,7 @@
           <a:lstStyle/>
           <a:p>
             <a:pPr algn="ctr"/>
-            <a:endParaRPr lang="en-US"/>
+            <a:endParaRPr lang="it-IT" noProof="0" dirty="0"/>
           </a:p>
         </p:txBody>
       </p:sp>
@@ -44894,7 +46573,7 @@
           <a:lstStyle/>
           <a:p>
             <a:pPr algn="ctr"/>
-            <a:endParaRPr lang="en-US" sz="800"/>
+            <a:endParaRPr lang="it-IT" sz="800" noProof="0" dirty="0"/>
           </a:p>
         </p:txBody>
       </p:sp>
@@ -44928,7 +46607,7 @@
           <a:p>
             <a:pPr algn="ctr"/>
             <a:r>
-              <a:rPr lang="it-IT" sz="4000">
+              <a:rPr lang="it-IT" sz="4000" noProof="0" dirty="0">
                 <a:solidFill>
                   <a:schemeClr val="tx2"/>
                 </a:solidFill>
@@ -45363,7 +47042,7 @@
             <a:lstStyle/>
             <a:p>
               <a:pPr algn="ctr"/>
-              <a:endParaRPr lang="en-US"/>
+              <a:endParaRPr lang="it-IT" noProof="0" dirty="0"/>
             </a:p>
           </p:txBody>
         </p:sp>
@@ -45555,7 +47234,7 @@
             <a:lstStyle/>
             <a:p>
               <a:pPr algn="ctr"/>
-              <a:endParaRPr lang="en-US"/>
+              <a:endParaRPr lang="it-IT" noProof="0" dirty="0"/>
             </a:p>
           </p:txBody>
         </p:sp>
@@ -45809,7 +47488,7 @@
             <a:lstStyle/>
             <a:p>
               <a:pPr algn="ctr"/>
-              <a:endParaRPr lang="en-US" sz="800"/>
+              <a:endParaRPr lang="it-IT" sz="800" noProof="0" dirty="0"/>
             </a:p>
           </p:txBody>
         </p:sp>
@@ -46001,7 +47680,7 @@
             <a:lstStyle/>
             <a:p>
               <a:pPr algn="ctr"/>
-              <a:endParaRPr lang="en-US"/>
+              <a:endParaRPr lang="it-IT" noProof="0" dirty="0"/>
             </a:p>
           </p:txBody>
         </p:sp>
@@ -46245,7 +47924,7 @@
             <a:lstStyle/>
             <a:p>
               <a:pPr algn="ctr"/>
-              <a:endParaRPr lang="en-US"/>
+              <a:endParaRPr lang="it-IT" noProof="0" dirty="0"/>
             </a:p>
           </p:txBody>
         </p:sp>
@@ -46457,7 +48136,7 @@
             <a:lstStyle/>
             <a:p>
               <a:pPr algn="ctr"/>
-              <a:endParaRPr lang="en-US"/>
+              <a:endParaRPr lang="it-IT" noProof="0" dirty="0"/>
             </a:p>
           </p:txBody>
         </p:sp>
@@ -46779,7 +48458,7 @@
             <a:lstStyle/>
             <a:p>
               <a:pPr algn="ctr"/>
-              <a:endParaRPr lang="en-US"/>
+              <a:endParaRPr lang="it-IT" noProof="0" dirty="0"/>
             </a:p>
           </p:txBody>
         </p:sp>
@@ -47257,7 +48936,7 @@
             <a:lstStyle/>
             <a:p>
               <a:pPr algn="ctr"/>
-              <a:endParaRPr lang="en-US"/>
+              <a:endParaRPr lang="it-IT" noProof="0" dirty="0"/>
             </a:p>
           </p:txBody>
         </p:sp>
@@ -47278,7 +48957,7 @@
             <p:ph idx="1"/>
             <p:extLst>
               <p:ext uri="{D42A27DB-BD31-4B8C-83A1-F6EECF244321}">
-                <p14:modId xmlns:p14="http://schemas.microsoft.com/office/powerpoint/2010/main" val="584830444"/>
+                <p14:modId xmlns:p14="http://schemas.microsoft.com/office/powerpoint/2010/main" val="151067558"/>
               </p:ext>
             </p:extLst>
           </p:nvPr>
